--- a/EFWとMVCの比較v0.1.pptx
+++ b/EFWとMVCの比較v0.1.pptx
@@ -181,7 +181,7 @@
 </file>
 
 <file path=ppt/charts/chart1.xml><?xml version="1.0" encoding="utf-8"?>
-<c:chartSpace xmlns:c="http://schemas.openxmlformats.org/drawingml/2006/chart" xmlns:a="http://schemas.openxmlformats.org/drawingml/2006/main" xmlns:r="http://schemas.openxmlformats.org/officeDocument/2006/relationships">
+<c:chartSpace xmlns:c="http://schemas.openxmlformats.org/drawingml/2006/chart" xmlns:a="http://schemas.openxmlformats.org/drawingml/2006/main" xmlns:r="http://schemas.openxmlformats.org/officeDocument/2006/relationships" xmlns:c16r2="http://schemas.microsoft.com/office/drawing/2015/06/chart">
   <c:date1904 val="0"/>
   <c:lang val="ja-JP"/>
   <c:roundedCorners val="0"/>
@@ -312,6 +312,9 @@
                   <c15:dlblFieldTable/>
                   <c15:showDataLabelsRange val="0"/>
                 </c:ext>
+                <c:ext xmlns:c16="http://schemas.microsoft.com/office/drawing/2014/chart" uri="{C3380CC4-5D6E-409C-BE32-E72D297353CC}">
+                  <c16:uniqueId val="{00000000-9D0D-435D-8000-783A7CAB93E6}"/>
+                </c:ext>
               </c:extLst>
             </c:dLbl>
             <c:dLbl>
@@ -359,6 +362,9 @@
                 <c:ext xmlns:c15="http://schemas.microsoft.com/office/drawing/2012/chart" uri="{CE6537A1-D6FC-4f65-9D91-7224C49458BB}">
                   <c15:dlblFieldTable/>
                   <c15:showDataLabelsRange val="0"/>
+                </c:ext>
+                <c:ext xmlns:c16="http://schemas.microsoft.com/office/drawing/2014/chart" uri="{C3380CC4-5D6E-409C-BE32-E72D297353CC}">
+                  <c16:uniqueId val="{00000001-9D0D-435D-8000-783A7CAB93E6}"/>
                 </c:ext>
               </c:extLst>
             </c:dLbl>
@@ -443,6 +449,11 @@
               </c:numCache>
             </c:numRef>
           </c:val>
+          <c:extLst>
+            <c:ext xmlns:c16="http://schemas.microsoft.com/office/drawing/2014/chart" uri="{C3380CC4-5D6E-409C-BE32-E72D297353CC}">
+              <c16:uniqueId val="{00000002-9D0D-435D-8000-783A7CAB93E6}"/>
+            </c:ext>
+          </c:extLst>
         </c:ser>
         <c:ser>
           <c:idx val="1"/>
@@ -516,6 +527,9 @@
                   <c15:dlblFieldTable/>
                   <c15:showDataLabelsRange val="0"/>
                 </c:ext>
+                <c:ext xmlns:c16="http://schemas.microsoft.com/office/drawing/2014/chart" uri="{C3380CC4-5D6E-409C-BE32-E72D297353CC}">
+                  <c16:uniqueId val="{00000003-9D0D-435D-8000-783A7CAB93E6}"/>
+                </c:ext>
               </c:extLst>
             </c:dLbl>
             <c:dLbl>
@@ -523,6 +537,9 @@
               <c:delete val="1"/>
               <c:extLst>
                 <c:ext xmlns:c15="http://schemas.microsoft.com/office/drawing/2012/chart" uri="{CE6537A1-D6FC-4f65-9D91-7224C49458BB}"/>
+                <c:ext xmlns:c16="http://schemas.microsoft.com/office/drawing/2014/chart" uri="{C3380CC4-5D6E-409C-BE32-E72D297353CC}">
+                  <c16:uniqueId val="{00000004-9D0D-435D-8000-783A7CAB93E6}"/>
+                </c:ext>
               </c:extLst>
             </c:dLbl>
             <c:spPr>
@@ -606,6 +623,11 @@
               </c:numCache>
             </c:numRef>
           </c:val>
+          <c:extLst>
+            <c:ext xmlns:c16="http://schemas.microsoft.com/office/drawing/2014/chart" uri="{C3380CC4-5D6E-409C-BE32-E72D297353CC}">
+              <c16:uniqueId val="{00000005-9D0D-435D-8000-783A7CAB93E6}"/>
+            </c:ext>
+          </c:extLst>
         </c:ser>
         <c:ser>
           <c:idx val="2"/>
@@ -646,11 +668,11 @@
                       <a:t>[系列名]</a:t>
                     </a:fld>
                     <a:r>
-                      <a:rPr lang="ja-JP" altLang="en-US" baseline="0" smtClean="0"/>
+                      <a:rPr lang="ja-JP" altLang="en-US" baseline="0"/>
                       <a:t>：</a:t>
                     </a:r>
                     <a:r>
-                      <a:rPr lang="en-US" altLang="ja-JP" baseline="0" smtClean="0"/>
+                      <a:rPr lang="en-US" altLang="ja-JP" baseline="0"/>
                       <a:t> </a:t>
                     </a:r>
                     <a:fld id="{0987E439-A70F-43E5-A3C0-86312FEE6099}" type="VALUE">
@@ -658,7 +680,7 @@
                       <a:pPr/>
                       <a:t>[値]</a:t>
                     </a:fld>
-                    <a:endParaRPr lang="en-US" altLang="ja-JP" baseline="0" smtClean="0"/>
+                    <a:endParaRPr lang="en-US" altLang="ja-JP" baseline="0"/>
                   </a:p>
                 </c:rich>
               </c:tx>
@@ -673,6 +695,9 @@
                   <c15:dlblFieldTable/>
                   <c15:showDataLabelsRange val="0"/>
                 </c:ext>
+                <c:ext xmlns:c16="http://schemas.microsoft.com/office/drawing/2014/chart" uri="{C3380CC4-5D6E-409C-BE32-E72D297353CC}">
+                  <c16:uniqueId val="{00000006-9D0D-435D-8000-783A7CAB93E6}"/>
+                </c:ext>
               </c:extLst>
             </c:dLbl>
             <c:dLbl>
@@ -680,6 +705,9 @@
               <c:delete val="1"/>
               <c:extLst>
                 <c:ext xmlns:c15="http://schemas.microsoft.com/office/drawing/2012/chart" uri="{CE6537A1-D6FC-4f65-9D91-7224C49458BB}"/>
+                <c:ext xmlns:c16="http://schemas.microsoft.com/office/drawing/2014/chart" uri="{C3380CC4-5D6E-409C-BE32-E72D297353CC}">
+                  <c16:uniqueId val="{00000007-9D0D-435D-8000-783A7CAB93E6}"/>
+                </c:ext>
               </c:extLst>
             </c:dLbl>
             <c:spPr>
@@ -763,6 +791,11 @@
               </c:numCache>
             </c:numRef>
           </c:val>
+          <c:extLst>
+            <c:ext xmlns:c16="http://schemas.microsoft.com/office/drawing/2014/chart" uri="{C3380CC4-5D6E-409C-BE32-E72D297353CC}">
+              <c16:uniqueId val="{00000008-9D0D-435D-8000-783A7CAB93E6}"/>
+            </c:ext>
+          </c:extLst>
         </c:ser>
         <c:ser>
           <c:idx val="3"/>
@@ -809,11 +842,11 @@
                       <a:t>[系列名]</a:t>
                     </a:fld>
                     <a:r>
-                      <a:rPr lang="ja-JP" altLang="en-US" baseline="0" dirty="0" smtClean="0"/>
+                      <a:rPr lang="ja-JP" altLang="en-US" baseline="0" dirty="0"/>
                       <a:t>：</a:t>
                     </a:r>
                     <a:r>
-                      <a:rPr lang="en-US" altLang="ja-JP" baseline="0" dirty="0" smtClean="0"/>
+                      <a:rPr lang="en-US" altLang="ja-JP" baseline="0" dirty="0"/>
                       <a:t> </a:t>
                     </a:r>
                     <a:fld id="{F34166AA-20D0-4404-B257-13E4B276181A}" type="VALUE">
@@ -821,7 +854,7 @@
                       <a:pPr/>
                       <a:t>[値]</a:t>
                     </a:fld>
-                    <a:endParaRPr lang="en-US" altLang="ja-JP" baseline="0" dirty="0" smtClean="0"/>
+                    <a:endParaRPr lang="en-US" altLang="ja-JP" baseline="0" dirty="0"/>
                   </a:p>
                 </c:rich>
               </c:tx>
@@ -835,6 +868,9 @@
                 <c:ext xmlns:c15="http://schemas.microsoft.com/office/drawing/2012/chart" uri="{CE6537A1-D6FC-4f65-9D91-7224C49458BB}">
                   <c15:dlblFieldTable/>
                   <c15:showDataLabelsRange val="0"/>
+                </c:ext>
+                <c:ext xmlns:c16="http://schemas.microsoft.com/office/drawing/2014/chart" uri="{C3380CC4-5D6E-409C-BE32-E72D297353CC}">
+                  <c16:uniqueId val="{00000009-9D0D-435D-8000-783A7CAB93E6}"/>
                 </c:ext>
               </c:extLst>
             </c:dLbl>
@@ -851,11 +887,11 @@
                       <a:t>[系列名]</a:t>
                     </a:fld>
                     <a:r>
-                      <a:rPr lang="ja-JP" altLang="en-US" baseline="0" smtClean="0"/>
+                      <a:rPr lang="ja-JP" altLang="en-US" baseline="0"/>
                       <a:t>：</a:t>
                     </a:r>
                     <a:r>
-                      <a:rPr lang="en-US" altLang="ja-JP" baseline="0" smtClean="0"/>
+                      <a:rPr lang="en-US" altLang="ja-JP" baseline="0"/>
                       <a:t> </a:t>
                     </a:r>
                     <a:fld id="{8D70F2E3-6E5C-45A9-AFE0-EE215E2CD87E}" type="VALUE">
@@ -863,7 +899,7 @@
                       <a:pPr/>
                       <a:t>[値]</a:t>
                     </a:fld>
-                    <a:endParaRPr lang="en-US" altLang="ja-JP" baseline="0" smtClean="0"/>
+                    <a:endParaRPr lang="en-US" altLang="ja-JP" baseline="0"/>
                   </a:p>
                 </c:rich>
               </c:tx>
@@ -877,6 +913,9 @@
                 <c:ext xmlns:c15="http://schemas.microsoft.com/office/drawing/2012/chart" uri="{CE6537A1-D6FC-4f65-9D91-7224C49458BB}">
                   <c15:dlblFieldTable/>
                   <c15:showDataLabelsRange val="0"/>
+                </c:ext>
+                <c:ext xmlns:c16="http://schemas.microsoft.com/office/drawing/2014/chart" uri="{C3380CC4-5D6E-409C-BE32-E72D297353CC}">
+                  <c16:uniqueId val="{0000000A-9D0D-435D-8000-783A7CAB93E6}"/>
                 </c:ext>
               </c:extLst>
             </c:dLbl>
@@ -961,6 +1000,11 @@
               </c:numCache>
             </c:numRef>
           </c:val>
+          <c:extLst>
+            <c:ext xmlns:c16="http://schemas.microsoft.com/office/drawing/2014/chart" uri="{C3380CC4-5D6E-409C-BE32-E72D297353CC}">
+              <c16:uniqueId val="{0000000B-9D0D-435D-8000-783A7CAB93E6}"/>
+            </c:ext>
+          </c:extLst>
         </c:ser>
         <c:ser>
           <c:idx val="4"/>
@@ -1007,11 +1051,11 @@
                       <a:t>[系列名]</a:t>
                     </a:fld>
                     <a:r>
-                      <a:rPr lang="ja-JP" altLang="en-US" baseline="0" dirty="0" smtClean="0"/>
+                      <a:rPr lang="ja-JP" altLang="en-US" baseline="0" dirty="0"/>
                       <a:t>：</a:t>
                     </a:r>
                     <a:r>
-                      <a:rPr lang="en-US" altLang="ja-JP" baseline="0" dirty="0" smtClean="0"/>
+                      <a:rPr lang="en-US" altLang="ja-JP" baseline="0" dirty="0"/>
                       <a:t> </a:t>
                     </a:r>
                     <a:fld id="{C3DB3094-C95B-4EAB-A277-937C697A903B}" type="VALUE">
@@ -1019,7 +1063,7 @@
                       <a:pPr/>
                       <a:t>[値]</a:t>
                     </a:fld>
-                    <a:endParaRPr lang="en-US" altLang="ja-JP" baseline="0" dirty="0" smtClean="0"/>
+                    <a:endParaRPr lang="en-US" altLang="ja-JP" baseline="0" dirty="0"/>
                   </a:p>
                 </c:rich>
               </c:tx>
@@ -1033,6 +1077,9 @@
                 <c:ext xmlns:c15="http://schemas.microsoft.com/office/drawing/2012/chart" uri="{CE6537A1-D6FC-4f65-9D91-7224C49458BB}">
                   <c15:dlblFieldTable/>
                   <c15:showDataLabelsRange val="0"/>
+                </c:ext>
+                <c:ext xmlns:c16="http://schemas.microsoft.com/office/drawing/2014/chart" uri="{C3380CC4-5D6E-409C-BE32-E72D297353CC}">
+                  <c16:uniqueId val="{0000000C-9D0D-435D-8000-783A7CAB93E6}"/>
                 </c:ext>
               </c:extLst>
             </c:dLbl>
@@ -1049,11 +1096,11 @@
                       <a:t>[系列名]</a:t>
                     </a:fld>
                     <a:r>
-                      <a:rPr lang="ja-JP" altLang="en-US" baseline="0" smtClean="0"/>
+                      <a:rPr lang="ja-JP" altLang="en-US" baseline="0"/>
                       <a:t>：</a:t>
                     </a:r>
                     <a:r>
-                      <a:rPr lang="en-US" altLang="ja-JP" baseline="0" smtClean="0"/>
+                      <a:rPr lang="en-US" altLang="ja-JP" baseline="0"/>
                       <a:t> </a:t>
                     </a:r>
                     <a:fld id="{5B6077DC-D8E1-4B4E-923A-D4188219A9B0}" type="VALUE">
@@ -1061,7 +1108,7 @@
                       <a:pPr/>
                       <a:t>[値]</a:t>
                     </a:fld>
-                    <a:endParaRPr lang="en-US" altLang="ja-JP" baseline="0" smtClean="0"/>
+                    <a:endParaRPr lang="en-US" altLang="ja-JP" baseline="0"/>
                   </a:p>
                 </c:rich>
               </c:tx>
@@ -1075,6 +1122,9 @@
                 <c:ext xmlns:c15="http://schemas.microsoft.com/office/drawing/2012/chart" uri="{CE6537A1-D6FC-4f65-9D91-7224C49458BB}">
                   <c15:dlblFieldTable/>
                   <c15:showDataLabelsRange val="0"/>
+                </c:ext>
+                <c:ext xmlns:c16="http://schemas.microsoft.com/office/drawing/2014/chart" uri="{C3380CC4-5D6E-409C-BE32-E72D297353CC}">
+                  <c16:uniqueId val="{0000000D-9D0D-435D-8000-783A7CAB93E6}"/>
                 </c:ext>
               </c:extLst>
             </c:dLbl>
@@ -1159,6 +1209,11 @@
               </c:numCache>
             </c:numRef>
           </c:val>
+          <c:extLst>
+            <c:ext xmlns:c16="http://schemas.microsoft.com/office/drawing/2014/chart" uri="{C3380CC4-5D6E-409C-BE32-E72D297353CC}">
+              <c16:uniqueId val="{0000000E-9D0D-435D-8000-783A7CAB93E6}"/>
+            </c:ext>
+          </c:extLst>
         </c:ser>
         <c:dLbls>
           <c:showLegendKey val="0"/>
@@ -2036,7 +2091,7 @@
               <a:pPr>
                 <a:defRPr/>
               </a:pPr>
-              <a:t>2020/1/15</a:t>
+              <a:t>2022/12/1</a:t>
             </a:fld>
             <a:endParaRPr lang="en-US" altLang="ja-JP"/>
           </a:p>
@@ -2338,7 +2393,7 @@
               <a:pPr>
                 <a:defRPr/>
               </a:pPr>
-              <a:t>2020/1/15</a:t>
+              <a:t>2022/12/1</a:t>
             </a:fld>
             <a:endParaRPr lang="en-US" altLang="ja-JP"/>
           </a:p>
@@ -2430,67 +2485,67 @@
           <a:p>
             <a:pPr lvl="0"/>
             <a:r>
-              <a:rPr lang="ja-JP" altLang="en-US" noProof="0" smtClean="0"/>
+              <a:rPr lang="ja-JP" altLang="en-US" noProof="0"/>
               <a:t>マスター テキストの書式設定</a:t>
             </a:r>
           </a:p>
           <a:p>
             <a:pPr lvl="1"/>
             <a:r>
-              <a:rPr lang="ja-JP" altLang="en-US" noProof="0" smtClean="0"/>
+              <a:rPr lang="ja-JP" altLang="en-US" noProof="0"/>
               <a:t>第 </a:t>
             </a:r>
             <a:r>
-              <a:rPr lang="en-US" altLang="ja-JP" noProof="0" smtClean="0"/>
+              <a:rPr lang="en-US" altLang="ja-JP" noProof="0"/>
               <a:t>2 </a:t>
             </a:r>
             <a:r>
-              <a:rPr lang="ja-JP" altLang="en-US" noProof="0" smtClean="0"/>
+              <a:rPr lang="ja-JP" altLang="en-US" noProof="0"/>
               <a:t>レベル</a:t>
             </a:r>
           </a:p>
           <a:p>
             <a:pPr lvl="2"/>
             <a:r>
-              <a:rPr lang="ja-JP" altLang="en-US" noProof="0" smtClean="0"/>
+              <a:rPr lang="ja-JP" altLang="en-US" noProof="0"/>
               <a:t>第 </a:t>
             </a:r>
             <a:r>
-              <a:rPr lang="en-US" altLang="ja-JP" noProof="0" smtClean="0"/>
+              <a:rPr lang="en-US" altLang="ja-JP" noProof="0"/>
               <a:t>3 </a:t>
             </a:r>
             <a:r>
-              <a:rPr lang="ja-JP" altLang="en-US" noProof="0" smtClean="0"/>
+              <a:rPr lang="ja-JP" altLang="en-US" noProof="0"/>
               <a:t>レベル</a:t>
             </a:r>
           </a:p>
           <a:p>
             <a:pPr lvl="3"/>
             <a:r>
-              <a:rPr lang="ja-JP" altLang="en-US" noProof="0" smtClean="0"/>
+              <a:rPr lang="ja-JP" altLang="en-US" noProof="0"/>
               <a:t>第 </a:t>
             </a:r>
             <a:r>
-              <a:rPr lang="en-US" altLang="ja-JP" noProof="0" smtClean="0"/>
+              <a:rPr lang="en-US" altLang="ja-JP" noProof="0"/>
               <a:t>4 </a:t>
             </a:r>
             <a:r>
-              <a:rPr lang="ja-JP" altLang="en-US" noProof="0" smtClean="0"/>
+              <a:rPr lang="ja-JP" altLang="en-US" noProof="0"/>
               <a:t>レベル</a:t>
             </a:r>
           </a:p>
           <a:p>
             <a:pPr lvl="4"/>
             <a:r>
-              <a:rPr lang="ja-JP" altLang="en-US" noProof="0" smtClean="0"/>
+              <a:rPr lang="ja-JP" altLang="en-US" noProof="0"/>
               <a:t>第 </a:t>
             </a:r>
             <a:r>
-              <a:rPr lang="en-US" altLang="ja-JP" noProof="0" smtClean="0"/>
+              <a:rPr lang="en-US" altLang="ja-JP" noProof="0"/>
               <a:t>5 </a:t>
             </a:r>
             <a:r>
-              <a:rPr lang="ja-JP" altLang="en-US" noProof="0" smtClean="0"/>
+              <a:rPr lang="ja-JP" altLang="en-US" noProof="0"/>
               <a:t>レベル</a:t>
             </a:r>
           </a:p>
@@ -2836,7 +2891,7 @@
                 <a:spcPct val="0"/>
               </a:spcBef>
             </a:pPr>
-            <a:endParaRPr lang="ja-JP" altLang="en-US" sz="1800" smtClean="0"/>
+            <a:endParaRPr lang="ja-JP" altLang="en-US" sz="1800"/>
           </a:p>
         </p:txBody>
       </p:sp>
@@ -3105,7 +3160,7 @@
           <a:bodyPr/>
           <a:lstStyle/>
           <a:p>
-            <a:endParaRPr lang="ja-JP" altLang="en-US" smtClean="0"/>
+            <a:endParaRPr lang="ja-JP" altLang="en-US"/>
           </a:p>
         </p:txBody>
       </p:sp>
@@ -3374,7 +3429,7 @@
           <a:bodyPr/>
           <a:lstStyle/>
           <a:p>
-            <a:endParaRPr lang="ja-JP" altLang="en-US" smtClean="0"/>
+            <a:endParaRPr lang="ja-JP" altLang="en-US"/>
           </a:p>
         </p:txBody>
       </p:sp>
@@ -3643,7 +3698,7 @@
           <a:bodyPr/>
           <a:lstStyle/>
           <a:p>
-            <a:endParaRPr lang="ja-JP" altLang="en-US" smtClean="0"/>
+            <a:endParaRPr lang="ja-JP" altLang="en-US"/>
           </a:p>
         </p:txBody>
       </p:sp>
@@ -3912,7 +3967,7 @@
           <a:bodyPr/>
           <a:lstStyle/>
           <a:p>
-            <a:endParaRPr lang="ja-JP" altLang="en-US" smtClean="0"/>
+            <a:endParaRPr lang="ja-JP" altLang="en-US"/>
           </a:p>
         </p:txBody>
       </p:sp>
@@ -4332,14 +4387,14 @@
               <a:defRPr/>
             </a:pPr>
             <a:r>
-              <a:rPr lang="en-US" altLang="ja-JP" sz="1400" b="1" dirty="0" smtClean="0">
+              <a:rPr lang="en-US" altLang="ja-JP" sz="1400" b="1" dirty="0">
                 <a:solidFill>
                   <a:srgbClr val="C00000"/>
                 </a:solidFill>
               </a:rPr>
               <a:t>EFW MAKE IT EASY</a:t>
             </a:r>
-            <a:endParaRPr lang="ja-JP" altLang="en-US" sz="1400" b="1" dirty="0" smtClean="0">
+            <a:endParaRPr lang="ja-JP" altLang="en-US" sz="1400" b="1" dirty="0">
               <a:solidFill>
                 <a:srgbClr val="C00000"/>
               </a:solidFill>
@@ -4434,10 +4489,9 @@
           </a:lstStyle>
           <a:p>
             <a:r>
-              <a:rPr lang="ja-JP" altLang="en-US" smtClean="0"/>
+              <a:rPr lang="ja-JP" altLang="en-US"/>
               <a:t>マスター タイトルの書式設定</a:t>
             </a:r>
-            <a:endParaRPr lang="ja-JP" altLang="en-US"/>
           </a:p>
         </p:txBody>
       </p:sp>
@@ -4496,70 +4550,69 @@
           <a:p>
             <a:pPr lvl="0"/>
             <a:r>
-              <a:rPr lang="ja-JP" altLang="en-US" smtClean="0"/>
+              <a:rPr lang="ja-JP" altLang="en-US"/>
               <a:t>マスター テキストの書式設定</a:t>
             </a:r>
           </a:p>
           <a:p>
             <a:pPr lvl="1"/>
             <a:r>
-              <a:rPr lang="ja-JP" altLang="en-US" smtClean="0"/>
+              <a:rPr lang="ja-JP" altLang="en-US"/>
               <a:t>第 </a:t>
             </a:r>
             <a:r>
-              <a:rPr lang="en-US" altLang="ja-JP" smtClean="0"/>
+              <a:rPr lang="en-US" altLang="ja-JP"/>
               <a:t>2 </a:t>
             </a:r>
             <a:r>
-              <a:rPr lang="ja-JP" altLang="en-US" smtClean="0"/>
+              <a:rPr lang="ja-JP" altLang="en-US"/>
               <a:t>レベル</a:t>
             </a:r>
           </a:p>
           <a:p>
             <a:pPr lvl="2"/>
             <a:r>
-              <a:rPr lang="ja-JP" altLang="en-US" smtClean="0"/>
+              <a:rPr lang="ja-JP" altLang="en-US"/>
               <a:t>第 </a:t>
             </a:r>
             <a:r>
-              <a:rPr lang="en-US" altLang="ja-JP" smtClean="0"/>
+              <a:rPr lang="en-US" altLang="ja-JP"/>
               <a:t>3 </a:t>
             </a:r>
             <a:r>
-              <a:rPr lang="ja-JP" altLang="en-US" smtClean="0"/>
+              <a:rPr lang="ja-JP" altLang="en-US"/>
               <a:t>レベル</a:t>
             </a:r>
           </a:p>
           <a:p>
             <a:pPr lvl="3"/>
             <a:r>
-              <a:rPr lang="ja-JP" altLang="en-US" smtClean="0"/>
+              <a:rPr lang="ja-JP" altLang="en-US"/>
               <a:t>第 </a:t>
             </a:r>
             <a:r>
-              <a:rPr lang="en-US" altLang="ja-JP" smtClean="0"/>
+              <a:rPr lang="en-US" altLang="ja-JP"/>
               <a:t>4 </a:t>
             </a:r>
             <a:r>
-              <a:rPr lang="ja-JP" altLang="en-US" smtClean="0"/>
+              <a:rPr lang="ja-JP" altLang="en-US"/>
               <a:t>レベル</a:t>
             </a:r>
           </a:p>
           <a:p>
             <a:pPr lvl="4"/>
             <a:r>
-              <a:rPr lang="ja-JP" altLang="en-US" smtClean="0"/>
+              <a:rPr lang="ja-JP" altLang="en-US"/>
               <a:t>第 </a:t>
             </a:r>
             <a:r>
-              <a:rPr lang="en-US" altLang="ja-JP" smtClean="0"/>
+              <a:rPr lang="en-US" altLang="ja-JP"/>
               <a:t>5 </a:t>
             </a:r>
             <a:r>
-              <a:rPr lang="ja-JP" altLang="en-US" smtClean="0"/>
+              <a:rPr lang="ja-JP" altLang="en-US"/>
               <a:t>レベル</a:t>
             </a:r>
-            <a:endParaRPr lang="ja-JP" altLang="en-US"/>
           </a:p>
         </p:txBody>
       </p:sp>
@@ -4606,13 +4659,6 @@
   <p:clrMapOvr>
     <a:masterClrMapping/>
   </p:clrMapOvr>
-  <p:timing>
-    <p:tnLst>
-      <p:par>
-        <p:cTn id="1" dur="indefinite" restart="never" nodeType="tmRoot"/>
-      </p:par>
-    </p:tnLst>
-  </p:timing>
 </p:sldLayout>
 </file>
 
@@ -4693,7 +4739,7 @@
           <a:p>
             <a:pPr lvl="0"/>
             <a:r>
-              <a:rPr lang="ja-JP" altLang="en-US" smtClean="0"/>
+              <a:rPr lang="ja-JP" altLang="en-US"/>
               <a:t>マスター タイトルの書式設定</a:t>
             </a:r>
           </a:p>
@@ -4751,67 +4797,67 @@
           <a:p>
             <a:pPr lvl="0"/>
             <a:r>
-              <a:rPr lang="ja-JP" altLang="en-US" smtClean="0"/>
+              <a:rPr lang="ja-JP" altLang="en-US"/>
               <a:t>マスター テキストの書式設定</a:t>
             </a:r>
           </a:p>
           <a:p>
             <a:pPr lvl="1"/>
             <a:r>
-              <a:rPr lang="ja-JP" altLang="en-US" smtClean="0"/>
+              <a:rPr lang="ja-JP" altLang="en-US"/>
               <a:t>第 </a:t>
             </a:r>
             <a:r>
-              <a:rPr lang="en-US" altLang="ja-JP" smtClean="0"/>
+              <a:rPr lang="en-US" altLang="ja-JP"/>
               <a:t>2 </a:t>
             </a:r>
             <a:r>
-              <a:rPr lang="ja-JP" altLang="en-US" smtClean="0"/>
+              <a:rPr lang="ja-JP" altLang="en-US"/>
               <a:t>レベル</a:t>
             </a:r>
           </a:p>
           <a:p>
             <a:pPr lvl="2"/>
             <a:r>
-              <a:rPr lang="ja-JP" altLang="en-US" smtClean="0"/>
+              <a:rPr lang="ja-JP" altLang="en-US"/>
               <a:t>第 </a:t>
             </a:r>
             <a:r>
-              <a:rPr lang="en-US" altLang="ja-JP" smtClean="0"/>
+              <a:rPr lang="en-US" altLang="ja-JP"/>
               <a:t>3 </a:t>
             </a:r>
             <a:r>
-              <a:rPr lang="ja-JP" altLang="en-US" smtClean="0"/>
+              <a:rPr lang="ja-JP" altLang="en-US"/>
               <a:t>レベル</a:t>
             </a:r>
           </a:p>
           <a:p>
             <a:pPr lvl="3"/>
             <a:r>
-              <a:rPr lang="ja-JP" altLang="en-US" smtClean="0"/>
+              <a:rPr lang="ja-JP" altLang="en-US"/>
               <a:t>第 </a:t>
             </a:r>
             <a:r>
-              <a:rPr lang="en-US" altLang="ja-JP" smtClean="0"/>
+              <a:rPr lang="en-US" altLang="ja-JP"/>
               <a:t>4 </a:t>
             </a:r>
             <a:r>
-              <a:rPr lang="ja-JP" altLang="en-US" smtClean="0"/>
+              <a:rPr lang="ja-JP" altLang="en-US"/>
               <a:t>レベル</a:t>
             </a:r>
           </a:p>
           <a:p>
             <a:pPr lvl="4"/>
             <a:r>
-              <a:rPr lang="ja-JP" altLang="en-US" smtClean="0"/>
+              <a:rPr lang="ja-JP" altLang="en-US"/>
               <a:t>第 </a:t>
             </a:r>
             <a:r>
-              <a:rPr lang="en-US" altLang="ja-JP" smtClean="0"/>
+              <a:rPr lang="en-US" altLang="ja-JP"/>
               <a:t>5 </a:t>
             </a:r>
             <a:r>
-              <a:rPr lang="ja-JP" altLang="en-US" smtClean="0"/>
+              <a:rPr lang="ja-JP" altLang="en-US"/>
               <a:t>レベル</a:t>
             </a:r>
           </a:p>
@@ -4873,13 +4919,6 @@
   <p:sldLayoutIdLst>
     <p:sldLayoutId id="2147483814" r:id="rId1"/>
   </p:sldLayoutIdLst>
-  <p:timing>
-    <p:tnLst>
-      <p:par>
-        <p:cTn id="1" dur="indefinite" restart="never" nodeType="tmRoot"/>
-      </p:par>
-    </p:tnLst>
-  </p:timing>
   <p:hf hdr="0" ftr="0" dt="0"/>
   <p:txStyles>
     <p:titleStyle>
@@ -5474,7 +5513,7 @@
           </a:lstStyle>
           <a:p>
             <a:r>
-              <a:rPr lang="en-US" altLang="ja-JP" sz="3600" dirty="0" smtClean="0">
+              <a:rPr lang="en-US" altLang="ja-JP" sz="3600" dirty="0">
                 <a:latin typeface="Meiryo UI" pitchFamily="50" charset="-128"/>
                 <a:ea typeface="Meiryo UI" pitchFamily="50" charset="-128"/>
                 <a:cs typeface="Meiryo UI" pitchFamily="50" charset="-128"/>
@@ -5482,7 +5521,7 @@
               <a:t>E-FW</a:t>
             </a:r>
             <a:r>
-              <a:rPr lang="ja-JP" altLang="en-US" sz="3600" dirty="0" smtClean="0">
+              <a:rPr lang="ja-JP" altLang="en-US" sz="3600" dirty="0">
                 <a:latin typeface="Meiryo UI" pitchFamily="50" charset="-128"/>
                 <a:ea typeface="Meiryo UI" pitchFamily="50" charset="-128"/>
                 <a:cs typeface="Meiryo UI" pitchFamily="50" charset="-128"/>
@@ -5490,7 +5529,7 @@
               <a:t>と</a:t>
             </a:r>
             <a:r>
-              <a:rPr lang="en-US" altLang="ja-JP" sz="3600" dirty="0" smtClean="0">
+              <a:rPr lang="en-US" altLang="ja-JP" sz="3600" dirty="0">
                 <a:latin typeface="Meiryo UI" pitchFamily="50" charset="-128"/>
                 <a:ea typeface="Meiryo UI" pitchFamily="50" charset="-128"/>
                 <a:cs typeface="Meiryo UI" pitchFamily="50" charset="-128"/>
@@ -5498,14 +5537,14 @@
               <a:t>MVC</a:t>
             </a:r>
             <a:r>
-              <a:rPr lang="ja-JP" altLang="en-US" sz="3600" smtClean="0">
+              <a:rPr lang="ja-JP" altLang="en-US" sz="3600">
                 <a:latin typeface="Meiryo UI" pitchFamily="50" charset="-128"/>
                 <a:ea typeface="Meiryo UI" pitchFamily="50" charset="-128"/>
                 <a:cs typeface="Meiryo UI" pitchFamily="50" charset="-128"/>
               </a:rPr>
               <a:t>の比較</a:t>
             </a:r>
-            <a:endParaRPr lang="en-US" altLang="ja-JP" sz="3600" dirty="0" smtClean="0">
+            <a:endParaRPr lang="en-US" altLang="ja-JP" sz="3600" dirty="0">
               <a:latin typeface="Meiryo UI" pitchFamily="50" charset="-128"/>
               <a:ea typeface="Meiryo UI" pitchFamily="50" charset="-128"/>
               <a:cs typeface="Meiryo UI" pitchFamily="50" charset="-128"/>
@@ -5513,7 +5552,7 @@
           </a:p>
           <a:p>
             <a:r>
-              <a:rPr lang="en-US" altLang="ja-JP" sz="1400" dirty="0" smtClean="0">
+              <a:rPr lang="en-US" altLang="ja-JP" sz="1400" dirty="0">
                 <a:latin typeface="Meiryo UI" pitchFamily="50" charset="-128"/>
                 <a:ea typeface="Meiryo UI" pitchFamily="50" charset="-128"/>
                 <a:cs typeface="Meiryo UI" pitchFamily="50" charset="-128"/>
@@ -5736,7 +5775,7 @@
               <a:buNone/>
             </a:pPr>
             <a:r>
-              <a:rPr lang="en-US" altLang="ja-JP" sz="2400" smtClean="0">
+              <a:rPr lang="en-US" altLang="ja-JP" sz="2400">
                 <a:latin typeface="Meiryo UI" panose="020B0604030504040204" pitchFamily="50" charset="-128"/>
                 <a:ea typeface="Meiryo UI" panose="020B0604030504040204" pitchFamily="50" charset="-128"/>
                 <a:cs typeface="Meiryo UI" panose="020B0604030504040204" pitchFamily="50" charset="-128"/>
@@ -5752,17 +5791,13 @@
         </p:txBody>
       </p:sp>
     </p:spTree>
+    <p:custDataLst>
+      <p:tags r:id="rId1"/>
+    </p:custDataLst>
   </p:cSld>
   <p:clrMapOvr>
     <a:masterClrMapping/>
   </p:clrMapOvr>
-  <p:timing>
-    <p:tnLst>
-      <p:par>
-        <p:cTn id="1" dur="indefinite" restart="never" nodeType="tmRoot"/>
-      </p:par>
-    </p:tnLst>
-  </p:timing>
 </p:sld>
 </file>
 
@@ -5847,18 +5882,7 @@
                 <a:ea typeface="Meiryo UI" pitchFamily="50" charset="-128"/>
                 <a:cs typeface="Meiryo UI" pitchFamily="50" charset="-128"/>
               </a:rPr>
-              <a:t>１</a:t>
-            </a:r>
-            <a:r>
-              <a:rPr lang="ja-JP" altLang="en-US" sz="2800" dirty="0" smtClean="0">
-                <a:solidFill>
-                  <a:schemeClr val="tx2"/>
-                </a:solidFill>
-                <a:latin typeface="Meiryo UI" pitchFamily="50" charset="-128"/>
-                <a:ea typeface="Meiryo UI" pitchFamily="50" charset="-128"/>
-                <a:cs typeface="Meiryo UI" pitchFamily="50" charset="-128"/>
-              </a:rPr>
-              <a:t>．ダミーログインのサンプル</a:t>
+              <a:t>１．ダミーログインのサンプル</a:t>
             </a:r>
             <a:endParaRPr lang="ja-JP" altLang="en-US" sz="1600" dirty="0">
               <a:solidFill>
@@ -6145,9 +6169,27 @@
                 <a:tableStyleId>{5C22544A-7EE6-4342-B048-85BDC9FD1C3A}</a:tableStyleId>
               </a:tblPr>
               <a:tblGrid>
-                <a:gridCol w="963728"/>
-                <a:gridCol w="2015286"/>
-                <a:gridCol w="567573"/>
+                <a:gridCol w="963728">
+                  <a:extLst>
+                    <a:ext uri="{9D8B030D-6E8A-4147-A177-3AD203B41FA5}">
+                      <a16:colId xmlns:a16="http://schemas.microsoft.com/office/drawing/2014/main" val="20000"/>
+                    </a:ext>
+                  </a:extLst>
+                </a:gridCol>
+                <a:gridCol w="2015286">
+                  <a:extLst>
+                    <a:ext uri="{9D8B030D-6E8A-4147-A177-3AD203B41FA5}">
+                      <a16:colId xmlns:a16="http://schemas.microsoft.com/office/drawing/2014/main" val="20001"/>
+                    </a:ext>
+                  </a:extLst>
+                </a:gridCol>
+                <a:gridCol w="567573">
+                  <a:extLst>
+                    <a:ext uri="{9D8B030D-6E8A-4147-A177-3AD203B41FA5}">
+                      <a16:colId xmlns:a16="http://schemas.microsoft.com/office/drawing/2014/main" val="20002"/>
+                    </a:ext>
+                  </a:extLst>
+                </a:gridCol>
               </a:tblGrid>
               <a:tr h="248779">
                 <a:tc>
@@ -6156,16 +6198,12 @@
                     <a:lstStyle/>
                     <a:p>
                       <a:r>
-                        <a:rPr kumimoji="1" lang="ja-JP" altLang="en-US" sz="1000" dirty="0" smtClean="0">
+                        <a:rPr kumimoji="1" lang="ja-JP" altLang="en-US" sz="1000" dirty="0">
                           <a:latin typeface="Meiryo UI" panose="020B0604030504040204" pitchFamily="50" charset="-128"/>
                           <a:ea typeface="Meiryo UI" panose="020B0604030504040204" pitchFamily="50" charset="-128"/>
                         </a:rPr>
                         <a:t>フレームワーク</a:t>
                       </a:r>
-                      <a:endParaRPr kumimoji="1" lang="ja-JP" altLang="en-US" sz="1000" dirty="0">
-                        <a:latin typeface="Meiryo UI" panose="020B0604030504040204" pitchFamily="50" charset="-128"/>
-                        <a:ea typeface="Meiryo UI" panose="020B0604030504040204" pitchFamily="50" charset="-128"/>
-                      </a:endParaRPr>
                     </a:p>
                   </a:txBody>
                   <a:tcPr/>
@@ -6176,10 +6214,9 @@
                     <a:lstStyle/>
                     <a:p>
                       <a:r>
-                        <a:rPr kumimoji="1" lang="ja-JP" altLang="en-US" sz="1000" dirty="0" smtClean="0"/>
+                        <a:rPr kumimoji="1" lang="ja-JP" altLang="en-US" sz="1000" dirty="0"/>
                         <a:t>ファイル名</a:t>
                       </a:r>
-                      <a:endParaRPr kumimoji="1" lang="ja-JP" altLang="en-US" sz="1000" dirty="0"/>
                     </a:p>
                   </a:txBody>
                   <a:tcPr/>
@@ -6190,14 +6227,18 @@
                     <a:lstStyle/>
                     <a:p>
                       <a:r>
-                        <a:rPr kumimoji="1" lang="ja-JP" altLang="en-US" sz="1000" dirty="0" smtClean="0"/>
+                        <a:rPr kumimoji="1" lang="ja-JP" altLang="en-US" sz="1000" dirty="0"/>
                         <a:t>実行数</a:t>
                       </a:r>
-                      <a:endParaRPr kumimoji="1" lang="ja-JP" altLang="en-US" sz="1000" dirty="0"/>
                     </a:p>
                   </a:txBody>
                   <a:tcPr/>
                 </a:tc>
+                <a:extLst>
+                  <a:ext uri="{0D108BD9-81ED-4DB2-BD59-A6C34878D82A}">
+                    <a16:rowId xmlns:a16="http://schemas.microsoft.com/office/drawing/2014/main" val="10000"/>
+                  </a:ext>
+                </a:extLst>
               </a:tr>
               <a:tr h="248779">
                 <a:tc rowSpan="8">
@@ -6206,14 +6247,13 @@
                     <a:lstStyle/>
                     <a:p>
                       <a:r>
-                        <a:rPr kumimoji="1" lang="en-US" altLang="ja-JP" sz="1000" dirty="0" smtClean="0"/>
+                        <a:rPr kumimoji="1" lang="en-US" altLang="ja-JP" sz="1000" dirty="0"/>
                         <a:t>EFW</a:t>
                       </a:r>
                       <a:r>
-                        <a:rPr kumimoji="1" lang="ja-JP" altLang="en-US" sz="1000" dirty="0" smtClean="0"/>
+                        <a:rPr kumimoji="1" lang="ja-JP" altLang="en-US" sz="1000" dirty="0"/>
                         <a:t>の場合</a:t>
                       </a:r>
-                      <a:endParaRPr kumimoji="1" lang="ja-JP" altLang="en-US" sz="1000" dirty="0"/>
                     </a:p>
                   </a:txBody>
                   <a:tcPr/>
@@ -6224,7 +6264,7 @@
                     <a:lstStyle/>
                     <a:p>
                       <a:r>
-                        <a:rPr kumimoji="1" lang="en-US" altLang="ja-JP" sz="1000" dirty="0" err="1" smtClean="0"/>
+                        <a:rPr kumimoji="1" lang="en-US" altLang="ja-JP" sz="1000" dirty="0" err="1"/>
                         <a:t>head.jsp</a:t>
                       </a:r>
                       <a:endParaRPr kumimoji="1" lang="ja-JP" altLang="en-US" sz="1000" dirty="0"/>
@@ -6239,7 +6279,7 @@
                     <a:p>
                       <a:pPr algn="r"/>
                       <a:r>
-                        <a:rPr kumimoji="1" lang="en-US" altLang="ja-JP" sz="1000" dirty="0" smtClean="0"/>
+                        <a:rPr kumimoji="1" lang="en-US" altLang="ja-JP" sz="1000" dirty="0"/>
                         <a:t>17</a:t>
                       </a:r>
                       <a:endParaRPr kumimoji="1" lang="ja-JP" altLang="en-US" sz="1000" dirty="0"/>
@@ -6247,6 +6287,11 @@
                   </a:txBody>
                   <a:tcPr/>
                 </a:tc>
+                <a:extLst>
+                  <a:ext uri="{0D108BD9-81ED-4DB2-BD59-A6C34878D82A}">
+                    <a16:rowId xmlns:a16="http://schemas.microsoft.com/office/drawing/2014/main" val="10001"/>
+                  </a:ext>
+                </a:extLst>
               </a:tr>
               <a:tr h="248779">
                 <a:tc vMerge="1">
@@ -6265,7 +6310,7 @@
                     <a:lstStyle/>
                     <a:p>
                       <a:r>
-                        <a:rPr kumimoji="1" lang="en-US" altLang="ja-JP" sz="1000" dirty="0" err="1" smtClean="0"/>
+                        <a:rPr kumimoji="1" lang="en-US" altLang="ja-JP" sz="1000" dirty="0" err="1"/>
                         <a:t>login.jsp</a:t>
                       </a:r>
                       <a:endParaRPr kumimoji="1" lang="ja-JP" altLang="en-US" sz="1000" dirty="0"/>
@@ -6280,7 +6325,7 @@
                     <a:p>
                       <a:pPr algn="r"/>
                       <a:r>
-                        <a:rPr kumimoji="1" lang="en-US" altLang="ja-JP" sz="1000" dirty="0" smtClean="0"/>
+                        <a:rPr kumimoji="1" lang="en-US" altLang="ja-JP" sz="1000" dirty="0"/>
                         <a:t>46</a:t>
                       </a:r>
                       <a:endParaRPr kumimoji="1" lang="ja-JP" altLang="en-US" sz="1000" dirty="0"/>
@@ -6288,6 +6333,11 @@
                   </a:txBody>
                   <a:tcPr/>
                 </a:tc>
+                <a:extLst>
+                  <a:ext uri="{0D108BD9-81ED-4DB2-BD59-A6C34878D82A}">
+                    <a16:rowId xmlns:a16="http://schemas.microsoft.com/office/drawing/2014/main" val="10002"/>
+                  </a:ext>
+                </a:extLst>
               </a:tr>
               <a:tr h="248779">
                 <a:tc vMerge="1">
@@ -6306,7 +6356,7 @@
                     <a:lstStyle/>
                     <a:p>
                       <a:r>
-                        <a:rPr kumimoji="1" lang="en-US" altLang="ja-JP" sz="1000" dirty="0" smtClean="0"/>
+                        <a:rPr kumimoji="1" lang="en-US" altLang="ja-JP" sz="1000" dirty="0"/>
                         <a:t>context.xml</a:t>
                       </a:r>
                       <a:endParaRPr kumimoji="1" lang="ja-JP" altLang="en-US" sz="1000" dirty="0"/>
@@ -6321,7 +6371,7 @@
                     <a:p>
                       <a:pPr algn="r"/>
                       <a:r>
-                        <a:rPr kumimoji="1" lang="en-US" altLang="ja-JP" sz="1000" dirty="0" smtClean="0"/>
+                        <a:rPr kumimoji="1" lang="en-US" altLang="ja-JP" sz="1000" dirty="0"/>
                         <a:t>16</a:t>
                       </a:r>
                       <a:endParaRPr kumimoji="1" lang="ja-JP" altLang="en-US" sz="1000" dirty="0"/>
@@ -6329,6 +6379,11 @@
                   </a:txBody>
                   <a:tcPr/>
                 </a:tc>
+                <a:extLst>
+                  <a:ext uri="{0D108BD9-81ED-4DB2-BD59-A6C34878D82A}">
+                    <a16:rowId xmlns:a16="http://schemas.microsoft.com/office/drawing/2014/main" val="10003"/>
+                  </a:ext>
+                </a:extLst>
               </a:tr>
               <a:tr h="248779">
                 <a:tc vMerge="1">
@@ -6347,7 +6402,7 @@
                     <a:lstStyle/>
                     <a:p>
                       <a:r>
-                        <a:rPr kumimoji="1" lang="en-US" altLang="ja-JP" sz="1000" dirty="0" err="1" smtClean="0"/>
+                        <a:rPr kumimoji="1" lang="en-US" altLang="ja-JP" sz="1000" dirty="0" err="1"/>
                         <a:t>efw.properties</a:t>
                       </a:r>
                       <a:endParaRPr kumimoji="1" lang="ja-JP" altLang="en-US" sz="1000" dirty="0"/>
@@ -6362,7 +6417,7 @@
                     <a:p>
                       <a:pPr algn="r"/>
                       <a:r>
-                        <a:rPr kumimoji="1" lang="en-US" altLang="ja-JP" sz="1000" dirty="0" smtClean="0"/>
+                        <a:rPr kumimoji="1" lang="en-US" altLang="ja-JP" sz="1000" dirty="0"/>
                         <a:t>7</a:t>
                       </a:r>
                       <a:endParaRPr kumimoji="1" lang="ja-JP" altLang="en-US" sz="1000" dirty="0"/>
@@ -6370,6 +6425,11 @@
                   </a:txBody>
                   <a:tcPr/>
                 </a:tc>
+                <a:extLst>
+                  <a:ext uri="{0D108BD9-81ED-4DB2-BD59-A6C34878D82A}">
+                    <a16:rowId xmlns:a16="http://schemas.microsoft.com/office/drawing/2014/main" val="10004"/>
+                  </a:ext>
+                </a:extLst>
               </a:tr>
               <a:tr h="248779">
                 <a:tc vMerge="1">
@@ -6388,7 +6448,7 @@
                     <a:lstStyle/>
                     <a:p>
                       <a:r>
-                        <a:rPr kumimoji="1" lang="en-US" altLang="ja-JP" sz="1000" dirty="0" smtClean="0"/>
+                        <a:rPr kumimoji="1" lang="en-US" altLang="ja-JP" sz="1000" dirty="0"/>
                         <a:t>head_logout.js</a:t>
                       </a:r>
                       <a:endParaRPr kumimoji="1" lang="ja-JP" altLang="en-US" sz="1000" dirty="0"/>
@@ -6403,7 +6463,7 @@
                     <a:p>
                       <a:pPr algn="r"/>
                       <a:r>
-                        <a:rPr kumimoji="1" lang="en-US" altLang="ja-JP" sz="1000" dirty="0" smtClean="0"/>
+                        <a:rPr kumimoji="1" lang="en-US" altLang="ja-JP" sz="1000" dirty="0"/>
                         <a:t>8</a:t>
                       </a:r>
                       <a:endParaRPr kumimoji="1" lang="ja-JP" altLang="en-US" sz="1000" dirty="0"/>
@@ -6411,6 +6471,11 @@
                   </a:txBody>
                   <a:tcPr/>
                 </a:tc>
+                <a:extLst>
+                  <a:ext uri="{0D108BD9-81ED-4DB2-BD59-A6C34878D82A}">
+                    <a16:rowId xmlns:a16="http://schemas.microsoft.com/office/drawing/2014/main" val="10005"/>
+                  </a:ext>
+                </a:extLst>
               </a:tr>
               <a:tr h="248779">
                 <a:tc vMerge="1">
@@ -6429,7 +6494,7 @@
                     <a:lstStyle/>
                     <a:p>
                       <a:r>
-                        <a:rPr kumimoji="1" lang="en-US" altLang="ja-JP" sz="1000" dirty="0" smtClean="0"/>
+                        <a:rPr kumimoji="1" lang="en-US" altLang="ja-JP" sz="1000" dirty="0"/>
                         <a:t>login_submit.js</a:t>
                       </a:r>
                       <a:endParaRPr kumimoji="1" lang="ja-JP" altLang="en-US" sz="1000" dirty="0"/>
@@ -6444,7 +6509,7 @@
                     <a:p>
                       <a:pPr algn="r"/>
                       <a:r>
-                        <a:rPr kumimoji="1" lang="en-US" altLang="ja-JP" sz="1000" dirty="0" smtClean="0"/>
+                        <a:rPr kumimoji="1" lang="en-US" altLang="ja-JP" sz="1000" dirty="0"/>
                         <a:t>19</a:t>
                       </a:r>
                       <a:endParaRPr kumimoji="1" lang="ja-JP" altLang="en-US" sz="1000" dirty="0"/>
@@ -6452,6 +6517,11 @@
                   </a:txBody>
                   <a:tcPr/>
                 </a:tc>
+                <a:extLst>
+                  <a:ext uri="{0D108BD9-81ED-4DB2-BD59-A6C34878D82A}">
+                    <a16:rowId xmlns:a16="http://schemas.microsoft.com/office/drawing/2014/main" val="10006"/>
+                  </a:ext>
+                </a:extLst>
               </a:tr>
               <a:tr h="248779">
                 <a:tc vMerge="1">
@@ -6470,7 +6540,7 @@
                     <a:lstStyle/>
                     <a:p>
                       <a:r>
-                        <a:rPr kumimoji="1" lang="en-US" altLang="ja-JP" sz="1000" dirty="0" smtClean="0"/>
+                        <a:rPr kumimoji="1" lang="en-US" altLang="ja-JP" sz="1000" dirty="0"/>
                         <a:t>jp.xml</a:t>
                       </a:r>
                       <a:endParaRPr kumimoji="1" lang="ja-JP" altLang="en-US" sz="1000" dirty="0"/>
@@ -6485,7 +6555,7 @@
                     <a:p>
                       <a:pPr algn="r"/>
                       <a:r>
-                        <a:rPr kumimoji="1" lang="en-US" altLang="ja-JP" sz="1000" dirty="0" smtClean="0"/>
+                        <a:rPr kumimoji="1" lang="en-US" altLang="ja-JP" sz="1000" dirty="0"/>
                         <a:t>33</a:t>
                       </a:r>
                       <a:endParaRPr kumimoji="1" lang="ja-JP" altLang="en-US" sz="1000" dirty="0"/>
@@ -6493,6 +6563,11 @@
                   </a:txBody>
                   <a:tcPr/>
                 </a:tc>
+                <a:extLst>
+                  <a:ext uri="{0D108BD9-81ED-4DB2-BD59-A6C34878D82A}">
+                    <a16:rowId xmlns:a16="http://schemas.microsoft.com/office/drawing/2014/main" val="10007"/>
+                  </a:ext>
+                </a:extLst>
               </a:tr>
               <a:tr h="248779">
                 <a:tc vMerge="1">
@@ -6511,7 +6586,7 @@
                     <a:lstStyle/>
                     <a:p>
                       <a:r>
-                        <a:rPr kumimoji="1" lang="en-US" altLang="ja-JP" sz="1000" dirty="0" err="1" smtClean="0"/>
+                        <a:rPr kumimoji="1" lang="en-US" altLang="ja-JP" sz="1000" dirty="0" err="1"/>
                         <a:t>welcome.jsp</a:t>
                       </a:r>
                       <a:endParaRPr kumimoji="1" lang="ja-JP" altLang="en-US" sz="1000" dirty="0"/>
@@ -6526,7 +6601,7 @@
                     <a:p>
                       <a:pPr algn="r"/>
                       <a:r>
-                        <a:rPr kumimoji="1" lang="en-US" altLang="ja-JP" sz="1000" dirty="0" smtClean="0"/>
+                        <a:rPr kumimoji="1" lang="en-US" altLang="ja-JP" sz="1000" dirty="0"/>
                         <a:t>16</a:t>
                       </a:r>
                       <a:endParaRPr kumimoji="1" lang="ja-JP" altLang="en-US" sz="1000" dirty="0"/>
@@ -6534,6 +6609,11 @@
                   </a:txBody>
                   <a:tcPr/>
                 </a:tc>
+                <a:extLst>
+                  <a:ext uri="{0D108BD9-81ED-4DB2-BD59-A6C34878D82A}">
+                    <a16:rowId xmlns:a16="http://schemas.microsoft.com/office/drawing/2014/main" val="10008"/>
+                  </a:ext>
+                </a:extLst>
               </a:tr>
               <a:tr h="248779">
                 <a:tc rowSpan="14">
@@ -6542,14 +6622,13 @@
                     <a:lstStyle/>
                     <a:p>
                       <a:r>
-                        <a:rPr kumimoji="1" lang="en-US" altLang="ja-JP" sz="1000" dirty="0" smtClean="0"/>
+                        <a:rPr kumimoji="1" lang="en-US" altLang="ja-JP" sz="1000" dirty="0"/>
                         <a:t>Spring</a:t>
                       </a:r>
                       <a:r>
-                        <a:rPr kumimoji="1" lang="ja-JP" altLang="en-US" sz="1000" dirty="0" smtClean="0"/>
+                        <a:rPr kumimoji="1" lang="ja-JP" altLang="en-US" sz="1000" dirty="0"/>
                         <a:t>の場合</a:t>
                       </a:r>
-                      <a:endParaRPr kumimoji="1" lang="ja-JP" altLang="en-US" sz="1000" dirty="0"/>
                     </a:p>
                   </a:txBody>
                   <a:tcPr/>
@@ -6560,7 +6639,7 @@
                     <a:lstStyle/>
                     <a:p>
                       <a:r>
-                        <a:rPr kumimoji="1" lang="en-US" altLang="ja-JP" sz="1000" dirty="0" smtClean="0"/>
+                        <a:rPr kumimoji="1" lang="en-US" altLang="ja-JP" sz="1000" dirty="0"/>
                         <a:t>LoginResult.java</a:t>
                       </a:r>
                       <a:endParaRPr kumimoji="1" lang="ja-JP" altLang="en-US" sz="1000" dirty="0"/>
@@ -6575,7 +6654,7 @@
                     <a:p>
                       <a:pPr algn="r"/>
                       <a:r>
-                        <a:rPr kumimoji="1" lang="en-US" altLang="ja-JP" sz="1000" dirty="0" smtClean="0"/>
+                        <a:rPr kumimoji="1" lang="en-US" altLang="ja-JP" sz="1000" dirty="0"/>
                         <a:t>7</a:t>
                       </a:r>
                       <a:endParaRPr kumimoji="1" lang="ja-JP" altLang="en-US" sz="1000" dirty="0"/>
@@ -6583,6 +6662,11 @@
                   </a:txBody>
                   <a:tcPr/>
                 </a:tc>
+                <a:extLst>
+                  <a:ext uri="{0D108BD9-81ED-4DB2-BD59-A6C34878D82A}">
+                    <a16:rowId xmlns:a16="http://schemas.microsoft.com/office/drawing/2014/main" val="10009"/>
+                  </a:ext>
+                </a:extLst>
               </a:tr>
               <a:tr h="248779">
                 <a:tc vMerge="1">
@@ -6601,7 +6685,7 @@
                     <a:lstStyle/>
                     <a:p>
                       <a:r>
-                        <a:rPr kumimoji="1" lang="en-US" altLang="ja-JP" sz="1000" dirty="0" smtClean="0"/>
+                        <a:rPr kumimoji="1" lang="en-US" altLang="ja-JP" sz="1000" dirty="0"/>
                         <a:t>User.java</a:t>
                       </a:r>
                       <a:endParaRPr kumimoji="1" lang="ja-JP" altLang="en-US" sz="1000" dirty="0"/>
@@ -6616,7 +6700,7 @@
                     <a:p>
                       <a:pPr algn="r"/>
                       <a:r>
-                        <a:rPr kumimoji="1" lang="en-US" altLang="ja-JP" sz="1000" dirty="0" smtClean="0"/>
+                        <a:rPr kumimoji="1" lang="en-US" altLang="ja-JP" sz="1000" dirty="0"/>
                         <a:t>13</a:t>
                       </a:r>
                       <a:endParaRPr kumimoji="1" lang="ja-JP" altLang="en-US" sz="1000" dirty="0"/>
@@ -6624,6 +6708,11 @@
                   </a:txBody>
                   <a:tcPr/>
                 </a:tc>
+                <a:extLst>
+                  <a:ext uri="{0D108BD9-81ED-4DB2-BD59-A6C34878D82A}">
+                    <a16:rowId xmlns:a16="http://schemas.microsoft.com/office/drawing/2014/main" val="10010"/>
+                  </a:ext>
+                </a:extLst>
               </a:tr>
               <a:tr h="248779">
                 <a:tc vMerge="1">
@@ -6642,7 +6731,7 @@
                     <a:lstStyle/>
                     <a:p>
                       <a:r>
-                        <a:rPr kumimoji="1" lang="en-US" altLang="ja-JP" sz="1000" dirty="0" smtClean="0"/>
+                        <a:rPr kumimoji="1" lang="en-US" altLang="ja-JP" sz="1000" dirty="0"/>
                         <a:t>AuthUser.java</a:t>
                       </a:r>
                       <a:endParaRPr kumimoji="1" lang="ja-JP" altLang="en-US" sz="1000" dirty="0"/>
@@ -6657,7 +6746,7 @@
                     <a:p>
                       <a:pPr algn="r"/>
                       <a:r>
-                        <a:rPr kumimoji="1" lang="en-US" altLang="ja-JP" sz="1000" dirty="0" smtClean="0"/>
+                        <a:rPr kumimoji="1" lang="en-US" altLang="ja-JP" sz="1000" dirty="0"/>
                         <a:t>20</a:t>
                       </a:r>
                       <a:endParaRPr kumimoji="1" lang="ja-JP" altLang="en-US" sz="1000" dirty="0"/>
@@ -6665,6 +6754,11 @@
                   </a:txBody>
                   <a:tcPr/>
                 </a:tc>
+                <a:extLst>
+                  <a:ext uri="{0D108BD9-81ED-4DB2-BD59-A6C34878D82A}">
+                    <a16:rowId xmlns:a16="http://schemas.microsoft.com/office/drawing/2014/main" val="10011"/>
+                  </a:ext>
+                </a:extLst>
               </a:tr>
               <a:tr h="248779">
                 <a:tc vMerge="1">
@@ -6683,7 +6777,7 @@
                     <a:lstStyle/>
                     <a:p>
                       <a:r>
-                        <a:rPr kumimoji="1" lang="en-US" altLang="ja-JP" sz="1000" dirty="0" smtClean="0"/>
+                        <a:rPr kumimoji="1" lang="en-US" altLang="ja-JP" sz="1000" dirty="0"/>
                         <a:t>DummyLoginService.java</a:t>
                       </a:r>
                       <a:endParaRPr kumimoji="1" lang="ja-JP" altLang="en-US" sz="1000" dirty="0"/>
@@ -6698,7 +6792,7 @@
                     <a:p>
                       <a:pPr algn="r"/>
                       <a:r>
-                        <a:rPr kumimoji="1" lang="en-US" altLang="ja-JP" sz="1000" dirty="0" smtClean="0"/>
+                        <a:rPr kumimoji="1" lang="en-US" altLang="ja-JP" sz="1000" dirty="0"/>
                         <a:t>13</a:t>
                       </a:r>
                       <a:endParaRPr kumimoji="1" lang="ja-JP" altLang="en-US" sz="1000" dirty="0"/>
@@ -6706,6 +6800,11 @@
                   </a:txBody>
                   <a:tcPr/>
                 </a:tc>
+                <a:extLst>
+                  <a:ext uri="{0D108BD9-81ED-4DB2-BD59-A6C34878D82A}">
+                    <a16:rowId xmlns:a16="http://schemas.microsoft.com/office/drawing/2014/main" val="10012"/>
+                  </a:ext>
+                </a:extLst>
               </a:tr>
               <a:tr h="248779">
                 <a:tc vMerge="1">
@@ -6724,7 +6823,7 @@
                     <a:lstStyle/>
                     <a:p>
                       <a:r>
-                        <a:rPr kumimoji="1" lang="en-US" altLang="ja-JP" sz="1000" dirty="0" smtClean="0"/>
+                        <a:rPr kumimoji="1" lang="en-US" altLang="ja-JP" sz="1000" dirty="0"/>
                         <a:t>LoginAjaxController.java</a:t>
                       </a:r>
                       <a:endParaRPr kumimoji="1" lang="ja-JP" altLang="en-US" sz="1000" dirty="0"/>
@@ -6739,7 +6838,7 @@
                     <a:p>
                       <a:pPr algn="r"/>
                       <a:r>
-                        <a:rPr kumimoji="1" lang="en-US" altLang="ja-JP" sz="1000" dirty="0" smtClean="0"/>
+                        <a:rPr kumimoji="1" lang="en-US" altLang="ja-JP" sz="1000" dirty="0"/>
                         <a:t>38</a:t>
                       </a:r>
                       <a:endParaRPr kumimoji="1" lang="ja-JP" altLang="en-US" sz="1000" dirty="0"/>
@@ -6747,6 +6846,11 @@
                   </a:txBody>
                   <a:tcPr/>
                 </a:tc>
+                <a:extLst>
+                  <a:ext uri="{0D108BD9-81ED-4DB2-BD59-A6C34878D82A}">
+                    <a16:rowId xmlns:a16="http://schemas.microsoft.com/office/drawing/2014/main" val="10013"/>
+                  </a:ext>
+                </a:extLst>
               </a:tr>
               <a:tr h="248779">
                 <a:tc vMerge="1">
@@ -6765,7 +6869,7 @@
                     <a:lstStyle/>
                     <a:p>
                       <a:r>
-                        <a:rPr kumimoji="1" lang="en-US" altLang="ja-JP" sz="1000" dirty="0" smtClean="0"/>
+                        <a:rPr kumimoji="1" lang="en-US" altLang="ja-JP" sz="1000" dirty="0"/>
                         <a:t>LoginController.java</a:t>
                       </a:r>
                       <a:endParaRPr kumimoji="1" lang="ja-JP" altLang="en-US" sz="1000" dirty="0"/>
@@ -6780,7 +6884,7 @@
                     <a:p>
                       <a:pPr algn="r"/>
                       <a:r>
-                        <a:rPr kumimoji="1" lang="en-US" altLang="ja-JP" sz="1000" dirty="0" smtClean="0"/>
+                        <a:rPr kumimoji="1" lang="en-US" altLang="ja-JP" sz="1000" dirty="0"/>
                         <a:t>44</a:t>
                       </a:r>
                       <a:endParaRPr kumimoji="1" lang="ja-JP" altLang="en-US" sz="1000" dirty="0"/>
@@ -6788,6 +6892,11 @@
                   </a:txBody>
                   <a:tcPr/>
                 </a:tc>
+                <a:extLst>
+                  <a:ext uri="{0D108BD9-81ED-4DB2-BD59-A6C34878D82A}">
+                    <a16:rowId xmlns:a16="http://schemas.microsoft.com/office/drawing/2014/main" val="10014"/>
+                  </a:ext>
+                </a:extLst>
               </a:tr>
               <a:tr h="248779">
                 <a:tc vMerge="1">
@@ -6806,7 +6915,7 @@
                     <a:lstStyle/>
                     <a:p>
                       <a:r>
-                        <a:rPr kumimoji="1" lang="en-US" altLang="ja-JP" sz="1000" dirty="0" smtClean="0"/>
+                        <a:rPr kumimoji="1" lang="en-US" altLang="ja-JP" sz="1000" dirty="0"/>
                         <a:t>LoginRequest.java</a:t>
                       </a:r>
                       <a:endParaRPr kumimoji="1" lang="ja-JP" altLang="en-US" sz="1000" dirty="0"/>
@@ -6821,7 +6930,7 @@
                     <a:p>
                       <a:pPr algn="r"/>
                       <a:r>
-                        <a:rPr kumimoji="1" lang="en-US" altLang="ja-JP" sz="1000" dirty="0" smtClean="0"/>
+                        <a:rPr kumimoji="1" lang="en-US" altLang="ja-JP" sz="1000" dirty="0"/>
                         <a:t>20</a:t>
                       </a:r>
                       <a:endParaRPr kumimoji="1" lang="ja-JP" altLang="en-US" sz="1000" dirty="0"/>
@@ -6829,6 +6938,11 @@
                   </a:txBody>
                   <a:tcPr/>
                 </a:tc>
+                <a:extLst>
+                  <a:ext uri="{0D108BD9-81ED-4DB2-BD59-A6C34878D82A}">
+                    <a16:rowId xmlns:a16="http://schemas.microsoft.com/office/drawing/2014/main" val="10015"/>
+                  </a:ext>
+                </a:extLst>
               </a:tr>
               <a:tr h="248779">
                 <a:tc vMerge="1">
@@ -6847,7 +6961,7 @@
                     <a:lstStyle/>
                     <a:p>
                       <a:r>
-                        <a:rPr kumimoji="1" lang="en-US" altLang="ja-JP" sz="1000" dirty="0" smtClean="0"/>
+                        <a:rPr kumimoji="1" lang="en-US" altLang="ja-JP" sz="1000" dirty="0"/>
                         <a:t>WelcomeController.java</a:t>
                       </a:r>
                       <a:endParaRPr kumimoji="1" lang="ja-JP" altLang="en-US" sz="1000" dirty="0"/>
@@ -6862,7 +6976,7 @@
                     <a:p>
                       <a:pPr algn="r"/>
                       <a:r>
-                        <a:rPr kumimoji="1" lang="en-US" altLang="ja-JP" sz="1000" dirty="0" smtClean="0"/>
+                        <a:rPr kumimoji="1" lang="en-US" altLang="ja-JP" sz="1000" dirty="0"/>
                         <a:t>25</a:t>
                       </a:r>
                       <a:endParaRPr kumimoji="1" lang="ja-JP" altLang="en-US" sz="1000" dirty="0"/>
@@ -6870,6 +6984,11 @@
                   </a:txBody>
                   <a:tcPr/>
                 </a:tc>
+                <a:extLst>
+                  <a:ext uri="{0D108BD9-81ED-4DB2-BD59-A6C34878D82A}">
+                    <a16:rowId xmlns:a16="http://schemas.microsoft.com/office/drawing/2014/main" val="10016"/>
+                  </a:ext>
+                </a:extLst>
               </a:tr>
               <a:tr h="248779">
                 <a:tc vMerge="1">
@@ -6888,7 +7007,7 @@
                     <a:lstStyle/>
                     <a:p>
                       <a:r>
-                        <a:rPr kumimoji="1" lang="en-US" altLang="ja-JP" sz="1000" dirty="0" smtClean="0"/>
+                        <a:rPr kumimoji="1" lang="en-US" altLang="ja-JP" sz="1000" dirty="0"/>
                         <a:t>SpringBootAppApplication.java</a:t>
                       </a:r>
                       <a:endParaRPr kumimoji="1" lang="ja-JP" altLang="en-US" sz="1000" dirty="0"/>
@@ -6903,7 +7022,7 @@
                     <a:p>
                       <a:pPr algn="r"/>
                       <a:r>
-                        <a:rPr kumimoji="1" lang="en-US" altLang="ja-JP" sz="1000" dirty="0" smtClean="0"/>
+                        <a:rPr kumimoji="1" lang="en-US" altLang="ja-JP" sz="1000" dirty="0"/>
                         <a:t>23</a:t>
                       </a:r>
                       <a:endParaRPr kumimoji="1" lang="ja-JP" altLang="en-US" sz="1000" dirty="0"/>
@@ -6911,6 +7030,11 @@
                   </a:txBody>
                   <a:tcPr/>
                 </a:tc>
+                <a:extLst>
+                  <a:ext uri="{0D108BD9-81ED-4DB2-BD59-A6C34878D82A}">
+                    <a16:rowId xmlns:a16="http://schemas.microsoft.com/office/drawing/2014/main" val="10017"/>
+                  </a:ext>
+                </a:extLst>
               </a:tr>
               <a:tr h="248779">
                 <a:tc vMerge="1">
@@ -6929,7 +7053,7 @@
                     <a:lstStyle/>
                     <a:p>
                       <a:r>
-                        <a:rPr kumimoji="1" lang="en-US" altLang="ja-JP" sz="1000" dirty="0" err="1" smtClean="0"/>
+                        <a:rPr kumimoji="1" lang="en-US" altLang="ja-JP" sz="1000" dirty="0" err="1"/>
                         <a:t>application.properties</a:t>
                       </a:r>
                       <a:endParaRPr kumimoji="1" lang="ja-JP" altLang="en-US" sz="1000" dirty="0"/>
@@ -6944,7 +7068,7 @@
                     <a:p>
                       <a:pPr algn="r"/>
                       <a:r>
-                        <a:rPr kumimoji="1" lang="en-US" altLang="ja-JP" sz="1000" dirty="0" smtClean="0"/>
+                        <a:rPr kumimoji="1" lang="en-US" altLang="ja-JP" sz="1000" dirty="0"/>
                         <a:t>1</a:t>
                       </a:r>
                       <a:endParaRPr kumimoji="1" lang="ja-JP" altLang="en-US" sz="1000" dirty="0"/>
@@ -6952,6 +7076,11 @@
                   </a:txBody>
                   <a:tcPr/>
                 </a:tc>
+                <a:extLst>
+                  <a:ext uri="{0D108BD9-81ED-4DB2-BD59-A6C34878D82A}">
+                    <a16:rowId xmlns:a16="http://schemas.microsoft.com/office/drawing/2014/main" val="10018"/>
+                  </a:ext>
+                </a:extLst>
               </a:tr>
               <a:tr h="248779">
                 <a:tc vMerge="1">
@@ -6970,7 +7099,7 @@
                     <a:lstStyle/>
                     <a:p>
                       <a:r>
-                        <a:rPr kumimoji="1" lang="en-US" altLang="ja-JP" sz="1000" dirty="0" smtClean="0"/>
+                        <a:rPr kumimoji="1" lang="en-US" altLang="ja-JP" sz="1000" dirty="0"/>
                         <a:t>bs.html</a:t>
                       </a:r>
                       <a:endParaRPr kumimoji="1" lang="ja-JP" altLang="en-US" sz="1000" dirty="0"/>
@@ -6985,7 +7114,7 @@
                     <a:p>
                       <a:pPr algn="r"/>
                       <a:r>
-                        <a:rPr kumimoji="1" lang="en-US" altLang="ja-JP" sz="1000" dirty="0" smtClean="0"/>
+                        <a:rPr kumimoji="1" lang="en-US" altLang="ja-JP" sz="1000" dirty="0"/>
                         <a:t>11</a:t>
                       </a:r>
                       <a:endParaRPr kumimoji="1" lang="ja-JP" altLang="en-US" sz="1000" dirty="0"/>
@@ -6993,6 +7122,11 @@
                   </a:txBody>
                   <a:tcPr/>
                 </a:tc>
+                <a:extLst>
+                  <a:ext uri="{0D108BD9-81ED-4DB2-BD59-A6C34878D82A}">
+                    <a16:rowId xmlns:a16="http://schemas.microsoft.com/office/drawing/2014/main" val="10019"/>
+                  </a:ext>
+                </a:extLst>
               </a:tr>
               <a:tr h="248779">
                 <a:tc vMerge="1">
@@ -7011,7 +7145,7 @@
                     <a:lstStyle/>
                     <a:p>
                       <a:r>
-                        <a:rPr kumimoji="1" lang="en-US" altLang="ja-JP" sz="1000" dirty="0" smtClean="0"/>
+                        <a:rPr kumimoji="1" lang="en-US" altLang="ja-JP" sz="1000" dirty="0"/>
                         <a:t>layout.html</a:t>
                       </a:r>
                       <a:endParaRPr kumimoji="1" lang="ja-JP" altLang="en-US" sz="1000" dirty="0"/>
@@ -7026,7 +7160,7 @@
                     <a:p>
                       <a:pPr algn="r"/>
                       <a:r>
-                        <a:rPr kumimoji="1" lang="en-US" altLang="ja-JP" sz="1000" dirty="0" smtClean="0"/>
+                        <a:rPr kumimoji="1" lang="en-US" altLang="ja-JP" sz="1000" dirty="0"/>
                         <a:t>34</a:t>
                       </a:r>
                       <a:endParaRPr kumimoji="1" lang="ja-JP" altLang="en-US" sz="1000" dirty="0"/>
@@ -7034,6 +7168,11 @@
                   </a:txBody>
                   <a:tcPr/>
                 </a:tc>
+                <a:extLst>
+                  <a:ext uri="{0D108BD9-81ED-4DB2-BD59-A6C34878D82A}">
+                    <a16:rowId xmlns:a16="http://schemas.microsoft.com/office/drawing/2014/main" val="10020"/>
+                  </a:ext>
+                </a:extLst>
               </a:tr>
               <a:tr h="248779">
                 <a:tc vMerge="1">
@@ -7052,7 +7191,7 @@
                     <a:lstStyle/>
                     <a:p>
                       <a:r>
-                        <a:rPr kumimoji="1" lang="en-US" altLang="ja-JP" sz="1000" dirty="0" smtClean="0"/>
+                        <a:rPr kumimoji="1" lang="en-US" altLang="ja-JP" sz="1000" dirty="0"/>
                         <a:t>login.html</a:t>
                       </a:r>
                       <a:endParaRPr kumimoji="1" lang="ja-JP" altLang="en-US" sz="1000" dirty="0"/>
@@ -7067,7 +7206,7 @@
                     <a:p>
                       <a:pPr algn="r"/>
                       <a:r>
-                        <a:rPr kumimoji="1" lang="en-US" altLang="ja-JP" sz="1000" dirty="0" smtClean="0"/>
+                        <a:rPr kumimoji="1" lang="en-US" altLang="ja-JP" sz="1000" dirty="0"/>
                         <a:t>46</a:t>
                       </a:r>
                       <a:endParaRPr kumimoji="1" lang="ja-JP" altLang="en-US" sz="1000" dirty="0"/>
@@ -7075,6 +7214,11 @@
                   </a:txBody>
                   <a:tcPr/>
                 </a:tc>
+                <a:extLst>
+                  <a:ext uri="{0D108BD9-81ED-4DB2-BD59-A6C34878D82A}">
+                    <a16:rowId xmlns:a16="http://schemas.microsoft.com/office/drawing/2014/main" val="10021"/>
+                  </a:ext>
+                </a:extLst>
               </a:tr>
               <a:tr h="248779">
                 <a:tc vMerge="1">
@@ -7093,7 +7237,7 @@
                     <a:lstStyle/>
                     <a:p>
                       <a:r>
-                        <a:rPr kumimoji="1" lang="en-US" altLang="ja-JP" sz="1000" dirty="0" smtClean="0"/>
+                        <a:rPr kumimoji="1" lang="en-US" altLang="ja-JP" sz="1000" dirty="0"/>
                         <a:t>welcome.html</a:t>
                       </a:r>
                       <a:endParaRPr kumimoji="1" lang="ja-JP" altLang="en-US" sz="1000" dirty="0"/>
@@ -7108,7 +7252,7 @@
                     <a:p>
                       <a:pPr algn="r"/>
                       <a:r>
-                        <a:rPr kumimoji="1" lang="en-US" altLang="ja-JP" sz="1000" dirty="0" smtClean="0"/>
+                        <a:rPr kumimoji="1" lang="en-US" altLang="ja-JP" sz="1000" dirty="0"/>
                         <a:t>16</a:t>
                       </a:r>
                       <a:endParaRPr kumimoji="1" lang="ja-JP" altLang="en-US" sz="1000" dirty="0"/>
@@ -7116,6 +7260,11 @@
                   </a:txBody>
                   <a:tcPr/>
                 </a:tc>
+                <a:extLst>
+                  <a:ext uri="{0D108BD9-81ED-4DB2-BD59-A6C34878D82A}">
+                    <a16:rowId xmlns:a16="http://schemas.microsoft.com/office/drawing/2014/main" val="10022"/>
+                  </a:ext>
+                </a:extLst>
               </a:tr>
             </a:tbl>
           </a:graphicData>
@@ -7156,7 +7305,7 @@
           <a:lstStyle/>
           <a:p>
             <a:r>
-              <a:rPr lang="en-US" altLang="ja-JP" sz="2000" b="1" dirty="0" smtClean="0">
+              <a:rPr lang="en-US" altLang="ja-JP" sz="2000" b="1" dirty="0">
                 <a:solidFill>
                   <a:schemeClr val="bg1"/>
                 </a:solidFill>
@@ -7168,38 +7317,6 @@
             </a:r>
           </a:p>
           <a:p>
-            <a:endParaRPr lang="en-US" altLang="ja-JP" sz="800" dirty="0" smtClean="0">
-              <a:solidFill>
-                <a:schemeClr val="bg1"/>
-              </a:solidFill>
-              <a:latin typeface="Meiryo UI" panose="020B0604030504040204" pitchFamily="50" charset="-128"/>
-              <a:ea typeface="Meiryo UI" panose="020B0604030504040204" pitchFamily="50" charset="-128"/>
-              <a:cs typeface="Meiryo UI" panose="020B0604030504040204" pitchFamily="50" charset="-128"/>
-            </a:endParaRPr>
-          </a:p>
-          <a:p>
-            <a:r>
-              <a:rPr lang="en-US" altLang="ja-JP" sz="800" dirty="0" smtClean="0">
-                <a:solidFill>
-                  <a:schemeClr val="bg1"/>
-                </a:solidFill>
-                <a:latin typeface="Meiryo UI" panose="020B0604030504040204" pitchFamily="50" charset="-128"/>
-                <a:ea typeface="Meiryo UI" panose="020B0604030504040204" pitchFamily="50" charset="-128"/>
-                <a:cs typeface="Meiryo UI" panose="020B0604030504040204" pitchFamily="50" charset="-128"/>
-              </a:rPr>
-              <a:t>└─</a:t>
-            </a:r>
-            <a:r>
-              <a:rPr lang="en-US" altLang="ja-JP" sz="800" dirty="0" err="1">
-                <a:solidFill>
-                  <a:schemeClr val="bg1"/>
-                </a:solidFill>
-                <a:latin typeface="Meiryo UI" panose="020B0604030504040204" pitchFamily="50" charset="-128"/>
-                <a:ea typeface="Meiryo UI" panose="020B0604030504040204" pitchFamily="50" charset="-128"/>
-                <a:cs typeface="Meiryo UI" panose="020B0604030504040204" pitchFamily="50" charset="-128"/>
-              </a:rPr>
-              <a:t>src</a:t>
-            </a:r>
             <a:endParaRPr lang="en-US" altLang="ja-JP" sz="800" dirty="0">
               <a:solidFill>
                 <a:schemeClr val="bg1"/>
@@ -7219,7 +7336,7 @@
                 <a:ea typeface="Meiryo UI" panose="020B0604030504040204" pitchFamily="50" charset="-128"/>
                 <a:cs typeface="Meiryo UI" panose="020B0604030504040204" pitchFamily="50" charset="-128"/>
               </a:rPr>
-              <a:t>    └─</a:t>
+              <a:t>└─</a:t>
             </a:r>
             <a:r>
               <a:rPr lang="en-US" altLang="ja-JP" sz="800" dirty="0" err="1">
@@ -7230,7 +7347,7 @@
                 <a:ea typeface="Meiryo UI" panose="020B0604030504040204" pitchFamily="50" charset="-128"/>
                 <a:cs typeface="Meiryo UI" panose="020B0604030504040204" pitchFamily="50" charset="-128"/>
               </a:rPr>
-              <a:t>webapp</a:t>
+              <a:t>src</a:t>
             </a:r>
             <a:endParaRPr lang="en-US" altLang="ja-JP" sz="800" dirty="0">
               <a:solidFill>
@@ -7251,7 +7368,7 @@
                 <a:ea typeface="Meiryo UI" panose="020B0604030504040204" pitchFamily="50" charset="-128"/>
                 <a:cs typeface="Meiryo UI" panose="020B0604030504040204" pitchFamily="50" charset="-128"/>
               </a:rPr>
-              <a:t>        │  </a:t>
+              <a:t>    └─</a:t>
             </a:r>
             <a:r>
               <a:rPr lang="en-US" altLang="ja-JP" sz="800" dirty="0" err="1">
@@ -7262,7 +7379,7 @@
                 <a:ea typeface="Meiryo UI" panose="020B0604030504040204" pitchFamily="50" charset="-128"/>
                 <a:cs typeface="Meiryo UI" panose="020B0604030504040204" pitchFamily="50" charset="-128"/>
               </a:rPr>
-              <a:t>head.jsp</a:t>
+              <a:t>webapp</a:t>
             </a:r>
             <a:endParaRPr lang="en-US" altLang="ja-JP" sz="800" dirty="0">
               <a:solidFill>
@@ -7294,7 +7411,7 @@
                 <a:ea typeface="Meiryo UI" panose="020B0604030504040204" pitchFamily="50" charset="-128"/>
                 <a:cs typeface="Meiryo UI" panose="020B0604030504040204" pitchFamily="50" charset="-128"/>
               </a:rPr>
-              <a:t>login.jsp</a:t>
+              <a:t>head.jsp</a:t>
             </a:r>
             <a:endParaRPr lang="en-US" altLang="ja-JP" sz="800" dirty="0">
               <a:solidFill>
@@ -7326,7 +7443,7 @@
                 <a:ea typeface="Meiryo UI" panose="020B0604030504040204" pitchFamily="50" charset="-128"/>
                 <a:cs typeface="Meiryo UI" panose="020B0604030504040204" pitchFamily="50" charset="-128"/>
               </a:rPr>
-              <a:t>welcome.jsp</a:t>
+              <a:t>login.jsp</a:t>
             </a:r>
             <a:endParaRPr lang="en-US" altLang="ja-JP" sz="800" dirty="0">
               <a:solidFill>
@@ -7349,10 +7466,8 @@
               </a:rPr>
               <a:t>        │  </a:t>
             </a:r>
-          </a:p>
-          <a:p>
-            <a:r>
-              <a:rPr lang="en-US" altLang="ja-JP" sz="800" dirty="0">
+            <a:r>
+              <a:rPr lang="en-US" altLang="ja-JP" sz="800" dirty="0" err="1">
                 <a:solidFill>
                   <a:schemeClr val="bg1"/>
                 </a:solidFill>
@@ -7360,18 +7475,7 @@
                 <a:ea typeface="Meiryo UI" panose="020B0604030504040204" pitchFamily="50" charset="-128"/>
                 <a:cs typeface="Meiryo UI" panose="020B0604030504040204" pitchFamily="50" charset="-128"/>
               </a:rPr>
-              <a:t>        ├─</a:t>
-            </a:r>
-            <a:r>
-              <a:rPr lang="en-US" altLang="ja-JP" sz="800" dirty="0" err="1">
-                <a:solidFill>
-                  <a:schemeClr val="bg1"/>
-                </a:solidFill>
-                <a:latin typeface="Meiryo UI" panose="020B0604030504040204" pitchFamily="50" charset="-128"/>
-                <a:ea typeface="Meiryo UI" panose="020B0604030504040204" pitchFamily="50" charset="-128"/>
-                <a:cs typeface="Meiryo UI" panose="020B0604030504040204" pitchFamily="50" charset="-128"/>
-              </a:rPr>
-              <a:t>css</a:t>
+              <a:t>welcome.jsp</a:t>
             </a:r>
             <a:endParaRPr lang="en-US" altLang="ja-JP" sz="800" dirty="0">
               <a:solidFill>
@@ -7392,20 +7496,7 @@
                 <a:ea typeface="Meiryo UI" panose="020B0604030504040204" pitchFamily="50" charset="-128"/>
                 <a:cs typeface="Meiryo UI" panose="020B0604030504040204" pitchFamily="50" charset="-128"/>
               </a:rPr>
-              <a:t>        │      style.css</a:t>
-            </a:r>
-          </a:p>
-          <a:p>
-            <a:r>
-              <a:rPr lang="en-US" altLang="ja-JP" sz="800" dirty="0">
-                <a:solidFill>
-                  <a:schemeClr val="bg1"/>
-                </a:solidFill>
-                <a:latin typeface="Meiryo UI" panose="020B0604030504040204" pitchFamily="50" charset="-128"/>
-                <a:ea typeface="Meiryo UI" panose="020B0604030504040204" pitchFamily="50" charset="-128"/>
-                <a:cs typeface="Meiryo UI" panose="020B0604030504040204" pitchFamily="50" charset="-128"/>
-              </a:rPr>
-              <a:t>        │      </a:t>
+              <a:t>        │  </a:t>
             </a:r>
           </a:p>
           <a:p>
@@ -7429,7 +7520,7 @@
                 <a:ea typeface="Meiryo UI" panose="020B0604030504040204" pitchFamily="50" charset="-128"/>
                 <a:cs typeface="Meiryo UI" panose="020B0604030504040204" pitchFamily="50" charset="-128"/>
               </a:rPr>
-              <a:t>img</a:t>
+              <a:t>css</a:t>
             </a:r>
             <a:endParaRPr lang="en-US" altLang="ja-JP" sz="800" dirty="0">
               <a:solidFill>
@@ -7450,7 +7541,7 @@
                 <a:ea typeface="Meiryo UI" panose="020B0604030504040204" pitchFamily="50" charset="-128"/>
                 <a:cs typeface="Meiryo UI" panose="020B0604030504040204" pitchFamily="50" charset="-128"/>
               </a:rPr>
-              <a:t>        │      logo.jpg</a:t>
+              <a:t>        │      style.css</a:t>
             </a:r>
           </a:p>
           <a:p>
@@ -7476,12 +7567,10 @@
                 <a:ea typeface="Meiryo UI" panose="020B0604030504040204" pitchFamily="50" charset="-128"/>
                 <a:cs typeface="Meiryo UI" panose="020B0604030504040204" pitchFamily="50" charset="-128"/>
               </a:rPr>
-              <a:t>        ├─META-INF</a:t>
-            </a:r>
-          </a:p>
-          <a:p>
-            <a:r>
-              <a:rPr lang="en-US" altLang="ja-JP" sz="800" dirty="0">
+              <a:t>        ├─</a:t>
+            </a:r>
+            <a:r>
+              <a:rPr lang="en-US" altLang="ja-JP" sz="800" dirty="0" err="1">
                 <a:solidFill>
                   <a:schemeClr val="bg1"/>
                 </a:solidFill>
@@ -7489,70 +7578,7 @@
                 <a:ea typeface="Meiryo UI" panose="020B0604030504040204" pitchFamily="50" charset="-128"/>
                 <a:cs typeface="Meiryo UI" panose="020B0604030504040204" pitchFamily="50" charset="-128"/>
               </a:rPr>
-              <a:t>        │      context.xml</a:t>
-            </a:r>
-          </a:p>
-          <a:p>
-            <a:r>
-              <a:rPr lang="en-US" altLang="ja-JP" sz="800" dirty="0">
-                <a:solidFill>
-                  <a:schemeClr val="bg1"/>
-                </a:solidFill>
-                <a:latin typeface="Meiryo UI" panose="020B0604030504040204" pitchFamily="50" charset="-128"/>
-                <a:ea typeface="Meiryo UI" panose="020B0604030504040204" pitchFamily="50" charset="-128"/>
-                <a:cs typeface="Meiryo UI" panose="020B0604030504040204" pitchFamily="50" charset="-128"/>
-              </a:rPr>
-              <a:t>        │      </a:t>
-            </a:r>
-          </a:p>
-          <a:p>
-            <a:r>
-              <a:rPr lang="en-US" altLang="ja-JP" sz="800" dirty="0">
-                <a:solidFill>
-                  <a:schemeClr val="bg1"/>
-                </a:solidFill>
-                <a:latin typeface="Meiryo UI" panose="020B0604030504040204" pitchFamily="50" charset="-128"/>
-                <a:ea typeface="Meiryo UI" panose="020B0604030504040204" pitchFamily="50" charset="-128"/>
-                <a:cs typeface="Meiryo UI" panose="020B0604030504040204" pitchFamily="50" charset="-128"/>
-              </a:rPr>
-              <a:t>        └─WEB-INF</a:t>
-            </a:r>
-          </a:p>
-          <a:p>
-            <a:r>
-              <a:rPr lang="en-US" altLang="ja-JP" sz="800" dirty="0">
-                <a:solidFill>
-                  <a:schemeClr val="bg1"/>
-                </a:solidFill>
-                <a:latin typeface="Meiryo UI" panose="020B0604030504040204" pitchFamily="50" charset="-128"/>
-                <a:ea typeface="Meiryo UI" panose="020B0604030504040204" pitchFamily="50" charset="-128"/>
-                <a:cs typeface="Meiryo UI" panose="020B0604030504040204" pitchFamily="50" charset="-128"/>
-              </a:rPr>
-              <a:t>            ├─classes</a:t>
-            </a:r>
-          </a:p>
-          <a:p>
-            <a:r>
-              <a:rPr lang="en-US" altLang="ja-JP" sz="800" dirty="0">
-                <a:solidFill>
-                  <a:schemeClr val="bg1"/>
-                </a:solidFill>
-                <a:latin typeface="Meiryo UI" panose="020B0604030504040204" pitchFamily="50" charset="-128"/>
-                <a:ea typeface="Meiryo UI" panose="020B0604030504040204" pitchFamily="50" charset="-128"/>
-                <a:cs typeface="Meiryo UI" panose="020B0604030504040204" pitchFamily="50" charset="-128"/>
-              </a:rPr>
-              <a:t>            │      </a:t>
-            </a:r>
-            <a:r>
-              <a:rPr lang="en-US" altLang="ja-JP" sz="800" dirty="0" err="1">
-                <a:solidFill>
-                  <a:schemeClr val="bg1"/>
-                </a:solidFill>
-                <a:latin typeface="Meiryo UI" panose="020B0604030504040204" pitchFamily="50" charset="-128"/>
-                <a:ea typeface="Meiryo UI" panose="020B0604030504040204" pitchFamily="50" charset="-128"/>
-                <a:cs typeface="Meiryo UI" panose="020B0604030504040204" pitchFamily="50" charset="-128"/>
-              </a:rPr>
-              <a:t>efw.properties</a:t>
+              <a:t>img</a:t>
             </a:r>
             <a:endParaRPr lang="en-US" altLang="ja-JP" sz="800" dirty="0">
               <a:solidFill>
@@ -7573,7 +7599,7 @@
                 <a:ea typeface="Meiryo UI" panose="020B0604030504040204" pitchFamily="50" charset="-128"/>
                 <a:cs typeface="Meiryo UI" panose="020B0604030504040204" pitchFamily="50" charset="-128"/>
               </a:rPr>
-              <a:t>            │      </a:t>
+              <a:t>        │      logo.jpg</a:t>
             </a:r>
           </a:p>
           <a:p>
@@ -7586,10 +7612,12 @@
                 <a:ea typeface="Meiryo UI" panose="020B0604030504040204" pitchFamily="50" charset="-128"/>
                 <a:cs typeface="Meiryo UI" panose="020B0604030504040204" pitchFamily="50" charset="-128"/>
               </a:rPr>
-              <a:t>            └─</a:t>
-            </a:r>
-            <a:r>
-              <a:rPr lang="en-US" altLang="ja-JP" sz="800" dirty="0" err="1">
+              <a:t>        │      </a:t>
+            </a:r>
+          </a:p>
+          <a:p>
+            <a:r>
+              <a:rPr lang="en-US" altLang="ja-JP" sz="800" dirty="0">
                 <a:solidFill>
                   <a:schemeClr val="bg1"/>
                 </a:solidFill>
@@ -7597,7 +7625,83 @@
                 <a:ea typeface="Meiryo UI" panose="020B0604030504040204" pitchFamily="50" charset="-128"/>
                 <a:cs typeface="Meiryo UI" panose="020B0604030504040204" pitchFamily="50" charset="-128"/>
               </a:rPr>
-              <a:t>efw</a:t>
+              <a:t>        ├─META-INF</a:t>
+            </a:r>
+          </a:p>
+          <a:p>
+            <a:r>
+              <a:rPr lang="en-US" altLang="ja-JP" sz="800" dirty="0">
+                <a:solidFill>
+                  <a:schemeClr val="bg1"/>
+                </a:solidFill>
+                <a:latin typeface="Meiryo UI" panose="020B0604030504040204" pitchFamily="50" charset="-128"/>
+                <a:ea typeface="Meiryo UI" panose="020B0604030504040204" pitchFamily="50" charset="-128"/>
+                <a:cs typeface="Meiryo UI" panose="020B0604030504040204" pitchFamily="50" charset="-128"/>
+              </a:rPr>
+              <a:t>        │      context.xml</a:t>
+            </a:r>
+          </a:p>
+          <a:p>
+            <a:r>
+              <a:rPr lang="en-US" altLang="ja-JP" sz="800" dirty="0">
+                <a:solidFill>
+                  <a:schemeClr val="bg1"/>
+                </a:solidFill>
+                <a:latin typeface="Meiryo UI" panose="020B0604030504040204" pitchFamily="50" charset="-128"/>
+                <a:ea typeface="Meiryo UI" panose="020B0604030504040204" pitchFamily="50" charset="-128"/>
+                <a:cs typeface="Meiryo UI" panose="020B0604030504040204" pitchFamily="50" charset="-128"/>
+              </a:rPr>
+              <a:t>        │      </a:t>
+            </a:r>
+          </a:p>
+          <a:p>
+            <a:r>
+              <a:rPr lang="en-US" altLang="ja-JP" sz="800" dirty="0">
+                <a:solidFill>
+                  <a:schemeClr val="bg1"/>
+                </a:solidFill>
+                <a:latin typeface="Meiryo UI" panose="020B0604030504040204" pitchFamily="50" charset="-128"/>
+                <a:ea typeface="Meiryo UI" panose="020B0604030504040204" pitchFamily="50" charset="-128"/>
+                <a:cs typeface="Meiryo UI" panose="020B0604030504040204" pitchFamily="50" charset="-128"/>
+              </a:rPr>
+              <a:t>        └─WEB-INF</a:t>
+            </a:r>
+          </a:p>
+          <a:p>
+            <a:r>
+              <a:rPr lang="en-US" altLang="ja-JP" sz="800" dirty="0">
+                <a:solidFill>
+                  <a:schemeClr val="bg1"/>
+                </a:solidFill>
+                <a:latin typeface="Meiryo UI" panose="020B0604030504040204" pitchFamily="50" charset="-128"/>
+                <a:ea typeface="Meiryo UI" panose="020B0604030504040204" pitchFamily="50" charset="-128"/>
+                <a:cs typeface="Meiryo UI" panose="020B0604030504040204" pitchFamily="50" charset="-128"/>
+              </a:rPr>
+              <a:t>            ├─classes</a:t>
+            </a:r>
+          </a:p>
+          <a:p>
+            <a:r>
+              <a:rPr lang="en-US" altLang="ja-JP" sz="800" dirty="0">
+                <a:solidFill>
+                  <a:schemeClr val="bg1"/>
+                </a:solidFill>
+                <a:latin typeface="Meiryo UI" panose="020B0604030504040204" pitchFamily="50" charset="-128"/>
+                <a:ea typeface="Meiryo UI" panose="020B0604030504040204" pitchFamily="50" charset="-128"/>
+                <a:cs typeface="Meiryo UI" panose="020B0604030504040204" pitchFamily="50" charset="-128"/>
+              </a:rPr>
+              <a:t>            │      </a:t>
+            </a:r>
+            <a:r>
+              <a:rPr lang="en-US" altLang="ja-JP" sz="800" dirty="0" err="1">
+                <a:solidFill>
+                  <a:schemeClr val="bg1"/>
+                </a:solidFill>
+                <a:latin typeface="Meiryo UI" panose="020B0604030504040204" pitchFamily="50" charset="-128"/>
+                <a:ea typeface="Meiryo UI" panose="020B0604030504040204" pitchFamily="50" charset="-128"/>
+                <a:cs typeface="Meiryo UI" panose="020B0604030504040204" pitchFamily="50" charset="-128"/>
+              </a:rPr>
+              <a:t>efw.properties</a:t>
             </a:r>
             <a:endParaRPr lang="en-US" altLang="ja-JP" sz="800" dirty="0">
               <a:solidFill>
@@ -7618,6 +7722,51 @@
                 <a:ea typeface="Meiryo UI" panose="020B0604030504040204" pitchFamily="50" charset="-128"/>
                 <a:cs typeface="Meiryo UI" panose="020B0604030504040204" pitchFamily="50" charset="-128"/>
               </a:rPr>
+              <a:t>            │      </a:t>
+            </a:r>
+          </a:p>
+          <a:p>
+            <a:r>
+              <a:rPr lang="en-US" altLang="ja-JP" sz="800" dirty="0">
+                <a:solidFill>
+                  <a:schemeClr val="bg1"/>
+                </a:solidFill>
+                <a:latin typeface="Meiryo UI" panose="020B0604030504040204" pitchFamily="50" charset="-128"/>
+                <a:ea typeface="Meiryo UI" panose="020B0604030504040204" pitchFamily="50" charset="-128"/>
+                <a:cs typeface="Meiryo UI" panose="020B0604030504040204" pitchFamily="50" charset="-128"/>
+              </a:rPr>
+              <a:t>            └─</a:t>
+            </a:r>
+            <a:r>
+              <a:rPr lang="en-US" altLang="ja-JP" sz="800" dirty="0" err="1">
+                <a:solidFill>
+                  <a:schemeClr val="bg1"/>
+                </a:solidFill>
+                <a:latin typeface="Meiryo UI" panose="020B0604030504040204" pitchFamily="50" charset="-128"/>
+                <a:ea typeface="Meiryo UI" panose="020B0604030504040204" pitchFamily="50" charset="-128"/>
+                <a:cs typeface="Meiryo UI" panose="020B0604030504040204" pitchFamily="50" charset="-128"/>
+              </a:rPr>
+              <a:t>efw</a:t>
+            </a:r>
+            <a:endParaRPr lang="en-US" altLang="ja-JP" sz="800" dirty="0">
+              <a:solidFill>
+                <a:schemeClr val="bg1"/>
+              </a:solidFill>
+              <a:latin typeface="Meiryo UI" panose="020B0604030504040204" pitchFamily="50" charset="-128"/>
+              <a:ea typeface="Meiryo UI" panose="020B0604030504040204" pitchFamily="50" charset="-128"/>
+              <a:cs typeface="Meiryo UI" panose="020B0604030504040204" pitchFamily="50" charset="-128"/>
+            </a:endParaRPr>
+          </a:p>
+          <a:p>
+            <a:r>
+              <a:rPr lang="en-US" altLang="ja-JP" sz="800" dirty="0">
+                <a:solidFill>
+                  <a:schemeClr val="bg1"/>
+                </a:solidFill>
+                <a:latin typeface="Meiryo UI" panose="020B0604030504040204" pitchFamily="50" charset="-128"/>
+                <a:ea typeface="Meiryo UI" panose="020B0604030504040204" pitchFamily="50" charset="-128"/>
+                <a:cs typeface="Meiryo UI" panose="020B0604030504040204" pitchFamily="50" charset="-128"/>
+              </a:rPr>
               <a:t>                ├─event</a:t>
             </a:r>
           </a:p>
@@ -7687,7 +7836,7 @@
             </a:r>
           </a:p>
           <a:p>
-            <a:endParaRPr kumimoji="1" lang="ja-JP" altLang="en-US" sz="800" dirty="0" smtClean="0">
+            <a:endParaRPr kumimoji="1" lang="ja-JP" altLang="en-US" sz="800" dirty="0">
               <a:solidFill>
                 <a:schemeClr val="bg1"/>
               </a:solidFill>
@@ -7733,7 +7882,7 @@
           <a:lstStyle/>
           <a:p>
             <a:r>
-              <a:rPr lang="en-US" altLang="ja-JP" sz="2000" b="1" dirty="0" smtClean="0">
+              <a:rPr lang="en-US" altLang="ja-JP" sz="2000" b="1" dirty="0">
                 <a:solidFill>
                   <a:schemeClr val="bg1"/>
                 </a:solidFill>
@@ -7745,38 +7894,6 @@
             </a:r>
           </a:p>
           <a:p>
-            <a:endParaRPr lang="en-US" altLang="ja-JP" sz="800" dirty="0" smtClean="0">
-              <a:solidFill>
-                <a:schemeClr val="bg1"/>
-              </a:solidFill>
-              <a:latin typeface="Meiryo UI" panose="020B0604030504040204" pitchFamily="50" charset="-128"/>
-              <a:ea typeface="Meiryo UI" panose="020B0604030504040204" pitchFamily="50" charset="-128"/>
-              <a:cs typeface="Meiryo UI" panose="020B0604030504040204" pitchFamily="50" charset="-128"/>
-            </a:endParaRPr>
-          </a:p>
-          <a:p>
-            <a:r>
-              <a:rPr lang="en-US" altLang="ja-JP" sz="800" dirty="0" smtClean="0">
-                <a:solidFill>
-                  <a:schemeClr val="bg1"/>
-                </a:solidFill>
-                <a:latin typeface="Meiryo UI" panose="020B0604030504040204" pitchFamily="50" charset="-128"/>
-                <a:ea typeface="Meiryo UI" panose="020B0604030504040204" pitchFamily="50" charset="-128"/>
-                <a:cs typeface="Meiryo UI" panose="020B0604030504040204" pitchFamily="50" charset="-128"/>
-              </a:rPr>
-              <a:t>└─</a:t>
-            </a:r>
-            <a:r>
-              <a:rPr lang="en-US" altLang="ja-JP" sz="800" dirty="0" err="1">
-                <a:solidFill>
-                  <a:schemeClr val="bg1"/>
-                </a:solidFill>
-                <a:latin typeface="Meiryo UI" panose="020B0604030504040204" pitchFamily="50" charset="-128"/>
-                <a:ea typeface="Meiryo UI" panose="020B0604030504040204" pitchFamily="50" charset="-128"/>
-                <a:cs typeface="Meiryo UI" panose="020B0604030504040204" pitchFamily="50" charset="-128"/>
-              </a:rPr>
-              <a:t>src</a:t>
-            </a:r>
             <a:endParaRPr lang="en-US" altLang="ja-JP" sz="800" dirty="0">
               <a:solidFill>
                 <a:schemeClr val="bg1"/>
@@ -7796,12 +7913,10 @@
                 <a:ea typeface="Meiryo UI" panose="020B0604030504040204" pitchFamily="50" charset="-128"/>
                 <a:cs typeface="Meiryo UI" panose="020B0604030504040204" pitchFamily="50" charset="-128"/>
               </a:rPr>
-              <a:t>    └─main</a:t>
-            </a:r>
-          </a:p>
-          <a:p>
-            <a:r>
-              <a:rPr lang="en-US" altLang="ja-JP" sz="800" dirty="0">
+              <a:t>└─</a:t>
+            </a:r>
+            <a:r>
+              <a:rPr lang="en-US" altLang="ja-JP" sz="800" dirty="0" err="1">
                 <a:solidFill>
                   <a:schemeClr val="bg1"/>
                 </a:solidFill>
@@ -7809,31 +7924,7 @@
                 <a:ea typeface="Meiryo UI" panose="020B0604030504040204" pitchFamily="50" charset="-128"/>
                 <a:cs typeface="Meiryo UI" panose="020B0604030504040204" pitchFamily="50" charset="-128"/>
               </a:rPr>
-              <a:t>        ├─java</a:t>
-            </a:r>
-          </a:p>
-          <a:p>
-            <a:r>
-              <a:rPr lang="en-US" altLang="ja-JP" sz="800" dirty="0">
-                <a:solidFill>
-                  <a:schemeClr val="bg1"/>
-                </a:solidFill>
-                <a:latin typeface="Meiryo UI" panose="020B0604030504040204" pitchFamily="50" charset="-128"/>
-                <a:ea typeface="Meiryo UI" panose="020B0604030504040204" pitchFamily="50" charset="-128"/>
-                <a:cs typeface="Meiryo UI" panose="020B0604030504040204" pitchFamily="50" charset="-128"/>
-              </a:rPr>
-              <a:t>        │  └─</a:t>
-            </a:r>
-            <a:r>
-              <a:rPr lang="en-US" altLang="ja-JP" sz="800" dirty="0" err="1">
-                <a:solidFill>
-                  <a:schemeClr val="bg1"/>
-                </a:solidFill>
-                <a:latin typeface="Meiryo UI" panose="020B0604030504040204" pitchFamily="50" charset="-128"/>
-                <a:ea typeface="Meiryo UI" panose="020B0604030504040204" pitchFamily="50" charset="-128"/>
-                <a:cs typeface="Meiryo UI" panose="020B0604030504040204" pitchFamily="50" charset="-128"/>
-              </a:rPr>
-              <a:t>jp</a:t>
+              <a:t>src</a:t>
             </a:r>
             <a:endParaRPr lang="en-US" altLang="ja-JP" sz="800" dirty="0">
               <a:solidFill>
@@ -7854,7 +7945,7 @@
                 <a:ea typeface="Meiryo UI" panose="020B0604030504040204" pitchFamily="50" charset="-128"/>
                 <a:cs typeface="Meiryo UI" panose="020B0604030504040204" pitchFamily="50" charset="-128"/>
               </a:rPr>
-              <a:t>        │      └─co</a:t>
+              <a:t>    └─main</a:t>
             </a:r>
           </a:p>
           <a:p>
@@ -7867,10 +7958,12 @@
                 <a:ea typeface="Meiryo UI" panose="020B0604030504040204" pitchFamily="50" charset="-128"/>
                 <a:cs typeface="Meiryo UI" panose="020B0604030504040204" pitchFamily="50" charset="-128"/>
               </a:rPr>
-              <a:t>        │          └─</a:t>
-            </a:r>
-            <a:r>
-              <a:rPr lang="en-US" altLang="ja-JP" sz="800" dirty="0" err="1">
+              <a:t>        ├─java</a:t>
+            </a:r>
+          </a:p>
+          <a:p>
+            <a:r>
+              <a:rPr lang="en-US" altLang="ja-JP" sz="800" dirty="0">
                 <a:solidFill>
                   <a:schemeClr val="bg1"/>
                 </a:solidFill>
@@ -7878,7 +7971,18 @@
                 <a:ea typeface="Meiryo UI" panose="020B0604030504040204" pitchFamily="50" charset="-128"/>
                 <a:cs typeface="Meiryo UI" panose="020B0604030504040204" pitchFamily="50" charset="-128"/>
               </a:rPr>
-              <a:t>ulsystems</a:t>
+              <a:t>        │  └─</a:t>
+            </a:r>
+            <a:r>
+              <a:rPr lang="en-US" altLang="ja-JP" sz="800" dirty="0" err="1">
+                <a:solidFill>
+                  <a:schemeClr val="bg1"/>
+                </a:solidFill>
+                <a:latin typeface="Meiryo UI" panose="020B0604030504040204" pitchFamily="50" charset="-128"/>
+                <a:ea typeface="Meiryo UI" panose="020B0604030504040204" pitchFamily="50" charset="-128"/>
+                <a:cs typeface="Meiryo UI" panose="020B0604030504040204" pitchFamily="50" charset="-128"/>
+              </a:rPr>
+              <a:t>jp</a:t>
             </a:r>
             <a:endParaRPr lang="en-US" altLang="ja-JP" sz="800" dirty="0">
               <a:solidFill>
@@ -7899,10 +8003,12 @@
                 <a:ea typeface="Meiryo UI" panose="020B0604030504040204" pitchFamily="50" charset="-128"/>
                 <a:cs typeface="Meiryo UI" panose="020B0604030504040204" pitchFamily="50" charset="-128"/>
               </a:rPr>
-              <a:t>        │              └─</a:t>
-            </a:r>
-            <a:r>
-              <a:rPr lang="en-US" altLang="ja-JP" sz="800" dirty="0" err="1">
+              <a:t>        │      └─co</a:t>
+            </a:r>
+          </a:p>
+          <a:p>
+            <a:r>
+              <a:rPr lang="en-US" altLang="ja-JP" sz="800" dirty="0">
                 <a:solidFill>
                   <a:schemeClr val="bg1"/>
                 </a:solidFill>
@@ -7910,7 +8016,18 @@
                 <a:ea typeface="Meiryo UI" panose="020B0604030504040204" pitchFamily="50" charset="-128"/>
                 <a:cs typeface="Meiryo UI" panose="020B0604030504040204" pitchFamily="50" charset="-128"/>
               </a:rPr>
-              <a:t>sb</a:t>
+              <a:t>        │          └─</a:t>
+            </a:r>
+            <a:r>
+              <a:rPr lang="en-US" altLang="ja-JP" sz="800" dirty="0" err="1">
+                <a:solidFill>
+                  <a:schemeClr val="bg1"/>
+                </a:solidFill>
+                <a:latin typeface="Meiryo UI" panose="020B0604030504040204" pitchFamily="50" charset="-128"/>
+                <a:ea typeface="Meiryo UI" panose="020B0604030504040204" pitchFamily="50" charset="-128"/>
+                <a:cs typeface="Meiryo UI" panose="020B0604030504040204" pitchFamily="50" charset="-128"/>
+              </a:rPr>
+              <a:t>ulsystems</a:t>
             </a:r>
             <a:endParaRPr lang="en-US" altLang="ja-JP" sz="800" dirty="0">
               <a:solidFill>
@@ -7931,12 +8048,10 @@
                 <a:ea typeface="Meiryo UI" panose="020B0604030504040204" pitchFamily="50" charset="-128"/>
                 <a:cs typeface="Meiryo UI" panose="020B0604030504040204" pitchFamily="50" charset="-128"/>
               </a:rPr>
-              <a:t>        │                  │  SpringBootAppApplication.java</a:t>
-            </a:r>
-          </a:p>
-          <a:p>
-            <a:r>
-              <a:rPr lang="en-US" altLang="ja-JP" sz="800" dirty="0">
+              <a:t>        │              └─</a:t>
+            </a:r>
+            <a:r>
+              <a:rPr lang="en-US" altLang="ja-JP" sz="800" dirty="0" err="1">
                 <a:solidFill>
                   <a:schemeClr val="bg1"/>
                 </a:solidFill>
@@ -7944,31 +8059,7 @@
                 <a:ea typeface="Meiryo UI" panose="020B0604030504040204" pitchFamily="50" charset="-128"/>
                 <a:cs typeface="Meiryo UI" panose="020B0604030504040204" pitchFamily="50" charset="-128"/>
               </a:rPr>
-              <a:t>        │                  │  </a:t>
-            </a:r>
-          </a:p>
-          <a:p>
-            <a:r>
-              <a:rPr lang="en-US" altLang="ja-JP" sz="800" dirty="0">
-                <a:solidFill>
-                  <a:schemeClr val="bg1"/>
-                </a:solidFill>
-                <a:latin typeface="Meiryo UI" panose="020B0604030504040204" pitchFamily="50" charset="-128"/>
-                <a:ea typeface="Meiryo UI" panose="020B0604030504040204" pitchFamily="50" charset="-128"/>
-                <a:cs typeface="Meiryo UI" panose="020B0604030504040204" pitchFamily="50" charset="-128"/>
-              </a:rPr>
-              <a:t>        │                  ├─</a:t>
-            </a:r>
-            <a:r>
-              <a:rPr lang="en-US" altLang="ja-JP" sz="800" dirty="0" err="1">
-                <a:solidFill>
-                  <a:schemeClr val="bg1"/>
-                </a:solidFill>
-                <a:latin typeface="Meiryo UI" panose="020B0604030504040204" pitchFamily="50" charset="-128"/>
-                <a:ea typeface="Meiryo UI" panose="020B0604030504040204" pitchFamily="50" charset="-128"/>
-                <a:cs typeface="Meiryo UI" panose="020B0604030504040204" pitchFamily="50" charset="-128"/>
-              </a:rPr>
-              <a:t>auth</a:t>
+              <a:t>sb</a:t>
             </a:r>
             <a:endParaRPr lang="en-US" altLang="ja-JP" sz="800" dirty="0">
               <a:solidFill>
@@ -7989,7 +8080,7 @@
                 <a:ea typeface="Meiryo UI" panose="020B0604030504040204" pitchFamily="50" charset="-128"/>
                 <a:cs typeface="Meiryo UI" panose="020B0604030504040204" pitchFamily="50" charset="-128"/>
               </a:rPr>
-              <a:t>        │                  │      LoginResult.java</a:t>
+              <a:t>        │                  │  SpringBootAppApplication.java</a:t>
             </a:r>
           </a:p>
           <a:p>
@@ -8002,7 +8093,7 @@
                 <a:ea typeface="Meiryo UI" panose="020B0604030504040204" pitchFamily="50" charset="-128"/>
                 <a:cs typeface="Meiryo UI" panose="020B0604030504040204" pitchFamily="50" charset="-128"/>
               </a:rPr>
-              <a:t>        │                  │      User.java</a:t>
+              <a:t>        │                  │  </a:t>
             </a:r>
           </a:p>
           <a:p>
@@ -8015,12 +8106,10 @@
                 <a:ea typeface="Meiryo UI" panose="020B0604030504040204" pitchFamily="50" charset="-128"/>
                 <a:cs typeface="Meiryo UI" panose="020B0604030504040204" pitchFamily="50" charset="-128"/>
               </a:rPr>
-              <a:t>        │                  │      </a:t>
-            </a:r>
-          </a:p>
-          <a:p>
-            <a:r>
-              <a:rPr lang="en-US" altLang="ja-JP" sz="800" dirty="0">
+              <a:t>        │                  ├─</a:t>
+            </a:r>
+            <a:r>
+              <a:rPr lang="en-US" altLang="ja-JP" sz="800" dirty="0" err="1">
                 <a:solidFill>
                   <a:schemeClr val="bg1"/>
                 </a:solidFill>
@@ -8028,135 +8117,7 @@
                 <a:ea typeface="Meiryo UI" panose="020B0604030504040204" pitchFamily="50" charset="-128"/>
                 <a:cs typeface="Meiryo UI" panose="020B0604030504040204" pitchFamily="50" charset="-128"/>
               </a:rPr>
-              <a:t>        │                  └─login</a:t>
-            </a:r>
-          </a:p>
-          <a:p>
-            <a:r>
-              <a:rPr lang="en-US" altLang="ja-JP" sz="800" dirty="0">
-                <a:solidFill>
-                  <a:schemeClr val="bg1"/>
-                </a:solidFill>
-                <a:latin typeface="Meiryo UI" panose="020B0604030504040204" pitchFamily="50" charset="-128"/>
-                <a:ea typeface="Meiryo UI" panose="020B0604030504040204" pitchFamily="50" charset="-128"/>
-                <a:cs typeface="Meiryo UI" panose="020B0604030504040204" pitchFamily="50" charset="-128"/>
-              </a:rPr>
-              <a:t>        │                          AuthUser.java</a:t>
-            </a:r>
-          </a:p>
-          <a:p>
-            <a:r>
-              <a:rPr lang="en-US" altLang="ja-JP" sz="800" dirty="0">
-                <a:solidFill>
-                  <a:schemeClr val="bg1"/>
-                </a:solidFill>
-                <a:latin typeface="Meiryo UI" panose="020B0604030504040204" pitchFamily="50" charset="-128"/>
-                <a:ea typeface="Meiryo UI" panose="020B0604030504040204" pitchFamily="50" charset="-128"/>
-                <a:cs typeface="Meiryo UI" panose="020B0604030504040204" pitchFamily="50" charset="-128"/>
-              </a:rPr>
-              <a:t>        │                          DummyLoginService.java</a:t>
-            </a:r>
-          </a:p>
-          <a:p>
-            <a:r>
-              <a:rPr lang="en-US" altLang="ja-JP" sz="800" dirty="0">
-                <a:solidFill>
-                  <a:schemeClr val="bg1"/>
-                </a:solidFill>
-                <a:latin typeface="Meiryo UI" panose="020B0604030504040204" pitchFamily="50" charset="-128"/>
-                <a:ea typeface="Meiryo UI" panose="020B0604030504040204" pitchFamily="50" charset="-128"/>
-                <a:cs typeface="Meiryo UI" panose="020B0604030504040204" pitchFamily="50" charset="-128"/>
-              </a:rPr>
-              <a:t>        │                          LoginAjaxController.java</a:t>
-            </a:r>
-          </a:p>
-          <a:p>
-            <a:r>
-              <a:rPr lang="en-US" altLang="ja-JP" sz="800" dirty="0">
-                <a:solidFill>
-                  <a:schemeClr val="bg1"/>
-                </a:solidFill>
-                <a:latin typeface="Meiryo UI" panose="020B0604030504040204" pitchFamily="50" charset="-128"/>
-                <a:ea typeface="Meiryo UI" panose="020B0604030504040204" pitchFamily="50" charset="-128"/>
-                <a:cs typeface="Meiryo UI" panose="020B0604030504040204" pitchFamily="50" charset="-128"/>
-              </a:rPr>
-              <a:t>        │                          LoginController.java</a:t>
-            </a:r>
-          </a:p>
-          <a:p>
-            <a:r>
-              <a:rPr lang="en-US" altLang="ja-JP" sz="800" dirty="0">
-                <a:solidFill>
-                  <a:schemeClr val="bg1"/>
-                </a:solidFill>
-                <a:latin typeface="Meiryo UI" panose="020B0604030504040204" pitchFamily="50" charset="-128"/>
-                <a:ea typeface="Meiryo UI" panose="020B0604030504040204" pitchFamily="50" charset="-128"/>
-                <a:cs typeface="Meiryo UI" panose="020B0604030504040204" pitchFamily="50" charset="-128"/>
-              </a:rPr>
-              <a:t>        │                          LoginRequest.java</a:t>
-            </a:r>
-          </a:p>
-          <a:p>
-            <a:r>
-              <a:rPr lang="en-US" altLang="ja-JP" sz="800" dirty="0">
-                <a:solidFill>
-                  <a:schemeClr val="bg1"/>
-                </a:solidFill>
-                <a:latin typeface="Meiryo UI" panose="020B0604030504040204" pitchFamily="50" charset="-128"/>
-                <a:ea typeface="Meiryo UI" panose="020B0604030504040204" pitchFamily="50" charset="-128"/>
-                <a:cs typeface="Meiryo UI" panose="020B0604030504040204" pitchFamily="50" charset="-128"/>
-              </a:rPr>
-              <a:t>        │                          WelcomeController.java</a:t>
-            </a:r>
-          </a:p>
-          <a:p>
-            <a:r>
-              <a:rPr lang="en-US" altLang="ja-JP" sz="800" dirty="0">
-                <a:solidFill>
-                  <a:schemeClr val="bg1"/>
-                </a:solidFill>
-                <a:latin typeface="Meiryo UI" panose="020B0604030504040204" pitchFamily="50" charset="-128"/>
-                <a:ea typeface="Meiryo UI" panose="020B0604030504040204" pitchFamily="50" charset="-128"/>
-                <a:cs typeface="Meiryo UI" panose="020B0604030504040204" pitchFamily="50" charset="-128"/>
-              </a:rPr>
-              <a:t>        │                          </a:t>
-            </a:r>
-          </a:p>
-          <a:p>
-            <a:r>
-              <a:rPr lang="en-US" altLang="ja-JP" sz="800" dirty="0">
-                <a:solidFill>
-                  <a:schemeClr val="bg1"/>
-                </a:solidFill>
-                <a:latin typeface="Meiryo UI" panose="020B0604030504040204" pitchFamily="50" charset="-128"/>
-                <a:ea typeface="Meiryo UI" panose="020B0604030504040204" pitchFamily="50" charset="-128"/>
-                <a:cs typeface="Meiryo UI" panose="020B0604030504040204" pitchFamily="50" charset="-128"/>
-              </a:rPr>
-              <a:t>        └─resources</a:t>
-            </a:r>
-          </a:p>
-          <a:p>
-            <a:r>
-              <a:rPr lang="en-US" altLang="ja-JP" sz="800" dirty="0">
-                <a:solidFill>
-                  <a:schemeClr val="bg1"/>
-                </a:solidFill>
-                <a:latin typeface="Meiryo UI" panose="020B0604030504040204" pitchFamily="50" charset="-128"/>
-                <a:ea typeface="Meiryo UI" panose="020B0604030504040204" pitchFamily="50" charset="-128"/>
-                <a:cs typeface="Meiryo UI" panose="020B0604030504040204" pitchFamily="50" charset="-128"/>
-              </a:rPr>
-              <a:t>            │  </a:t>
-            </a:r>
-            <a:r>
-              <a:rPr lang="en-US" altLang="ja-JP" sz="800" dirty="0" err="1">
-                <a:solidFill>
-                  <a:schemeClr val="bg1"/>
-                </a:solidFill>
-                <a:latin typeface="Meiryo UI" panose="020B0604030504040204" pitchFamily="50" charset="-128"/>
-                <a:ea typeface="Meiryo UI" panose="020B0604030504040204" pitchFamily="50" charset="-128"/>
-                <a:cs typeface="Meiryo UI" panose="020B0604030504040204" pitchFamily="50" charset="-128"/>
-              </a:rPr>
-              <a:t>application.properties</a:t>
+              <a:t>auth</a:t>
             </a:r>
             <a:endParaRPr lang="en-US" altLang="ja-JP" sz="800" dirty="0">
               <a:solidFill>
@@ -8177,7 +8138,7 @@
                 <a:ea typeface="Meiryo UI" panose="020B0604030504040204" pitchFamily="50" charset="-128"/>
                 <a:cs typeface="Meiryo UI" panose="020B0604030504040204" pitchFamily="50" charset="-128"/>
               </a:rPr>
-              <a:t>            │  </a:t>
+              <a:t>        │                  │      LoginResult.java</a:t>
             </a:r>
           </a:p>
           <a:p>
@@ -8190,7 +8151,7 @@
                 <a:ea typeface="Meiryo UI" panose="020B0604030504040204" pitchFamily="50" charset="-128"/>
                 <a:cs typeface="Meiryo UI" panose="020B0604030504040204" pitchFamily="50" charset="-128"/>
               </a:rPr>
-              <a:t>            ├─static</a:t>
+              <a:t>        │                  │      User.java</a:t>
             </a:r>
           </a:p>
           <a:p>
@@ -8203,10 +8164,12 @@
                 <a:ea typeface="Meiryo UI" panose="020B0604030504040204" pitchFamily="50" charset="-128"/>
                 <a:cs typeface="Meiryo UI" panose="020B0604030504040204" pitchFamily="50" charset="-128"/>
               </a:rPr>
-              <a:t>            │  └─</a:t>
-            </a:r>
-            <a:r>
-              <a:rPr lang="en-US" altLang="ja-JP" sz="800" dirty="0" err="1">
+              <a:t>        │                  │      </a:t>
+            </a:r>
+          </a:p>
+          <a:p>
+            <a:r>
+              <a:rPr lang="en-US" altLang="ja-JP" sz="800" dirty="0">
                 <a:solidFill>
                   <a:schemeClr val="bg1"/>
                 </a:solidFill>
@@ -8214,7 +8177,135 @@
                 <a:ea typeface="Meiryo UI" panose="020B0604030504040204" pitchFamily="50" charset="-128"/>
                 <a:cs typeface="Meiryo UI" panose="020B0604030504040204" pitchFamily="50" charset="-128"/>
               </a:rPr>
-              <a:t>css</a:t>
+              <a:t>        │                  └─login</a:t>
+            </a:r>
+          </a:p>
+          <a:p>
+            <a:r>
+              <a:rPr lang="en-US" altLang="ja-JP" sz="800" dirty="0">
+                <a:solidFill>
+                  <a:schemeClr val="bg1"/>
+                </a:solidFill>
+                <a:latin typeface="Meiryo UI" panose="020B0604030504040204" pitchFamily="50" charset="-128"/>
+                <a:ea typeface="Meiryo UI" panose="020B0604030504040204" pitchFamily="50" charset="-128"/>
+                <a:cs typeface="Meiryo UI" panose="020B0604030504040204" pitchFamily="50" charset="-128"/>
+              </a:rPr>
+              <a:t>        │                          AuthUser.java</a:t>
+            </a:r>
+          </a:p>
+          <a:p>
+            <a:r>
+              <a:rPr lang="en-US" altLang="ja-JP" sz="800" dirty="0">
+                <a:solidFill>
+                  <a:schemeClr val="bg1"/>
+                </a:solidFill>
+                <a:latin typeface="Meiryo UI" panose="020B0604030504040204" pitchFamily="50" charset="-128"/>
+                <a:ea typeface="Meiryo UI" panose="020B0604030504040204" pitchFamily="50" charset="-128"/>
+                <a:cs typeface="Meiryo UI" panose="020B0604030504040204" pitchFamily="50" charset="-128"/>
+              </a:rPr>
+              <a:t>        │                          DummyLoginService.java</a:t>
+            </a:r>
+          </a:p>
+          <a:p>
+            <a:r>
+              <a:rPr lang="en-US" altLang="ja-JP" sz="800" dirty="0">
+                <a:solidFill>
+                  <a:schemeClr val="bg1"/>
+                </a:solidFill>
+                <a:latin typeface="Meiryo UI" panose="020B0604030504040204" pitchFamily="50" charset="-128"/>
+                <a:ea typeface="Meiryo UI" panose="020B0604030504040204" pitchFamily="50" charset="-128"/>
+                <a:cs typeface="Meiryo UI" panose="020B0604030504040204" pitchFamily="50" charset="-128"/>
+              </a:rPr>
+              <a:t>        │                          LoginAjaxController.java</a:t>
+            </a:r>
+          </a:p>
+          <a:p>
+            <a:r>
+              <a:rPr lang="en-US" altLang="ja-JP" sz="800" dirty="0">
+                <a:solidFill>
+                  <a:schemeClr val="bg1"/>
+                </a:solidFill>
+                <a:latin typeface="Meiryo UI" panose="020B0604030504040204" pitchFamily="50" charset="-128"/>
+                <a:ea typeface="Meiryo UI" panose="020B0604030504040204" pitchFamily="50" charset="-128"/>
+                <a:cs typeface="Meiryo UI" panose="020B0604030504040204" pitchFamily="50" charset="-128"/>
+              </a:rPr>
+              <a:t>        │                          LoginController.java</a:t>
+            </a:r>
+          </a:p>
+          <a:p>
+            <a:r>
+              <a:rPr lang="en-US" altLang="ja-JP" sz="800" dirty="0">
+                <a:solidFill>
+                  <a:schemeClr val="bg1"/>
+                </a:solidFill>
+                <a:latin typeface="Meiryo UI" panose="020B0604030504040204" pitchFamily="50" charset="-128"/>
+                <a:ea typeface="Meiryo UI" panose="020B0604030504040204" pitchFamily="50" charset="-128"/>
+                <a:cs typeface="Meiryo UI" panose="020B0604030504040204" pitchFamily="50" charset="-128"/>
+              </a:rPr>
+              <a:t>        │                          LoginRequest.java</a:t>
+            </a:r>
+          </a:p>
+          <a:p>
+            <a:r>
+              <a:rPr lang="en-US" altLang="ja-JP" sz="800" dirty="0">
+                <a:solidFill>
+                  <a:schemeClr val="bg1"/>
+                </a:solidFill>
+                <a:latin typeface="Meiryo UI" panose="020B0604030504040204" pitchFamily="50" charset="-128"/>
+                <a:ea typeface="Meiryo UI" panose="020B0604030504040204" pitchFamily="50" charset="-128"/>
+                <a:cs typeface="Meiryo UI" panose="020B0604030504040204" pitchFamily="50" charset="-128"/>
+              </a:rPr>
+              <a:t>        │                          WelcomeController.java</a:t>
+            </a:r>
+          </a:p>
+          <a:p>
+            <a:r>
+              <a:rPr lang="en-US" altLang="ja-JP" sz="800" dirty="0">
+                <a:solidFill>
+                  <a:schemeClr val="bg1"/>
+                </a:solidFill>
+                <a:latin typeface="Meiryo UI" panose="020B0604030504040204" pitchFamily="50" charset="-128"/>
+                <a:ea typeface="Meiryo UI" panose="020B0604030504040204" pitchFamily="50" charset="-128"/>
+                <a:cs typeface="Meiryo UI" panose="020B0604030504040204" pitchFamily="50" charset="-128"/>
+              </a:rPr>
+              <a:t>        │                          </a:t>
+            </a:r>
+          </a:p>
+          <a:p>
+            <a:r>
+              <a:rPr lang="en-US" altLang="ja-JP" sz="800" dirty="0">
+                <a:solidFill>
+                  <a:schemeClr val="bg1"/>
+                </a:solidFill>
+                <a:latin typeface="Meiryo UI" panose="020B0604030504040204" pitchFamily="50" charset="-128"/>
+                <a:ea typeface="Meiryo UI" panose="020B0604030504040204" pitchFamily="50" charset="-128"/>
+                <a:cs typeface="Meiryo UI" panose="020B0604030504040204" pitchFamily="50" charset="-128"/>
+              </a:rPr>
+              <a:t>        └─resources</a:t>
+            </a:r>
+          </a:p>
+          <a:p>
+            <a:r>
+              <a:rPr lang="en-US" altLang="ja-JP" sz="800" dirty="0">
+                <a:solidFill>
+                  <a:schemeClr val="bg1"/>
+                </a:solidFill>
+                <a:latin typeface="Meiryo UI" panose="020B0604030504040204" pitchFamily="50" charset="-128"/>
+                <a:ea typeface="Meiryo UI" panose="020B0604030504040204" pitchFamily="50" charset="-128"/>
+                <a:cs typeface="Meiryo UI" panose="020B0604030504040204" pitchFamily="50" charset="-128"/>
+              </a:rPr>
+              <a:t>            │  </a:t>
+            </a:r>
+            <a:r>
+              <a:rPr lang="en-US" altLang="ja-JP" sz="800" dirty="0" err="1">
+                <a:solidFill>
+                  <a:schemeClr val="bg1"/>
+                </a:solidFill>
+                <a:latin typeface="Meiryo UI" panose="020B0604030504040204" pitchFamily="50" charset="-128"/>
+                <a:ea typeface="Meiryo UI" panose="020B0604030504040204" pitchFamily="50" charset="-128"/>
+                <a:cs typeface="Meiryo UI" panose="020B0604030504040204" pitchFamily="50" charset="-128"/>
+              </a:rPr>
+              <a:t>application.properties</a:t>
             </a:r>
             <a:endParaRPr lang="en-US" altLang="ja-JP" sz="800" dirty="0">
               <a:solidFill>
@@ -8235,6 +8326,64 @@
                 <a:ea typeface="Meiryo UI" panose="020B0604030504040204" pitchFamily="50" charset="-128"/>
                 <a:cs typeface="Meiryo UI" panose="020B0604030504040204" pitchFamily="50" charset="-128"/>
               </a:rPr>
+              <a:t>            │  </a:t>
+            </a:r>
+          </a:p>
+          <a:p>
+            <a:r>
+              <a:rPr lang="en-US" altLang="ja-JP" sz="800" dirty="0">
+                <a:solidFill>
+                  <a:schemeClr val="bg1"/>
+                </a:solidFill>
+                <a:latin typeface="Meiryo UI" panose="020B0604030504040204" pitchFamily="50" charset="-128"/>
+                <a:ea typeface="Meiryo UI" panose="020B0604030504040204" pitchFamily="50" charset="-128"/>
+                <a:cs typeface="Meiryo UI" panose="020B0604030504040204" pitchFamily="50" charset="-128"/>
+              </a:rPr>
+              <a:t>            ├─static</a:t>
+            </a:r>
+          </a:p>
+          <a:p>
+            <a:r>
+              <a:rPr lang="en-US" altLang="ja-JP" sz="800" dirty="0">
+                <a:solidFill>
+                  <a:schemeClr val="bg1"/>
+                </a:solidFill>
+                <a:latin typeface="Meiryo UI" panose="020B0604030504040204" pitchFamily="50" charset="-128"/>
+                <a:ea typeface="Meiryo UI" panose="020B0604030504040204" pitchFamily="50" charset="-128"/>
+                <a:cs typeface="Meiryo UI" panose="020B0604030504040204" pitchFamily="50" charset="-128"/>
+              </a:rPr>
+              <a:t>            │  └─</a:t>
+            </a:r>
+            <a:r>
+              <a:rPr lang="en-US" altLang="ja-JP" sz="800" dirty="0" err="1">
+                <a:solidFill>
+                  <a:schemeClr val="bg1"/>
+                </a:solidFill>
+                <a:latin typeface="Meiryo UI" panose="020B0604030504040204" pitchFamily="50" charset="-128"/>
+                <a:ea typeface="Meiryo UI" panose="020B0604030504040204" pitchFamily="50" charset="-128"/>
+                <a:cs typeface="Meiryo UI" panose="020B0604030504040204" pitchFamily="50" charset="-128"/>
+              </a:rPr>
+              <a:t>css</a:t>
+            </a:r>
+            <a:endParaRPr lang="en-US" altLang="ja-JP" sz="800" dirty="0">
+              <a:solidFill>
+                <a:schemeClr val="bg1"/>
+              </a:solidFill>
+              <a:latin typeface="Meiryo UI" panose="020B0604030504040204" pitchFamily="50" charset="-128"/>
+              <a:ea typeface="Meiryo UI" panose="020B0604030504040204" pitchFamily="50" charset="-128"/>
+              <a:cs typeface="Meiryo UI" panose="020B0604030504040204" pitchFamily="50" charset="-128"/>
+            </a:endParaRPr>
+          </a:p>
+          <a:p>
+            <a:r>
+              <a:rPr lang="en-US" altLang="ja-JP" sz="800" dirty="0">
+                <a:solidFill>
+                  <a:schemeClr val="bg1"/>
+                </a:solidFill>
+                <a:latin typeface="Meiryo UI" panose="020B0604030504040204" pitchFamily="50" charset="-128"/>
+                <a:ea typeface="Meiryo UI" panose="020B0604030504040204" pitchFamily="50" charset="-128"/>
+                <a:cs typeface="Meiryo UI" panose="020B0604030504040204" pitchFamily="50" charset="-128"/>
+              </a:rPr>
               <a:t>            │          main.css</a:t>
             </a:r>
           </a:p>
@@ -8345,6 +8494,9 @@
         </p:txBody>
       </p:sp>
     </p:spTree>
+    <p:custDataLst>
+      <p:tags r:id="rId1"/>
+    </p:custDataLst>
     <p:extLst>
       <p:ext uri="{BB962C8B-B14F-4D97-AF65-F5344CB8AC3E}">
         <p14:creationId xmlns:p14="http://schemas.microsoft.com/office/powerpoint/2010/main" val="3406842888"/>
@@ -8613,18 +8765,7 @@
                 <a:ea typeface="Meiryo UI" pitchFamily="50" charset="-128"/>
                 <a:cs typeface="Meiryo UI" pitchFamily="50" charset="-128"/>
               </a:rPr>
-              <a:t>２</a:t>
-            </a:r>
-            <a:r>
-              <a:rPr lang="ja-JP" altLang="en-US" sz="2800" dirty="0" smtClean="0">
-                <a:solidFill>
-                  <a:schemeClr val="tx2"/>
-                </a:solidFill>
-                <a:latin typeface="Meiryo UI" pitchFamily="50" charset="-128"/>
-                <a:ea typeface="Meiryo UI" pitchFamily="50" charset="-128"/>
-                <a:cs typeface="Meiryo UI" pitchFamily="50" charset="-128"/>
-              </a:rPr>
-              <a:t>．ダミーログイン画面に関わるソースを抜粋</a:t>
+              <a:t>２．ダミーログイン画面に関わるソースを抜粋</a:t>
             </a:r>
             <a:endParaRPr lang="ja-JP" altLang="en-US" sz="1600" dirty="0">
               <a:solidFill>
@@ -8911,9 +9052,27 @@
                 <a:tableStyleId>{5C22544A-7EE6-4342-B048-85BDC9FD1C3A}</a:tableStyleId>
               </a:tblPr>
               <a:tblGrid>
-                <a:gridCol w="2032000"/>
-                <a:gridCol w="3005667"/>
-                <a:gridCol w="1058333"/>
+                <a:gridCol w="2032000">
+                  <a:extLst>
+                    <a:ext uri="{9D8B030D-6E8A-4147-A177-3AD203B41FA5}">
+                      <a16:colId xmlns:a16="http://schemas.microsoft.com/office/drawing/2014/main" val="20000"/>
+                    </a:ext>
+                  </a:extLst>
+                </a:gridCol>
+                <a:gridCol w="3005667">
+                  <a:extLst>
+                    <a:ext uri="{9D8B030D-6E8A-4147-A177-3AD203B41FA5}">
+                      <a16:colId xmlns:a16="http://schemas.microsoft.com/office/drawing/2014/main" val="20001"/>
+                    </a:ext>
+                  </a:extLst>
+                </a:gridCol>
+                <a:gridCol w="1058333">
+                  <a:extLst>
+                    <a:ext uri="{9D8B030D-6E8A-4147-A177-3AD203B41FA5}">
+                      <a16:colId xmlns:a16="http://schemas.microsoft.com/office/drawing/2014/main" val="20002"/>
+                    </a:ext>
+                  </a:extLst>
+                </a:gridCol>
               </a:tblGrid>
               <a:tr h="370840">
                 <a:tc>
@@ -8922,10 +9081,9 @@
                     <a:lstStyle/>
                     <a:p>
                       <a:r>
-                        <a:rPr kumimoji="1" lang="ja-JP" altLang="en-US" dirty="0" smtClean="0"/>
+                        <a:rPr kumimoji="1" lang="ja-JP" altLang="en-US" dirty="0"/>
                         <a:t>フレームワーク</a:t>
                       </a:r>
-                      <a:endParaRPr kumimoji="1" lang="ja-JP" altLang="en-US" dirty="0"/>
                     </a:p>
                   </a:txBody>
                   <a:tcPr/>
@@ -8936,10 +9094,9 @@
                     <a:lstStyle/>
                     <a:p>
                       <a:r>
-                        <a:rPr kumimoji="1" lang="ja-JP" altLang="en-US" dirty="0" smtClean="0"/>
+                        <a:rPr kumimoji="1" lang="ja-JP" altLang="en-US" dirty="0"/>
                         <a:t>ファイル名</a:t>
                       </a:r>
-                      <a:endParaRPr kumimoji="1" lang="ja-JP" altLang="en-US" dirty="0"/>
                     </a:p>
                   </a:txBody>
                   <a:tcPr/>
@@ -8950,14 +9107,18 @@
                     <a:lstStyle/>
                     <a:p>
                       <a:r>
-                        <a:rPr kumimoji="1" lang="ja-JP" altLang="en-US" dirty="0" smtClean="0"/>
+                        <a:rPr kumimoji="1" lang="ja-JP" altLang="en-US" dirty="0"/>
                         <a:t>実行数</a:t>
                       </a:r>
-                      <a:endParaRPr kumimoji="1" lang="ja-JP" altLang="en-US" dirty="0"/>
                     </a:p>
                   </a:txBody>
                   <a:tcPr/>
                 </a:tc>
+                <a:extLst>
+                  <a:ext uri="{0D108BD9-81ED-4DB2-BD59-A6C34878D82A}">
+                    <a16:rowId xmlns:a16="http://schemas.microsoft.com/office/drawing/2014/main" val="10000"/>
+                  </a:ext>
+                </a:extLst>
               </a:tr>
               <a:tr h="370840">
                 <a:tc rowSpan="2">
@@ -8966,14 +9127,13 @@
                     <a:lstStyle/>
                     <a:p>
                       <a:r>
-                        <a:rPr kumimoji="1" lang="en-US" altLang="ja-JP" dirty="0" smtClean="0"/>
+                        <a:rPr kumimoji="1" lang="en-US" altLang="ja-JP" dirty="0"/>
                         <a:t>EFW</a:t>
                       </a:r>
                       <a:r>
-                        <a:rPr kumimoji="1" lang="ja-JP" altLang="en-US" dirty="0" smtClean="0"/>
+                        <a:rPr kumimoji="1" lang="ja-JP" altLang="en-US" dirty="0"/>
                         <a:t>の場合</a:t>
                       </a:r>
-                      <a:endParaRPr kumimoji="1" lang="ja-JP" altLang="en-US" dirty="0"/>
                     </a:p>
                   </a:txBody>
                   <a:tcPr/>
@@ -8984,7 +9144,7 @@
                     <a:lstStyle/>
                     <a:p>
                       <a:r>
-                        <a:rPr kumimoji="1" lang="en-US" altLang="ja-JP" dirty="0" err="1" smtClean="0"/>
+                        <a:rPr kumimoji="1" lang="en-US" altLang="ja-JP" dirty="0" err="1"/>
                         <a:t>login.jsp</a:t>
                       </a:r>
                       <a:endParaRPr kumimoji="1" lang="ja-JP" altLang="en-US" dirty="0"/>
@@ -8999,7 +9159,7 @@
                     <a:p>
                       <a:pPr algn="r"/>
                       <a:r>
-                        <a:rPr kumimoji="1" lang="en-US" altLang="ja-JP" dirty="0" smtClean="0"/>
+                        <a:rPr kumimoji="1" lang="en-US" altLang="ja-JP" dirty="0"/>
                         <a:t>46</a:t>
                       </a:r>
                       <a:endParaRPr kumimoji="1" lang="ja-JP" altLang="en-US" dirty="0"/>
@@ -9007,6 +9167,11 @@
                   </a:txBody>
                   <a:tcPr/>
                 </a:tc>
+                <a:extLst>
+                  <a:ext uri="{0D108BD9-81ED-4DB2-BD59-A6C34878D82A}">
+                    <a16:rowId xmlns:a16="http://schemas.microsoft.com/office/drawing/2014/main" val="10001"/>
+                  </a:ext>
+                </a:extLst>
               </a:tr>
               <a:tr h="370840">
                 <a:tc vMerge="1">
@@ -9025,7 +9190,7 @@
                     <a:lstStyle/>
                     <a:p>
                       <a:r>
-                        <a:rPr kumimoji="1" lang="en-US" altLang="ja-JP" dirty="0" smtClean="0"/>
+                        <a:rPr kumimoji="1" lang="en-US" altLang="ja-JP" dirty="0"/>
                         <a:t>login_submit.js</a:t>
                       </a:r>
                       <a:endParaRPr kumimoji="1" lang="ja-JP" altLang="en-US" dirty="0"/>
@@ -9040,7 +9205,7 @@
                     <a:p>
                       <a:pPr algn="r"/>
                       <a:r>
-                        <a:rPr kumimoji="1" lang="en-US" altLang="ja-JP" dirty="0" smtClean="0"/>
+                        <a:rPr kumimoji="1" lang="en-US" altLang="ja-JP" dirty="0"/>
                         <a:t>19</a:t>
                       </a:r>
                       <a:endParaRPr kumimoji="1" lang="ja-JP" altLang="en-US" dirty="0"/>
@@ -9048,6 +9213,11 @@
                   </a:txBody>
                   <a:tcPr/>
                 </a:tc>
+                <a:extLst>
+                  <a:ext uri="{0D108BD9-81ED-4DB2-BD59-A6C34878D82A}">
+                    <a16:rowId xmlns:a16="http://schemas.microsoft.com/office/drawing/2014/main" val="10002"/>
+                  </a:ext>
+                </a:extLst>
               </a:tr>
               <a:tr h="370840">
                 <a:tc rowSpan="3">
@@ -9056,14 +9226,13 @@
                     <a:lstStyle/>
                     <a:p>
                       <a:r>
-                        <a:rPr kumimoji="1" lang="en-US" altLang="ja-JP" dirty="0" smtClean="0"/>
+                        <a:rPr kumimoji="1" lang="en-US" altLang="ja-JP" dirty="0"/>
                         <a:t>Spring</a:t>
                       </a:r>
                       <a:r>
-                        <a:rPr kumimoji="1" lang="ja-JP" altLang="en-US" dirty="0" smtClean="0"/>
+                        <a:rPr kumimoji="1" lang="ja-JP" altLang="en-US" dirty="0"/>
                         <a:t>の場合</a:t>
                       </a:r>
-                      <a:endParaRPr kumimoji="1" lang="ja-JP" altLang="en-US" dirty="0"/>
                     </a:p>
                   </a:txBody>
                   <a:tcPr/>
@@ -9074,7 +9243,7 @@
                     <a:lstStyle/>
                     <a:p>
                       <a:r>
-                        <a:rPr kumimoji="1" lang="en-US" altLang="ja-JP" dirty="0" smtClean="0"/>
+                        <a:rPr kumimoji="1" lang="en-US" altLang="ja-JP" dirty="0"/>
                         <a:t>login.html</a:t>
                       </a:r>
                       <a:endParaRPr kumimoji="1" lang="ja-JP" altLang="en-US" dirty="0"/>
@@ -9089,7 +9258,7 @@
                     <a:p>
                       <a:pPr algn="r"/>
                       <a:r>
-                        <a:rPr kumimoji="1" lang="en-US" altLang="ja-JP" dirty="0" smtClean="0"/>
+                        <a:rPr kumimoji="1" lang="en-US" altLang="ja-JP" dirty="0"/>
                         <a:t>46</a:t>
                       </a:r>
                       <a:endParaRPr kumimoji="1" lang="ja-JP" altLang="en-US" dirty="0"/>
@@ -9097,6 +9266,11 @@
                   </a:txBody>
                   <a:tcPr/>
                 </a:tc>
+                <a:extLst>
+                  <a:ext uri="{0D108BD9-81ED-4DB2-BD59-A6C34878D82A}">
+                    <a16:rowId xmlns:a16="http://schemas.microsoft.com/office/drawing/2014/main" val="10003"/>
+                  </a:ext>
+                </a:extLst>
               </a:tr>
               <a:tr h="370840">
                 <a:tc vMerge="1">
@@ -9115,7 +9289,7 @@
                     <a:lstStyle/>
                     <a:p>
                       <a:r>
-                        <a:rPr kumimoji="1" lang="en-US" altLang="ja-JP" dirty="0" smtClean="0"/>
+                        <a:rPr kumimoji="1" lang="en-US" altLang="ja-JP" dirty="0"/>
                         <a:t>LoginController.java</a:t>
                       </a:r>
                       <a:endParaRPr kumimoji="1" lang="ja-JP" altLang="en-US" dirty="0"/>
@@ -9130,7 +9304,7 @@
                     <a:p>
                       <a:pPr algn="r"/>
                       <a:r>
-                        <a:rPr kumimoji="1" lang="en-US" altLang="ja-JP" dirty="0" smtClean="0"/>
+                        <a:rPr kumimoji="1" lang="en-US" altLang="ja-JP" dirty="0"/>
                         <a:t>44</a:t>
                       </a:r>
                       <a:endParaRPr kumimoji="1" lang="ja-JP" altLang="en-US" dirty="0"/>
@@ -9138,6 +9312,11 @@
                   </a:txBody>
                   <a:tcPr/>
                 </a:tc>
+                <a:extLst>
+                  <a:ext uri="{0D108BD9-81ED-4DB2-BD59-A6C34878D82A}">
+                    <a16:rowId xmlns:a16="http://schemas.microsoft.com/office/drawing/2014/main" val="10004"/>
+                  </a:ext>
+                </a:extLst>
               </a:tr>
               <a:tr h="370840">
                 <a:tc vMerge="1">
@@ -9156,7 +9335,7 @@
                     <a:lstStyle/>
                     <a:p>
                       <a:r>
-                        <a:rPr kumimoji="1" lang="en-US" altLang="ja-JP" dirty="0" smtClean="0"/>
+                        <a:rPr kumimoji="1" lang="en-US" altLang="ja-JP" dirty="0"/>
                         <a:t>DummyLoginService.java</a:t>
                       </a:r>
                       <a:endParaRPr kumimoji="1" lang="ja-JP" altLang="en-US" dirty="0"/>
@@ -9171,7 +9350,7 @@
                     <a:p>
                       <a:pPr algn="r"/>
                       <a:r>
-                        <a:rPr kumimoji="1" lang="en-US" altLang="ja-JP" dirty="0" smtClean="0"/>
+                        <a:rPr kumimoji="1" lang="en-US" altLang="ja-JP" dirty="0"/>
                         <a:t>13</a:t>
                       </a:r>
                       <a:endParaRPr kumimoji="1" lang="ja-JP" altLang="en-US" dirty="0"/>
@@ -9179,6 +9358,11 @@
                   </a:txBody>
                   <a:tcPr/>
                 </a:tc>
+                <a:extLst>
+                  <a:ext uri="{0D108BD9-81ED-4DB2-BD59-A6C34878D82A}">
+                    <a16:rowId xmlns:a16="http://schemas.microsoft.com/office/drawing/2014/main" val="10005"/>
+                  </a:ext>
+                </a:extLst>
               </a:tr>
             </a:tbl>
           </a:graphicData>
@@ -9355,7 +9539,7 @@
               <a:buNone/>
             </a:pPr>
             <a:r>
-              <a:rPr lang="en-US" altLang="ja-JP" sz="2000" dirty="0" smtClean="0">
+              <a:rPr lang="en-US" altLang="ja-JP" sz="2000" dirty="0">
                 <a:solidFill>
                   <a:srgbClr val="002060"/>
                 </a:solidFill>
@@ -9366,7 +9550,7 @@
               <a:t>※Bean</a:t>
             </a:r>
             <a:r>
-              <a:rPr lang="ja-JP" altLang="en-US" sz="2000" dirty="0" smtClean="0">
+              <a:rPr lang="ja-JP" altLang="en-US" sz="2000" dirty="0">
                 <a:solidFill>
                   <a:srgbClr val="002060"/>
                 </a:solidFill>
@@ -9377,7 +9561,7 @@
               <a:t>・</a:t>
             </a:r>
             <a:r>
-              <a:rPr lang="en-US" altLang="ja-JP" sz="2000" dirty="0" smtClean="0">
+              <a:rPr lang="en-US" altLang="ja-JP" sz="2000" dirty="0">
                 <a:solidFill>
                   <a:srgbClr val="002060"/>
                 </a:solidFill>
@@ -9388,7 +9572,7 @@
               <a:t>Form</a:t>
             </a:r>
             <a:r>
-              <a:rPr lang="ja-JP" altLang="en-US" sz="2000" dirty="0" smtClean="0">
+              <a:rPr lang="ja-JP" altLang="en-US" sz="2000" dirty="0">
                 <a:solidFill>
                   <a:srgbClr val="002060"/>
                 </a:solidFill>
@@ -9399,7 +9583,7 @@
               <a:t>・</a:t>
             </a:r>
             <a:r>
-              <a:rPr lang="en-US" altLang="ja-JP" sz="2000" dirty="0" smtClean="0">
+              <a:rPr lang="en-US" altLang="ja-JP" sz="2000" dirty="0">
                 <a:solidFill>
                   <a:srgbClr val="002060"/>
                 </a:solidFill>
@@ -9410,7 +9594,7 @@
               <a:t>DTO</a:t>
             </a:r>
             <a:r>
-              <a:rPr lang="ja-JP" altLang="en-US" sz="2000" dirty="0" smtClean="0">
+              <a:rPr lang="ja-JP" altLang="en-US" sz="2000" dirty="0">
                 <a:solidFill>
                   <a:srgbClr val="002060"/>
                 </a:solidFill>
@@ -9421,7 +9605,7 @@
               <a:t>・</a:t>
             </a:r>
             <a:r>
-              <a:rPr lang="en-US" altLang="ja-JP" sz="2000" dirty="0" smtClean="0">
+              <a:rPr lang="en-US" altLang="ja-JP" sz="2000" dirty="0">
                 <a:solidFill>
                   <a:srgbClr val="002060"/>
                 </a:solidFill>
@@ -9432,7 +9616,7 @@
               <a:t>Entity</a:t>
             </a:r>
             <a:r>
-              <a:rPr lang="ja-JP" altLang="en-US" sz="2000" dirty="0" smtClean="0">
+              <a:rPr lang="ja-JP" altLang="en-US" sz="2000" dirty="0">
                 <a:solidFill>
                   <a:srgbClr val="002060"/>
                 </a:solidFill>
@@ -9442,7 +9626,7 @@
               </a:rPr>
               <a:t>などは、ほぼ開発ツールで自動作成されるから、比較範囲から除外。</a:t>
             </a:r>
-            <a:endParaRPr lang="en-US" altLang="ja-JP" sz="2000" dirty="0" smtClean="0">
+            <a:endParaRPr lang="en-US" altLang="ja-JP" sz="2000" dirty="0">
               <a:solidFill>
                 <a:srgbClr val="002060"/>
               </a:solidFill>
@@ -9454,6 +9638,9 @@
         </p:txBody>
       </p:sp>
     </p:spTree>
+    <p:custDataLst>
+      <p:tags r:id="rId1"/>
+    </p:custDataLst>
     <p:extLst>
       <p:ext uri="{BB962C8B-B14F-4D97-AF65-F5344CB8AC3E}">
         <p14:creationId xmlns:p14="http://schemas.microsoft.com/office/powerpoint/2010/main" val="1947373260"/>
@@ -9678,7 +9865,7 @@
               </a:spcBef>
             </a:pPr>
             <a:r>
-              <a:rPr lang="ja-JP" altLang="en-US" sz="2800" dirty="0" smtClean="0">
+              <a:rPr lang="ja-JP" altLang="en-US" sz="2800" dirty="0">
                 <a:solidFill>
                   <a:schemeClr val="tx2"/>
                 </a:solidFill>
@@ -9973,9 +10160,27 @@
                 <a:tableStyleId>{5C22544A-7EE6-4342-B048-85BDC9FD1C3A}</a:tableStyleId>
               </a:tblPr>
               <a:tblGrid>
-                <a:gridCol w="2032000"/>
-                <a:gridCol w="3005667"/>
-                <a:gridCol w="1058333"/>
+                <a:gridCol w="2032000">
+                  <a:extLst>
+                    <a:ext uri="{9D8B030D-6E8A-4147-A177-3AD203B41FA5}">
+                      <a16:colId xmlns:a16="http://schemas.microsoft.com/office/drawing/2014/main" val="20000"/>
+                    </a:ext>
+                  </a:extLst>
+                </a:gridCol>
+                <a:gridCol w="3005667">
+                  <a:extLst>
+                    <a:ext uri="{9D8B030D-6E8A-4147-A177-3AD203B41FA5}">
+                      <a16:colId xmlns:a16="http://schemas.microsoft.com/office/drawing/2014/main" val="20001"/>
+                    </a:ext>
+                  </a:extLst>
+                </a:gridCol>
+                <a:gridCol w="1058333">
+                  <a:extLst>
+                    <a:ext uri="{9D8B030D-6E8A-4147-A177-3AD203B41FA5}">
+                      <a16:colId xmlns:a16="http://schemas.microsoft.com/office/drawing/2014/main" val="20002"/>
+                    </a:ext>
+                  </a:extLst>
+                </a:gridCol>
               </a:tblGrid>
               <a:tr h="370840">
                 <a:tc>
@@ -9984,10 +10189,9 @@
                     <a:lstStyle/>
                     <a:p>
                       <a:r>
-                        <a:rPr kumimoji="1" lang="ja-JP" altLang="en-US" dirty="0" smtClean="0"/>
+                        <a:rPr kumimoji="1" lang="ja-JP" altLang="en-US" dirty="0"/>
                         <a:t>フレームワーク</a:t>
                       </a:r>
-                      <a:endParaRPr kumimoji="1" lang="ja-JP" altLang="en-US" dirty="0"/>
                     </a:p>
                   </a:txBody>
                   <a:tcPr/>
@@ -9998,10 +10202,9 @@
                     <a:lstStyle/>
                     <a:p>
                       <a:r>
-                        <a:rPr kumimoji="1" lang="ja-JP" altLang="en-US" dirty="0" smtClean="0"/>
+                        <a:rPr kumimoji="1" lang="ja-JP" altLang="en-US" dirty="0"/>
                         <a:t>ファイル名</a:t>
                       </a:r>
-                      <a:endParaRPr kumimoji="1" lang="ja-JP" altLang="en-US" dirty="0"/>
                     </a:p>
                   </a:txBody>
                   <a:tcPr/>
@@ -10012,14 +10215,18 @@
                     <a:lstStyle/>
                     <a:p>
                       <a:r>
-                        <a:rPr kumimoji="1" lang="ja-JP" altLang="en-US" dirty="0" smtClean="0"/>
+                        <a:rPr kumimoji="1" lang="ja-JP" altLang="en-US" dirty="0"/>
                         <a:t>実行数</a:t>
                       </a:r>
-                      <a:endParaRPr kumimoji="1" lang="ja-JP" altLang="en-US" dirty="0"/>
                     </a:p>
                   </a:txBody>
                   <a:tcPr/>
                 </a:tc>
+                <a:extLst>
+                  <a:ext uri="{0D108BD9-81ED-4DB2-BD59-A6C34878D82A}">
+                    <a16:rowId xmlns:a16="http://schemas.microsoft.com/office/drawing/2014/main" val="10000"/>
+                  </a:ext>
+                </a:extLst>
               </a:tr>
               <a:tr h="370840">
                 <a:tc rowSpan="3">
@@ -10028,14 +10235,13 @@
                     <a:lstStyle/>
                     <a:p>
                       <a:r>
-                        <a:rPr kumimoji="1" lang="en-US" altLang="ja-JP" dirty="0" smtClean="0"/>
+                        <a:rPr kumimoji="1" lang="en-US" altLang="ja-JP" dirty="0"/>
                         <a:t>EFW</a:t>
                       </a:r>
                       <a:r>
-                        <a:rPr kumimoji="1" lang="ja-JP" altLang="en-US" dirty="0" smtClean="0"/>
+                        <a:rPr kumimoji="1" lang="ja-JP" altLang="en-US" dirty="0"/>
                         <a:t>の場合</a:t>
                       </a:r>
-                      <a:endParaRPr kumimoji="1" lang="ja-JP" altLang="en-US" dirty="0"/>
                     </a:p>
                   </a:txBody>
                   <a:tcPr/>
@@ -10046,7 +10252,7 @@
                     <a:lstStyle/>
                     <a:p>
                       <a:r>
-                        <a:rPr kumimoji="1" lang="en-US" altLang="ja-JP" dirty="0" err="1" smtClean="0"/>
+                        <a:rPr kumimoji="1" lang="en-US" altLang="ja-JP" dirty="0" err="1"/>
                         <a:t>login.jsp</a:t>
                       </a:r>
                       <a:endParaRPr kumimoji="1" lang="ja-JP" altLang="en-US" dirty="0"/>
@@ -10061,7 +10267,7 @@
                     <a:p>
                       <a:pPr algn="r"/>
                       <a:r>
-                        <a:rPr kumimoji="1" lang="en-US" altLang="ja-JP" dirty="0" smtClean="0"/>
+                        <a:rPr kumimoji="1" lang="en-US" altLang="ja-JP" dirty="0"/>
                         <a:t>46</a:t>
                       </a:r>
                       <a:endParaRPr kumimoji="1" lang="ja-JP" altLang="en-US" dirty="0"/>
@@ -10069,6 +10275,11 @@
                   </a:txBody>
                   <a:tcPr/>
                 </a:tc>
+                <a:extLst>
+                  <a:ext uri="{0D108BD9-81ED-4DB2-BD59-A6C34878D82A}">
+                    <a16:rowId xmlns:a16="http://schemas.microsoft.com/office/drawing/2014/main" val="10001"/>
+                  </a:ext>
+                </a:extLst>
               </a:tr>
               <a:tr h="370840">
                 <a:tc vMerge="1">
@@ -10087,7 +10298,7 @@
                     <a:lstStyle/>
                     <a:p>
                       <a:r>
-                        <a:rPr kumimoji="1" lang="en-US" altLang="ja-JP" dirty="0" smtClean="0"/>
+                        <a:rPr kumimoji="1" lang="en-US" altLang="ja-JP" dirty="0"/>
                         <a:t>login_submit.js</a:t>
                       </a:r>
                     </a:p>
@@ -10110,7 +10321,7 @@
                         <a:defRPr/>
                       </a:pPr>
                       <a:r>
-                        <a:rPr kumimoji="1" lang="ja-JP" altLang="en-US" dirty="0" smtClean="0">
+                        <a:rPr kumimoji="1" lang="ja-JP" altLang="en-US" dirty="0">
                           <a:solidFill>
                             <a:srgbClr val="FF0000"/>
                           </a:solidFill>
@@ -10144,22 +10355,22 @@
                         <a:defRPr/>
                       </a:pPr>
                       <a:r>
-                        <a:rPr kumimoji="1" lang="en-US" altLang="ja-JP" dirty="0" smtClean="0"/>
+                        <a:rPr kumimoji="1" lang="en-US" altLang="ja-JP" dirty="0"/>
                         <a:t>19</a:t>
                       </a:r>
                       <a:r>
-                        <a:rPr kumimoji="1" lang="ja-JP" altLang="en-US" dirty="0" smtClean="0"/>
+                        <a:rPr kumimoji="1" lang="ja-JP" altLang="en-US" dirty="0"/>
                         <a:t>⇒</a:t>
                       </a:r>
                       <a:r>
-                        <a:rPr kumimoji="1" lang="en-US" altLang="ja-JP" dirty="0" smtClean="0">
+                        <a:rPr kumimoji="1" lang="en-US" altLang="ja-JP" dirty="0">
                           <a:solidFill>
                             <a:srgbClr val="FF0000"/>
                           </a:solidFill>
                         </a:rPr>
                         <a:t>60</a:t>
                       </a:r>
-                      <a:endParaRPr kumimoji="1" lang="ja-JP" altLang="en-US" dirty="0" smtClean="0">
+                      <a:endParaRPr kumimoji="1" lang="ja-JP" altLang="en-US" dirty="0">
                         <a:solidFill>
                           <a:srgbClr val="FF0000"/>
                         </a:solidFill>
@@ -10168,6 +10379,11 @@
                   </a:txBody>
                   <a:tcPr/>
                 </a:tc>
+                <a:extLst>
+                  <a:ext uri="{0D108BD9-81ED-4DB2-BD59-A6C34878D82A}">
+                    <a16:rowId xmlns:a16="http://schemas.microsoft.com/office/drawing/2014/main" val="10002"/>
+                  </a:ext>
+                </a:extLst>
               </a:tr>
               <a:tr h="370840">
                 <a:tc vMerge="1">
@@ -10186,7 +10402,7 @@
                     <a:lstStyle/>
                     <a:p>
                       <a:r>
-                        <a:rPr kumimoji="1" lang="ja-JP" altLang="en-US" dirty="0" smtClean="0">
+                        <a:rPr kumimoji="1" lang="ja-JP" altLang="en-US" dirty="0">
                           <a:solidFill>
                             <a:srgbClr val="FF0000"/>
                           </a:solidFill>
@@ -10194,7 +10410,7 @@
                         <a:t>外出し</a:t>
                       </a:r>
                       <a:r>
-                        <a:rPr kumimoji="1" lang="en-US" altLang="ja-JP" dirty="0" smtClean="0">
+                        <a:rPr kumimoji="1" lang="en-US" altLang="ja-JP" dirty="0">
                           <a:solidFill>
                             <a:srgbClr val="FF0000"/>
                           </a:solidFill>
@@ -10217,7 +10433,7 @@
                     <a:p>
                       <a:pPr algn="r"/>
                       <a:r>
-                        <a:rPr kumimoji="1" lang="en-US" altLang="ja-JP" dirty="0" smtClean="0">
+                        <a:rPr kumimoji="1" lang="en-US" altLang="ja-JP" dirty="0">
                           <a:solidFill>
                             <a:srgbClr val="FF0000"/>
                           </a:solidFill>
@@ -10233,6 +10449,11 @@
                   </a:txBody>
                   <a:tcPr/>
                 </a:tc>
+                <a:extLst>
+                  <a:ext uri="{0D108BD9-81ED-4DB2-BD59-A6C34878D82A}">
+                    <a16:rowId xmlns:a16="http://schemas.microsoft.com/office/drawing/2014/main" val="10003"/>
+                  </a:ext>
+                </a:extLst>
               </a:tr>
               <a:tr h="370840">
                 <a:tc rowSpan="3">
@@ -10241,14 +10462,13 @@
                     <a:lstStyle/>
                     <a:p>
                       <a:r>
-                        <a:rPr kumimoji="1" lang="en-US" altLang="ja-JP" dirty="0" smtClean="0"/>
+                        <a:rPr kumimoji="1" lang="en-US" altLang="ja-JP" dirty="0"/>
                         <a:t>Spring</a:t>
                       </a:r>
                       <a:r>
-                        <a:rPr kumimoji="1" lang="ja-JP" altLang="en-US" dirty="0" smtClean="0"/>
+                        <a:rPr kumimoji="1" lang="ja-JP" altLang="en-US" dirty="0"/>
                         <a:t>の場合</a:t>
                       </a:r>
-                      <a:endParaRPr kumimoji="1" lang="ja-JP" altLang="en-US" dirty="0"/>
                     </a:p>
                   </a:txBody>
                   <a:tcPr/>
@@ -10259,24 +10479,19 @@
                     <a:lstStyle/>
                     <a:p>
                       <a:r>
-                        <a:rPr kumimoji="1" lang="en-US" altLang="ja-JP" dirty="0" smtClean="0"/>
+                        <a:rPr kumimoji="1" lang="en-US" altLang="ja-JP" dirty="0"/>
                         <a:t>login.html</a:t>
                       </a:r>
                     </a:p>
                     <a:p>
                       <a:r>
-                        <a:rPr kumimoji="1" lang="ja-JP" altLang="en-US" dirty="0" smtClean="0">
+                        <a:rPr kumimoji="1" lang="ja-JP" altLang="en-US" dirty="0">
                           <a:solidFill>
                             <a:srgbClr val="FF0000"/>
                           </a:solidFill>
                         </a:rPr>
                         <a:t>チェックとメッセージ表示</a:t>
                       </a:r>
-                      <a:endParaRPr kumimoji="1" lang="ja-JP" altLang="en-US" dirty="0">
-                        <a:solidFill>
-                          <a:srgbClr val="FF0000"/>
-                        </a:solidFill>
-                      </a:endParaRPr>
                     </a:p>
                   </a:txBody>
                   <a:tcPr/>
@@ -10288,15 +10503,15 @@
                     <a:p>
                       <a:pPr algn="r"/>
                       <a:r>
-                        <a:rPr kumimoji="1" lang="en-US" altLang="ja-JP" dirty="0" smtClean="0"/>
+                        <a:rPr kumimoji="1" lang="en-US" altLang="ja-JP" dirty="0"/>
                         <a:t>46</a:t>
                       </a:r>
                       <a:r>
-                        <a:rPr kumimoji="1" lang="ja-JP" altLang="en-US" dirty="0" smtClean="0"/>
+                        <a:rPr kumimoji="1" lang="ja-JP" altLang="en-US" dirty="0"/>
                         <a:t>⇒</a:t>
                       </a:r>
                       <a:r>
-                        <a:rPr kumimoji="1" lang="en-US" altLang="ja-JP" dirty="0" smtClean="0">
+                        <a:rPr kumimoji="1" lang="en-US" altLang="ja-JP" dirty="0">
                           <a:solidFill>
                             <a:srgbClr val="FF0000"/>
                           </a:solidFill>
@@ -10312,6 +10527,11 @@
                   </a:txBody>
                   <a:tcPr/>
                 </a:tc>
+                <a:extLst>
+                  <a:ext uri="{0D108BD9-81ED-4DB2-BD59-A6C34878D82A}">
+                    <a16:rowId xmlns:a16="http://schemas.microsoft.com/office/drawing/2014/main" val="10004"/>
+                  </a:ext>
+                </a:extLst>
               </a:tr>
               <a:tr h="370840">
                 <a:tc vMerge="1">
@@ -10330,7 +10550,7 @@
                     <a:lstStyle/>
                     <a:p>
                       <a:r>
-                        <a:rPr kumimoji="1" lang="en-US" altLang="ja-JP" dirty="0" smtClean="0"/>
+                        <a:rPr kumimoji="1" lang="en-US" altLang="ja-JP" dirty="0"/>
                         <a:t>LoginController.java</a:t>
                       </a:r>
                     </a:p>
@@ -10353,14 +10573,14 @@
                         <a:defRPr/>
                       </a:pPr>
                       <a:r>
-                        <a:rPr kumimoji="1" lang="ja-JP" altLang="en-US" dirty="0" smtClean="0">
+                        <a:rPr kumimoji="1" lang="ja-JP" altLang="en-US" dirty="0">
                           <a:solidFill>
                             <a:srgbClr val="FF0000"/>
                           </a:solidFill>
                         </a:rPr>
                         <a:t>チェックとメッセージ表示</a:t>
                       </a:r>
-                      <a:endParaRPr kumimoji="1" lang="en-US" altLang="ja-JP" dirty="0" smtClean="0">
+                      <a:endParaRPr kumimoji="1" lang="en-US" altLang="ja-JP" dirty="0">
                         <a:solidFill>
                           <a:srgbClr val="FF0000"/>
                         </a:solidFill>
@@ -10385,7 +10605,7 @@
                         <a:defRPr/>
                       </a:pPr>
                       <a:r>
-                        <a:rPr kumimoji="1" lang="ja-JP" altLang="en-US" dirty="0" smtClean="0">
+                        <a:rPr kumimoji="1" lang="ja-JP" altLang="en-US" dirty="0">
                           <a:solidFill>
                             <a:srgbClr val="FF0000"/>
                           </a:solidFill>
@@ -10403,15 +10623,15 @@
                     <a:p>
                       <a:pPr algn="r"/>
                       <a:r>
-                        <a:rPr kumimoji="1" lang="en-US" altLang="ja-JP" dirty="0" smtClean="0"/>
+                        <a:rPr kumimoji="1" lang="en-US" altLang="ja-JP" dirty="0"/>
                         <a:t>44</a:t>
                       </a:r>
                       <a:r>
-                        <a:rPr kumimoji="1" lang="ja-JP" altLang="en-US" dirty="0" smtClean="0"/>
+                        <a:rPr kumimoji="1" lang="ja-JP" altLang="en-US" dirty="0"/>
                         <a:t>⇒</a:t>
                       </a:r>
                       <a:r>
-                        <a:rPr kumimoji="1" lang="en-US" altLang="ja-JP" dirty="0" smtClean="0">
+                        <a:rPr kumimoji="1" lang="en-US" altLang="ja-JP" dirty="0">
                           <a:solidFill>
                             <a:srgbClr val="FF0000"/>
                           </a:solidFill>
@@ -10427,6 +10647,11 @@
                   </a:txBody>
                   <a:tcPr/>
                 </a:tc>
+                <a:extLst>
+                  <a:ext uri="{0D108BD9-81ED-4DB2-BD59-A6C34878D82A}">
+                    <a16:rowId xmlns:a16="http://schemas.microsoft.com/office/drawing/2014/main" val="10005"/>
+                  </a:ext>
+                </a:extLst>
               </a:tr>
               <a:tr h="370840">
                 <a:tc vMerge="1">
@@ -10462,7 +10687,7 @@
                         <a:defRPr/>
                       </a:pPr>
                       <a:r>
-                        <a:rPr kumimoji="1" lang="en-US" altLang="ja-JP" dirty="0" smtClean="0"/>
+                        <a:rPr kumimoji="1" lang="en-US" altLang="ja-JP" dirty="0"/>
                         <a:t>DummyLoginService.java</a:t>
                       </a:r>
                     </a:p>
@@ -10485,7 +10710,7 @@
                         <a:defRPr/>
                       </a:pPr>
                       <a:r>
-                        <a:rPr kumimoji="1" lang="ja-JP" altLang="en-US" dirty="0" smtClean="0">
+                        <a:rPr kumimoji="1" lang="ja-JP" altLang="en-US" dirty="0">
                           <a:solidFill>
                             <a:srgbClr val="FF0000"/>
                           </a:solidFill>
@@ -10503,15 +10728,15 @@
                     <a:p>
                       <a:pPr algn="r"/>
                       <a:r>
-                        <a:rPr kumimoji="1" lang="en-US" altLang="ja-JP" dirty="0" smtClean="0"/>
+                        <a:rPr kumimoji="1" lang="en-US" altLang="ja-JP" dirty="0"/>
                         <a:t>13</a:t>
                       </a:r>
                       <a:r>
-                        <a:rPr kumimoji="1" lang="ja-JP" altLang="en-US" dirty="0" smtClean="0"/>
+                        <a:rPr kumimoji="1" lang="ja-JP" altLang="en-US" dirty="0"/>
                         <a:t>⇒</a:t>
                       </a:r>
                       <a:r>
-                        <a:rPr kumimoji="1" lang="en-US" altLang="ja-JP" dirty="0" smtClean="0">
+                        <a:rPr kumimoji="1" lang="en-US" altLang="ja-JP" dirty="0">
                           <a:solidFill>
                             <a:srgbClr val="FF0000"/>
                           </a:solidFill>
@@ -10527,6 +10752,11 @@
                   </a:txBody>
                   <a:tcPr/>
                 </a:tc>
+                <a:extLst>
+                  <a:ext uri="{0D108BD9-81ED-4DB2-BD59-A6C34878D82A}">
+                    <a16:rowId xmlns:a16="http://schemas.microsoft.com/office/drawing/2014/main" val="10006"/>
+                  </a:ext>
+                </a:extLst>
               </a:tr>
               <a:tr h="370840">
                 <a:tc>
@@ -10545,7 +10775,7 @@
                     <a:lstStyle/>
                     <a:p>
                       <a:r>
-                        <a:rPr kumimoji="1" lang="en-US" altLang="ja-JP" dirty="0" smtClean="0">
+                        <a:rPr kumimoji="1" lang="en-US" altLang="ja-JP" dirty="0">
                           <a:solidFill>
                             <a:srgbClr val="FF0000"/>
                           </a:solidFill>
@@ -10553,7 +10783,7 @@
                         <a:t>SQL</a:t>
                       </a:r>
                       <a:r>
-                        <a:rPr kumimoji="1" lang="ja-JP" altLang="en-US" dirty="0" smtClean="0">
+                        <a:rPr kumimoji="1" lang="ja-JP" altLang="en-US" dirty="0">
                           <a:solidFill>
                             <a:srgbClr val="FF0000"/>
                           </a:solidFill>
@@ -10561,7 +10791,7 @@
                         <a:t>実行の</a:t>
                       </a:r>
                       <a:r>
-                        <a:rPr kumimoji="1" lang="en-US" altLang="ja-JP" dirty="0" smtClean="0">
+                        <a:rPr kumimoji="1" lang="en-US" altLang="ja-JP" dirty="0">
                           <a:solidFill>
                             <a:srgbClr val="FF0000"/>
                           </a:solidFill>
@@ -10569,18 +10799,13 @@
                         <a:t>DAO</a:t>
                       </a:r>
                       <a:r>
-                        <a:rPr kumimoji="1" lang="ja-JP" altLang="en-US" dirty="0" smtClean="0">
+                        <a:rPr kumimoji="1" lang="ja-JP" altLang="en-US" dirty="0">
                           <a:solidFill>
                             <a:srgbClr val="FF0000"/>
                           </a:solidFill>
                         </a:rPr>
                         <a:t>を追加</a:t>
                       </a:r>
-                      <a:endParaRPr kumimoji="1" lang="ja-JP" altLang="en-US" dirty="0">
-                        <a:solidFill>
-                          <a:srgbClr val="FF0000"/>
-                        </a:solidFill>
-                      </a:endParaRPr>
                     </a:p>
                   </a:txBody>
                   <a:tcPr/>
@@ -10592,7 +10817,7 @@
                     <a:p>
                       <a:pPr algn="r"/>
                       <a:r>
-                        <a:rPr kumimoji="1" lang="en-US" altLang="ja-JP" dirty="0" smtClean="0">
+                        <a:rPr kumimoji="1" lang="en-US" altLang="ja-JP" dirty="0">
                           <a:solidFill>
                             <a:srgbClr val="FF0000"/>
                           </a:solidFill>
@@ -10608,6 +10833,11 @@
                   </a:txBody>
                   <a:tcPr/>
                 </a:tc>
+                <a:extLst>
+                  <a:ext uri="{0D108BD9-81ED-4DB2-BD59-A6C34878D82A}">
+                    <a16:rowId xmlns:a16="http://schemas.microsoft.com/office/drawing/2014/main" val="10007"/>
+                  </a:ext>
+                </a:extLst>
               </a:tr>
               <a:tr h="370840">
                 <a:tc>
@@ -10643,7 +10873,7 @@
                         <a:defRPr/>
                       </a:pPr>
                       <a:r>
-                        <a:rPr kumimoji="1" lang="ja-JP" altLang="en-US" dirty="0" smtClean="0">
+                        <a:rPr kumimoji="1" lang="ja-JP" altLang="en-US" dirty="0">
                           <a:solidFill>
                             <a:srgbClr val="FF0000"/>
                           </a:solidFill>
@@ -10651,14 +10881,14 @@
                         <a:t>外出し</a:t>
                       </a:r>
                       <a:r>
-                        <a:rPr kumimoji="1" lang="en-US" altLang="ja-JP" dirty="0" smtClean="0">
+                        <a:rPr kumimoji="1" lang="en-US" altLang="ja-JP" dirty="0">
                           <a:solidFill>
                             <a:srgbClr val="FF0000"/>
                           </a:solidFill>
                         </a:rPr>
                         <a:t>SQL</a:t>
                       </a:r>
-                      <a:endParaRPr kumimoji="1" lang="ja-JP" altLang="en-US" dirty="0" smtClean="0">
+                      <a:endParaRPr kumimoji="1" lang="ja-JP" altLang="en-US" dirty="0">
                         <a:solidFill>
                           <a:srgbClr val="FF0000"/>
                         </a:solidFill>
@@ -10674,7 +10904,7 @@
                     <a:p>
                       <a:pPr algn="r"/>
                       <a:r>
-                        <a:rPr kumimoji="1" lang="en-US" altLang="ja-JP" dirty="0" smtClean="0">
+                        <a:rPr kumimoji="1" lang="en-US" altLang="ja-JP" dirty="0">
                           <a:solidFill>
                             <a:srgbClr val="FF0000"/>
                           </a:solidFill>
@@ -10690,6 +10920,11 @@
                   </a:txBody>
                   <a:tcPr/>
                 </a:tc>
+                <a:extLst>
+                  <a:ext uri="{0D108BD9-81ED-4DB2-BD59-A6C34878D82A}">
+                    <a16:rowId xmlns:a16="http://schemas.microsoft.com/office/drawing/2014/main" val="10008"/>
+                  </a:ext>
+                </a:extLst>
               </a:tr>
             </a:tbl>
           </a:graphicData>
@@ -10866,7 +11101,7 @@
               <a:buNone/>
             </a:pPr>
             <a:r>
-              <a:rPr lang="en-US" altLang="ja-JP" sz="2000" dirty="0" smtClean="0">
+              <a:rPr lang="en-US" altLang="ja-JP" sz="2000" dirty="0">
                 <a:solidFill>
                   <a:srgbClr val="002060"/>
                 </a:solidFill>
@@ -10877,7 +11112,7 @@
               <a:t>※Spring</a:t>
             </a:r>
             <a:r>
-              <a:rPr lang="ja-JP" altLang="en-US" sz="2000" dirty="0" smtClean="0">
+              <a:rPr lang="ja-JP" altLang="en-US" sz="2000" dirty="0">
                 <a:solidFill>
                   <a:srgbClr val="002060"/>
                 </a:solidFill>
@@ -10888,7 +11123,7 @@
               <a:t>は</a:t>
             </a:r>
             <a:r>
-              <a:rPr lang="en-US" altLang="ja-JP" sz="2000" dirty="0" smtClean="0">
+              <a:rPr lang="en-US" altLang="ja-JP" sz="2000" dirty="0">
                 <a:solidFill>
                   <a:srgbClr val="002060"/>
                 </a:solidFill>
@@ -10899,7 +11134,7 @@
               <a:t>Ajax</a:t>
             </a:r>
             <a:r>
-              <a:rPr lang="ja-JP" altLang="en-US" sz="2000" dirty="0" smtClean="0">
+              <a:rPr lang="ja-JP" altLang="en-US" sz="2000" dirty="0">
                 <a:solidFill>
                   <a:srgbClr val="002060"/>
                 </a:solidFill>
@@ -10907,21 +11142,10 @@
                 <a:ea typeface="Meiryo UI" pitchFamily="50" charset="-128"/>
                 <a:cs typeface="Meiryo UI" pitchFamily="50" charset="-128"/>
               </a:rPr>
-              <a:t>ではなく</a:t>
-            </a:r>
-            <a:r>
-              <a:rPr lang="ja-JP" altLang="en-US" sz="2000" dirty="0">
-                <a:solidFill>
-                  <a:srgbClr val="002060"/>
-                </a:solidFill>
-                <a:latin typeface="Meiryo UI" pitchFamily="50" charset="-128"/>
-                <a:ea typeface="Meiryo UI" pitchFamily="50" charset="-128"/>
-                <a:cs typeface="Meiryo UI" pitchFamily="50" charset="-128"/>
-              </a:rPr>
-              <a:t>、</a:t>
-            </a:r>
-            <a:r>
-              <a:rPr lang="en-US" altLang="ja-JP" sz="2000" dirty="0" smtClean="0">
+              <a:t>ではなく、</a:t>
+            </a:r>
+            <a:r>
+              <a:rPr lang="en-US" altLang="ja-JP" sz="2000" dirty="0">
                 <a:solidFill>
                   <a:srgbClr val="002060"/>
                 </a:solidFill>
@@ -10932,7 +11156,7 @@
               <a:t>POST</a:t>
             </a:r>
             <a:r>
-              <a:rPr lang="ja-JP" altLang="en-US" sz="2000" dirty="0" smtClean="0">
+              <a:rPr lang="ja-JP" altLang="en-US" sz="2000" dirty="0">
                 <a:solidFill>
                   <a:srgbClr val="002060"/>
                 </a:solidFill>
@@ -10942,7 +11166,7 @@
               </a:rPr>
               <a:t>方式と想定する。</a:t>
             </a:r>
-            <a:endParaRPr lang="en-US" altLang="ja-JP" sz="2000" dirty="0" smtClean="0">
+            <a:endParaRPr lang="en-US" altLang="ja-JP" sz="2000" dirty="0">
               <a:solidFill>
                 <a:srgbClr val="002060"/>
               </a:solidFill>
@@ -10954,6 +11178,9 @@
         </p:txBody>
       </p:sp>
     </p:spTree>
+    <p:custDataLst>
+      <p:tags r:id="rId1"/>
+    </p:custDataLst>
     <p:extLst>
       <p:ext uri="{BB962C8B-B14F-4D97-AF65-F5344CB8AC3E}">
         <p14:creationId xmlns:p14="http://schemas.microsoft.com/office/powerpoint/2010/main" val="1806774485"/>
@@ -11178,7 +11405,7 @@
               </a:spcBef>
             </a:pPr>
             <a:r>
-              <a:rPr lang="ja-JP" altLang="en-US" sz="2800" dirty="0" smtClean="0">
+              <a:rPr lang="ja-JP" altLang="en-US" sz="2800" dirty="0">
                 <a:solidFill>
                   <a:schemeClr val="tx2"/>
                 </a:solidFill>
@@ -11468,7 +11695,7 @@
         </p:xfrm>
         <a:graphic>
           <a:graphicData uri="http://schemas.openxmlformats.org/drawingml/2006/chart">
-            <c:chart xmlns:c="http://schemas.openxmlformats.org/drawingml/2006/chart" xmlns:r="http://schemas.openxmlformats.org/officeDocument/2006/relationships" r:id="rId3"/>
+            <c:chart xmlns:c="http://schemas.openxmlformats.org/drawingml/2006/chart" xmlns:r="http://schemas.openxmlformats.org/officeDocument/2006/relationships" r:id="rId4"/>
           </a:graphicData>
         </a:graphic>
       </p:graphicFrame>
@@ -11497,9 +11724,27 @@
                 <a:tableStyleId>{5C22544A-7EE6-4342-B048-85BDC9FD1C3A}</a:tableStyleId>
               </a:tblPr>
               <a:tblGrid>
-                <a:gridCol w="1075266"/>
-                <a:gridCol w="1701800"/>
-                <a:gridCol w="1752601"/>
+                <a:gridCol w="1075266">
+                  <a:extLst>
+                    <a:ext uri="{9D8B030D-6E8A-4147-A177-3AD203B41FA5}">
+                      <a16:colId xmlns:a16="http://schemas.microsoft.com/office/drawing/2014/main" val="20000"/>
+                    </a:ext>
+                  </a:extLst>
+                </a:gridCol>
+                <a:gridCol w="1701800">
+                  <a:extLst>
+                    <a:ext uri="{9D8B030D-6E8A-4147-A177-3AD203B41FA5}">
+                      <a16:colId xmlns:a16="http://schemas.microsoft.com/office/drawing/2014/main" val="20001"/>
+                    </a:ext>
+                  </a:extLst>
+                </a:gridCol>
+                <a:gridCol w="1752601">
+                  <a:extLst>
+                    <a:ext uri="{9D8B030D-6E8A-4147-A177-3AD203B41FA5}">
+                      <a16:colId xmlns:a16="http://schemas.microsoft.com/office/drawing/2014/main" val="20002"/>
+                    </a:ext>
+                  </a:extLst>
+                </a:gridCol>
               </a:tblGrid>
               <a:tr h="370840">
                 <a:tc>
@@ -11508,10 +11753,9 @@
                     <a:lstStyle/>
                     <a:p>
                       <a:r>
-                        <a:rPr kumimoji="1" lang="ja-JP" altLang="en-US" dirty="0" smtClean="0"/>
+                        <a:rPr kumimoji="1" lang="ja-JP" altLang="en-US" dirty="0"/>
                         <a:t>分類</a:t>
                       </a:r>
-                      <a:endParaRPr kumimoji="1" lang="ja-JP" altLang="en-US" dirty="0"/>
                     </a:p>
                   </a:txBody>
                   <a:tcPr/>
@@ -11522,14 +11766,13 @@
                     <a:lstStyle/>
                     <a:p>
                       <a:r>
-                        <a:rPr kumimoji="1" lang="en-US" altLang="ja-JP" dirty="0" smtClean="0"/>
+                        <a:rPr kumimoji="1" lang="en-US" altLang="ja-JP" dirty="0"/>
                         <a:t>Spring</a:t>
                       </a:r>
                       <a:r>
-                        <a:rPr kumimoji="1" lang="ja-JP" altLang="en-US" dirty="0" smtClean="0"/>
+                        <a:rPr kumimoji="1" lang="ja-JP" altLang="en-US" dirty="0"/>
                         <a:t>の場合</a:t>
                       </a:r>
-                      <a:endParaRPr kumimoji="1" lang="ja-JP" altLang="en-US" dirty="0"/>
                     </a:p>
                   </a:txBody>
                   <a:tcPr/>
@@ -11540,18 +11783,22 @@
                     <a:lstStyle/>
                     <a:p>
                       <a:r>
-                        <a:rPr kumimoji="1" lang="en-US" altLang="ja-JP" dirty="0" smtClean="0"/>
+                        <a:rPr kumimoji="1" lang="en-US" altLang="ja-JP" dirty="0"/>
                         <a:t>EFW</a:t>
                       </a:r>
                       <a:r>
-                        <a:rPr kumimoji="1" lang="ja-JP" altLang="en-US" dirty="0" smtClean="0"/>
+                        <a:rPr kumimoji="1" lang="ja-JP" altLang="en-US" dirty="0"/>
                         <a:t>の場合</a:t>
                       </a:r>
-                      <a:endParaRPr kumimoji="1" lang="ja-JP" altLang="en-US" dirty="0"/>
                     </a:p>
                   </a:txBody>
                   <a:tcPr/>
                 </a:tc>
+                <a:extLst>
+                  <a:ext uri="{0D108BD9-81ED-4DB2-BD59-A6C34878D82A}">
+                    <a16:rowId xmlns:a16="http://schemas.microsoft.com/office/drawing/2014/main" val="10000"/>
+                  </a:ext>
+                </a:extLst>
               </a:tr>
               <a:tr h="370840">
                 <a:tc>
@@ -11561,7 +11808,7 @@
                     <a:p>
                       <a:pPr algn="ctr" rtl="0" fontAlgn="ctr"/>
                       <a:r>
-                        <a:rPr lang="en-US" sz="1800" b="0" i="0" u="none" strike="noStrike" dirty="0" smtClean="0">
+                        <a:rPr lang="en-US" sz="1800" b="0" i="0" u="none" strike="noStrike" dirty="0">
                           <a:solidFill>
                             <a:srgbClr val="000000"/>
                           </a:solidFill>
@@ -11571,14 +11818,6 @@
                         </a:rPr>
                         <a:t>M</a:t>
                       </a:r>
-                      <a:endParaRPr lang="en-US" sz="1800" b="0" i="0" u="none" strike="noStrike" dirty="0">
-                        <a:solidFill>
-                          <a:srgbClr val="000000"/>
-                        </a:solidFill>
-                        <a:effectLst/>
-                        <a:latin typeface="Arial" panose="020B0604020202020204" pitchFamily="34" charset="0"/>
-                        <a:ea typeface="ＭＳ Ｐゴシック" panose="020B0600070205080204" pitchFamily="50" charset="-128"/>
-                      </a:endParaRPr>
                     </a:p>
                   </a:txBody>
                   <a:tcPr anchor="ctr"/>
@@ -11590,7 +11829,7 @@
                     <a:p>
                       <a:pPr algn="r" rtl="0" fontAlgn="ctr"/>
                       <a:r>
-                        <a:rPr lang="en-US" altLang="ja-JP" sz="1800" b="0" i="0" u="none" strike="noStrike" dirty="0" smtClean="0">
+                        <a:rPr lang="en-US" altLang="ja-JP" sz="1800" b="0" i="0" u="none" strike="noStrike" dirty="0">
                           <a:solidFill>
                             <a:srgbClr val="000000"/>
                           </a:solidFill>
@@ -11600,14 +11839,6 @@
                         </a:rPr>
                         <a:t>80 </a:t>
                       </a:r>
-                      <a:endParaRPr lang="en-US" altLang="ja-JP" sz="1800" b="0" i="0" u="none" strike="noStrike" dirty="0">
-                        <a:solidFill>
-                          <a:srgbClr val="000000"/>
-                        </a:solidFill>
-                        <a:effectLst/>
-                        <a:latin typeface="Arial" panose="020B0604020202020204" pitchFamily="34" charset="0"/>
-                        <a:ea typeface="ＭＳ Ｐゴシック" panose="020B0600070205080204" pitchFamily="50" charset="-128"/>
-                      </a:endParaRPr>
                     </a:p>
                   </a:txBody>
                   <a:tcPr anchor="ctr"/>
@@ -11619,7 +11850,7 @@
                     <a:p>
                       <a:pPr algn="r" rtl="0" fontAlgn="ctr"/>
                       <a:r>
-                        <a:rPr lang="en-US" altLang="ja-JP" sz="1800" b="0" i="0" u="none" strike="noStrike" dirty="0" smtClean="0">
+                        <a:rPr lang="en-US" altLang="ja-JP" sz="1800" b="0" i="0" u="none" strike="noStrike" dirty="0">
                           <a:solidFill>
                             <a:srgbClr val="000000"/>
                           </a:solidFill>
@@ -11629,18 +11860,15 @@
                         </a:rPr>
                         <a:t>60 </a:t>
                       </a:r>
-                      <a:endParaRPr lang="en-US" altLang="ja-JP" sz="1800" b="0" i="0" u="none" strike="noStrike" dirty="0">
-                        <a:solidFill>
-                          <a:srgbClr val="000000"/>
-                        </a:solidFill>
-                        <a:effectLst/>
-                        <a:latin typeface="Arial" panose="020B0604020202020204" pitchFamily="34" charset="0"/>
-                        <a:ea typeface="ＭＳ Ｐゴシック" panose="020B0600070205080204" pitchFamily="50" charset="-128"/>
-                      </a:endParaRPr>
                     </a:p>
                   </a:txBody>
                   <a:tcPr anchor="ctr"/>
                 </a:tc>
+                <a:extLst>
+                  <a:ext uri="{0D108BD9-81ED-4DB2-BD59-A6C34878D82A}">
+                    <a16:rowId xmlns:a16="http://schemas.microsoft.com/office/drawing/2014/main" val="10001"/>
+                  </a:ext>
+                </a:extLst>
               </a:tr>
               <a:tr h="370840">
                 <a:tc>
@@ -11706,6 +11934,11 @@
                   </a:txBody>
                   <a:tcPr anchor="ctr"/>
                 </a:tc>
+                <a:extLst>
+                  <a:ext uri="{0D108BD9-81ED-4DB2-BD59-A6C34878D82A}">
+                    <a16:rowId xmlns:a16="http://schemas.microsoft.com/office/drawing/2014/main" val="10002"/>
+                  </a:ext>
+                </a:extLst>
               </a:tr>
               <a:tr h="370840">
                 <a:tc>
@@ -11757,7 +11990,7 @@
                     <a:p>
                       <a:pPr algn="r" rtl="0" fontAlgn="ctr"/>
                       <a:r>
-                        <a:rPr lang="en-US" altLang="ja-JP" sz="1800" b="0" i="0" u="none" strike="noStrike" dirty="0" smtClean="0">
+                        <a:rPr lang="en-US" altLang="ja-JP" sz="1800" b="0" i="0" u="none" strike="noStrike" dirty="0">
                           <a:solidFill>
                             <a:srgbClr val="000000"/>
                           </a:solidFill>
@@ -11767,18 +12000,15 @@
                         </a:rPr>
                         <a:t>0</a:t>
                       </a:r>
-                      <a:endParaRPr lang="en-US" altLang="ja-JP" sz="1800" b="0" i="0" u="none" strike="noStrike" dirty="0">
-                        <a:solidFill>
-                          <a:srgbClr val="000000"/>
-                        </a:solidFill>
-                        <a:effectLst/>
-                        <a:latin typeface="Arial" panose="020B0604020202020204" pitchFamily="34" charset="0"/>
-                        <a:ea typeface="ＭＳ Ｐゴシック" panose="020B0600070205080204" pitchFamily="50" charset="-128"/>
-                      </a:endParaRPr>
                     </a:p>
                   </a:txBody>
                   <a:tcPr anchor="ctr"/>
                 </a:tc>
+                <a:extLst>
+                  <a:ext uri="{0D108BD9-81ED-4DB2-BD59-A6C34878D82A}">
+                    <a16:rowId xmlns:a16="http://schemas.microsoft.com/office/drawing/2014/main" val="10003"/>
+                  </a:ext>
+                </a:extLst>
               </a:tr>
               <a:tr h="370840">
                 <a:tc>
@@ -11848,6 +12078,11 @@
                     </a:solidFill>
                   </a:tcPr>
                 </a:tc>
+                <a:extLst>
+                  <a:ext uri="{0D108BD9-81ED-4DB2-BD59-A6C34878D82A}">
+                    <a16:rowId xmlns:a16="http://schemas.microsoft.com/office/drawing/2014/main" val="10004"/>
+                  </a:ext>
+                </a:extLst>
               </a:tr>
               <a:tr h="370840">
                 <a:tc>
@@ -11913,6 +12148,11 @@
                   </a:txBody>
                   <a:tcPr anchor="ctr"/>
                 </a:tc>
+                <a:extLst>
+                  <a:ext uri="{0D108BD9-81ED-4DB2-BD59-A6C34878D82A}">
+                    <a16:rowId xmlns:a16="http://schemas.microsoft.com/office/drawing/2014/main" val="10005"/>
+                  </a:ext>
+                </a:extLst>
               </a:tr>
             </a:tbl>
           </a:graphicData>
@@ -11952,7 +12192,7 @@
           <a:bodyPr rtlCol="0" anchor="t" anchorCtr="0"/>
           <a:lstStyle/>
           <a:p>
-            <a:endParaRPr kumimoji="1" lang="en-US" altLang="ja-JP" sz="1400" dirty="0" smtClean="0">
+            <a:endParaRPr kumimoji="1" lang="en-US" altLang="ja-JP" sz="1400" dirty="0">
               <a:solidFill>
                 <a:schemeClr val="bg1"/>
               </a:solidFill>
@@ -11963,7 +12203,7 @@
           </a:p>
           <a:p>
             <a:r>
-              <a:rPr kumimoji="1" lang="ja-JP" altLang="en-US" sz="1400" dirty="0" smtClean="0">
+              <a:rPr kumimoji="1" lang="ja-JP" altLang="en-US" sz="1400" dirty="0">
                 <a:solidFill>
                   <a:schemeClr val="bg1"/>
                 </a:solidFill>
@@ -11974,7 +12214,7 @@
               <a:t>・</a:t>
             </a:r>
             <a:r>
-              <a:rPr kumimoji="1" lang="en-US" altLang="ja-JP" sz="1400" dirty="0" smtClean="0">
+              <a:rPr kumimoji="1" lang="en-US" altLang="ja-JP" sz="1400" dirty="0">
                 <a:solidFill>
                   <a:schemeClr val="bg1"/>
                 </a:solidFill>
@@ -11985,7 +12225,7 @@
               <a:t>EFW</a:t>
             </a:r>
             <a:r>
-              <a:rPr kumimoji="1" lang="ja-JP" altLang="en-US" sz="1400" dirty="0" smtClean="0">
+              <a:rPr kumimoji="1" lang="ja-JP" altLang="en-US" sz="1400" dirty="0">
                 <a:solidFill>
                   <a:schemeClr val="bg1"/>
                 </a:solidFill>
@@ -11996,7 +12236,7 @@
               <a:t>は、目的志向だから、</a:t>
             </a:r>
             <a:r>
-              <a:rPr kumimoji="1" lang="en-US" altLang="ja-JP" sz="1400" dirty="0" smtClean="0">
+              <a:rPr kumimoji="1" lang="en-US" altLang="ja-JP" sz="1400" dirty="0">
                 <a:solidFill>
                   <a:schemeClr val="bg1"/>
                 </a:solidFill>
@@ -12007,7 +12247,7 @@
               <a:t>M</a:t>
             </a:r>
             <a:r>
-              <a:rPr lang="ja-JP" altLang="en-US" sz="1400" dirty="0" smtClean="0">
+              <a:rPr lang="ja-JP" altLang="en-US" sz="1400" dirty="0">
                 <a:solidFill>
                   <a:schemeClr val="bg1"/>
                 </a:solidFill>
@@ -12015,31 +12255,9 @@
                 <a:ea typeface="Meiryo UI" panose="020B0604030504040204" pitchFamily="50" charset="-128"/>
                 <a:cs typeface="Meiryo UI" panose="020B0604030504040204" pitchFamily="50" charset="-128"/>
               </a:rPr>
-              <a:t>層</a:t>
-            </a:r>
-            <a:r>
-              <a:rPr lang="ja-JP" altLang="en-US" sz="1400" dirty="0">
-                <a:solidFill>
-                  <a:schemeClr val="bg1"/>
-                </a:solidFill>
-                <a:latin typeface="Meiryo UI" panose="020B0604030504040204" pitchFamily="50" charset="-128"/>
-                <a:ea typeface="Meiryo UI" panose="020B0604030504040204" pitchFamily="50" charset="-128"/>
-                <a:cs typeface="Meiryo UI" panose="020B0604030504040204" pitchFamily="50" charset="-128"/>
-              </a:rPr>
-              <a:t>を</a:t>
-            </a:r>
-            <a:r>
-              <a:rPr lang="ja-JP" altLang="en-US" sz="1400" dirty="0" smtClean="0">
-                <a:solidFill>
-                  <a:schemeClr val="bg1"/>
-                </a:solidFill>
-                <a:latin typeface="Meiryo UI" panose="020B0604030504040204" pitchFamily="50" charset="-128"/>
-                <a:ea typeface="Meiryo UI" panose="020B0604030504040204" pitchFamily="50" charset="-128"/>
-                <a:cs typeface="Meiryo UI" panose="020B0604030504040204" pitchFamily="50" charset="-128"/>
-              </a:rPr>
-              <a:t>削減。</a:t>
-            </a:r>
-            <a:endParaRPr lang="en-US" altLang="ja-JP" sz="1400" dirty="0" smtClean="0">
+              <a:t>層を削減。</a:t>
+            </a:r>
+            <a:endParaRPr lang="en-US" altLang="ja-JP" sz="1400" dirty="0">
               <a:solidFill>
                 <a:schemeClr val="bg1"/>
               </a:solidFill>
@@ -12050,7 +12268,7 @@
           </a:p>
           <a:p>
             <a:r>
-              <a:rPr kumimoji="1" lang="ja-JP" altLang="en-US" sz="1400" dirty="0" smtClean="0">
+              <a:rPr kumimoji="1" lang="ja-JP" altLang="en-US" sz="1400" dirty="0">
                 <a:solidFill>
                   <a:schemeClr val="bg1"/>
                 </a:solidFill>
@@ -12061,7 +12279,7 @@
               <a:t>・</a:t>
             </a:r>
             <a:r>
-              <a:rPr lang="en-US" altLang="ja-JP" sz="1400" dirty="0" smtClean="0">
+              <a:rPr lang="en-US" altLang="ja-JP" sz="1400" dirty="0">
                 <a:solidFill>
                   <a:schemeClr val="bg1"/>
                 </a:solidFill>
@@ -12072,7 +12290,7 @@
               <a:t>EFW</a:t>
             </a:r>
             <a:r>
-              <a:rPr lang="ja-JP" altLang="en-US" sz="1400" dirty="0" smtClean="0">
+              <a:rPr lang="ja-JP" altLang="en-US" sz="1400" dirty="0">
                 <a:solidFill>
                   <a:schemeClr val="bg1"/>
                 </a:solidFill>
@@ -12083,7 +12301,7 @@
               <a:t>は、クライアントロジックなし方針で、</a:t>
             </a:r>
             <a:r>
-              <a:rPr lang="en-US" altLang="ja-JP" sz="1400" dirty="0" smtClean="0">
+              <a:rPr lang="en-US" altLang="ja-JP" sz="1400" dirty="0">
                 <a:solidFill>
                   <a:schemeClr val="bg1"/>
                 </a:solidFill>
@@ -12094,7 +12312,7 @@
               <a:t>V</a:t>
             </a:r>
             <a:r>
-              <a:rPr lang="ja-JP" altLang="en-US" sz="1400" dirty="0" smtClean="0">
+              <a:rPr lang="ja-JP" altLang="en-US" sz="1400" dirty="0">
                 <a:solidFill>
                   <a:schemeClr val="bg1"/>
                 </a:solidFill>
@@ -12104,7 +12322,7 @@
               </a:rPr>
               <a:t>層を削減。</a:t>
             </a:r>
-            <a:endParaRPr lang="en-US" altLang="ja-JP" sz="1400" dirty="0" smtClean="0">
+            <a:endParaRPr lang="en-US" altLang="ja-JP" sz="1400" dirty="0">
               <a:solidFill>
                 <a:schemeClr val="bg1"/>
               </a:solidFill>
@@ -12115,7 +12333,7 @@
           </a:p>
           <a:p>
             <a:r>
-              <a:rPr kumimoji="1" lang="ja-JP" altLang="en-US" sz="1400" dirty="0" smtClean="0">
+              <a:rPr kumimoji="1" lang="ja-JP" altLang="en-US" sz="1400" dirty="0">
                 <a:solidFill>
                   <a:schemeClr val="bg1"/>
                 </a:solidFill>
@@ -12126,7 +12344,7 @@
               <a:t>・</a:t>
             </a:r>
             <a:r>
-              <a:rPr lang="en-US" altLang="ja-JP" sz="1400" dirty="0" smtClean="0">
+              <a:rPr lang="en-US" altLang="ja-JP" sz="1400" dirty="0">
                 <a:solidFill>
                   <a:schemeClr val="bg1"/>
                 </a:solidFill>
@@ -12137,7 +12355,7 @@
               <a:t>EFW</a:t>
             </a:r>
             <a:r>
-              <a:rPr lang="ja-JP" altLang="en-US" sz="1400" dirty="0" smtClean="0">
+              <a:rPr lang="ja-JP" altLang="en-US" sz="1400" dirty="0">
                 <a:solidFill>
                   <a:schemeClr val="bg1"/>
                 </a:solidFill>
@@ -12148,7 +12366,7 @@
               <a:t>は、イベント</a:t>
             </a:r>
             <a:r>
-              <a:rPr lang="en-US" altLang="ja-JP" sz="1400" dirty="0" err="1" smtClean="0">
+              <a:rPr lang="en-US" altLang="ja-JP" sz="1400" dirty="0" err="1">
                 <a:solidFill>
                   <a:schemeClr val="bg1"/>
                 </a:solidFill>
@@ -12159,7 +12377,7 @@
               <a:t>js</a:t>
             </a:r>
             <a:r>
-              <a:rPr lang="ja-JP" altLang="en-US" sz="1400" dirty="0" smtClean="0">
+              <a:rPr lang="ja-JP" altLang="en-US" sz="1400" dirty="0">
                 <a:solidFill>
                   <a:schemeClr val="bg1"/>
                 </a:solidFill>
@@ -12170,7 +12388,7 @@
               <a:t>と画面操作とマッピングし易い、</a:t>
             </a:r>
             <a:r>
-              <a:rPr lang="en-US" altLang="ja-JP" sz="1400" dirty="0" smtClean="0">
+              <a:rPr lang="en-US" altLang="ja-JP" sz="1400" dirty="0">
                 <a:solidFill>
                   <a:schemeClr val="bg1"/>
                 </a:solidFill>
@@ -12181,7 +12399,7 @@
               <a:t>C</a:t>
             </a:r>
             <a:r>
-              <a:rPr lang="ja-JP" altLang="en-US" sz="1400" dirty="0" smtClean="0">
+              <a:rPr lang="ja-JP" altLang="en-US" sz="1400" dirty="0">
                 <a:solidFill>
                   <a:schemeClr val="bg1"/>
                 </a:solidFill>
@@ -12191,7 +12409,7 @@
               </a:rPr>
               <a:t>層不要。</a:t>
             </a:r>
-            <a:endParaRPr lang="en-US" altLang="ja-JP" sz="1400" dirty="0" smtClean="0">
+            <a:endParaRPr lang="en-US" altLang="ja-JP" sz="1400" dirty="0">
               <a:solidFill>
                 <a:schemeClr val="bg1"/>
               </a:solidFill>
@@ -12202,7 +12420,7 @@
           </a:p>
           <a:p>
             <a:r>
-              <a:rPr kumimoji="1" lang="ja-JP" altLang="en-US" sz="1400" dirty="0" smtClean="0">
+              <a:rPr kumimoji="1" lang="ja-JP" altLang="en-US" sz="1400" dirty="0">
                 <a:solidFill>
                   <a:schemeClr val="bg1"/>
                 </a:solidFill>
@@ -12213,7 +12431,7 @@
               <a:t>・</a:t>
             </a:r>
             <a:r>
-              <a:rPr kumimoji="1" lang="en-US" altLang="ja-JP" sz="1400" dirty="0" smtClean="0">
+              <a:rPr kumimoji="1" lang="en-US" altLang="ja-JP" sz="1400" dirty="0">
                 <a:solidFill>
                   <a:schemeClr val="bg1"/>
                 </a:solidFill>
@@ -12224,7 +12442,7 @@
               <a:t>EFW</a:t>
             </a:r>
             <a:r>
-              <a:rPr kumimoji="1" lang="ja-JP" altLang="en-US" sz="1400" dirty="0" smtClean="0">
+              <a:rPr kumimoji="1" lang="ja-JP" altLang="en-US" sz="1400" dirty="0">
                 <a:solidFill>
                   <a:schemeClr val="bg1"/>
                 </a:solidFill>
@@ -12235,7 +12453,7 @@
               <a:t>は、</a:t>
             </a:r>
             <a:r>
-              <a:rPr lang="en-US" altLang="ja-JP" sz="1400" dirty="0" err="1" smtClean="0">
+              <a:rPr lang="en-US" altLang="ja-JP" sz="1400" dirty="0" err="1">
                 <a:solidFill>
                   <a:schemeClr val="bg1"/>
                 </a:solidFill>
@@ -12246,7 +12464,7 @@
               <a:t>db.select</a:t>
             </a:r>
             <a:r>
-              <a:rPr lang="ja-JP" altLang="en-US" sz="1400" dirty="0" smtClean="0">
+              <a:rPr lang="ja-JP" altLang="en-US" sz="1400" dirty="0">
                 <a:solidFill>
                   <a:schemeClr val="bg1"/>
                 </a:solidFill>
@@ -12257,7 +12475,7 @@
               <a:t>＋</a:t>
             </a:r>
             <a:r>
-              <a:rPr lang="en-US" altLang="ja-JP" sz="1400" dirty="0" smtClean="0">
+              <a:rPr lang="en-US" altLang="ja-JP" sz="1400" dirty="0">
                 <a:solidFill>
                   <a:schemeClr val="bg1"/>
                 </a:solidFill>
@@ -12268,7 +12486,7 @@
               <a:t>Record</a:t>
             </a:r>
             <a:r>
-              <a:rPr lang="ja-JP" altLang="en-US" sz="1400" dirty="0" smtClean="0">
+              <a:rPr lang="ja-JP" altLang="en-US" sz="1400" dirty="0">
                 <a:solidFill>
                   <a:schemeClr val="bg1"/>
                 </a:solidFill>
@@ -12276,32 +12494,10 @@
                 <a:ea typeface="Meiryo UI" panose="020B0604030504040204" pitchFamily="50" charset="-128"/>
                 <a:cs typeface="Meiryo UI" panose="020B0604030504040204" pitchFamily="50" charset="-128"/>
               </a:rPr>
-              <a:t>で</a:t>
-            </a:r>
-            <a:r>
-              <a:rPr lang="ja-JP" altLang="en-US" sz="1400" dirty="0">
-                <a:solidFill>
-                  <a:schemeClr val="bg1"/>
-                </a:solidFill>
-                <a:latin typeface="Meiryo UI" panose="020B0604030504040204" pitchFamily="50" charset="-128"/>
-                <a:ea typeface="Meiryo UI" panose="020B0604030504040204" pitchFamily="50" charset="-128"/>
-                <a:cs typeface="Meiryo UI" panose="020B0604030504040204" pitchFamily="50" charset="-128"/>
-              </a:rPr>
-              <a:t>十分</a:t>
-            </a:r>
-            <a:r>
-              <a:rPr lang="ja-JP" altLang="en-US" sz="1400" dirty="0" smtClean="0">
-                <a:solidFill>
-                  <a:schemeClr val="bg1"/>
-                </a:solidFill>
-                <a:latin typeface="Meiryo UI" panose="020B0604030504040204" pitchFamily="50" charset="-128"/>
-                <a:ea typeface="Meiryo UI" panose="020B0604030504040204" pitchFamily="50" charset="-128"/>
-                <a:cs typeface="Meiryo UI" panose="020B0604030504040204" pitchFamily="50" charset="-128"/>
-              </a:rPr>
-              <a:t>便利、</a:t>
-            </a:r>
-            <a:r>
-              <a:rPr lang="en-US" altLang="ja-JP" sz="1400" dirty="0" smtClean="0">
+              <a:t>で十分便利、</a:t>
+            </a:r>
+            <a:r>
+              <a:rPr lang="en-US" altLang="ja-JP" sz="1400" dirty="0">
                 <a:solidFill>
                   <a:schemeClr val="bg1"/>
                 </a:solidFill>
@@ -12312,7 +12508,7 @@
               <a:t>DAO</a:t>
             </a:r>
             <a:r>
-              <a:rPr lang="ja-JP" altLang="en-US" sz="1400" dirty="0" smtClean="0">
+              <a:rPr lang="ja-JP" altLang="en-US" sz="1400" dirty="0">
                 <a:solidFill>
                   <a:schemeClr val="bg1"/>
                 </a:solidFill>
@@ -12322,7 +12518,7 @@
               </a:rPr>
               <a:t>不要。</a:t>
             </a:r>
-            <a:endParaRPr lang="en-US" altLang="ja-JP" sz="1400" dirty="0" smtClean="0">
+            <a:endParaRPr lang="en-US" altLang="ja-JP" sz="1400" dirty="0">
               <a:solidFill>
                 <a:schemeClr val="bg1"/>
               </a:solidFill>
@@ -12333,7 +12529,7 @@
           </a:p>
           <a:p>
             <a:r>
-              <a:rPr kumimoji="1" lang="ja-JP" altLang="en-US" sz="1400" dirty="0" smtClean="0">
+              <a:rPr kumimoji="1" lang="ja-JP" altLang="en-US" sz="1400" dirty="0">
                 <a:solidFill>
                   <a:schemeClr val="bg1"/>
                 </a:solidFill>
@@ -12344,7 +12540,7 @@
               <a:t>・外出し</a:t>
             </a:r>
             <a:r>
-              <a:rPr kumimoji="1" lang="en-US" altLang="ja-JP" sz="1400" dirty="0" smtClean="0">
+              <a:rPr kumimoji="1" lang="en-US" altLang="ja-JP" sz="1400" dirty="0">
                 <a:solidFill>
                   <a:schemeClr val="bg1"/>
                 </a:solidFill>
@@ -12355,7 +12551,7 @@
               <a:t>SQL</a:t>
             </a:r>
             <a:r>
-              <a:rPr kumimoji="1" lang="ja-JP" altLang="en-US" sz="1400" dirty="0" smtClean="0">
+              <a:rPr kumimoji="1" lang="ja-JP" altLang="en-US" sz="1400" dirty="0">
                 <a:solidFill>
                   <a:schemeClr val="bg1"/>
                 </a:solidFill>
@@ -12393,9 +12589,27 @@
                 <a:tableStyleId>{5C22544A-7EE6-4342-B048-85BDC9FD1C3A}</a:tableStyleId>
               </a:tblPr>
               <a:tblGrid>
-                <a:gridCol w="1075266"/>
-                <a:gridCol w="1701800"/>
-                <a:gridCol w="1752601"/>
+                <a:gridCol w="1075266">
+                  <a:extLst>
+                    <a:ext uri="{9D8B030D-6E8A-4147-A177-3AD203B41FA5}">
+                      <a16:colId xmlns:a16="http://schemas.microsoft.com/office/drawing/2014/main" val="20000"/>
+                    </a:ext>
+                  </a:extLst>
+                </a:gridCol>
+                <a:gridCol w="1701800">
+                  <a:extLst>
+                    <a:ext uri="{9D8B030D-6E8A-4147-A177-3AD203B41FA5}">
+                      <a16:colId xmlns:a16="http://schemas.microsoft.com/office/drawing/2014/main" val="20001"/>
+                    </a:ext>
+                  </a:extLst>
+                </a:gridCol>
+                <a:gridCol w="1752601">
+                  <a:extLst>
+                    <a:ext uri="{9D8B030D-6E8A-4147-A177-3AD203B41FA5}">
+                      <a16:colId xmlns:a16="http://schemas.microsoft.com/office/drawing/2014/main" val="20002"/>
+                    </a:ext>
+                  </a:extLst>
+                </a:gridCol>
               </a:tblGrid>
               <a:tr h="370840">
                 <a:tc>
@@ -12405,18 +12619,13 @@
                     <a:p>
                       <a:pPr algn="ctr"/>
                       <a:r>
-                        <a:rPr kumimoji="1" lang="ja-JP" altLang="en-US" dirty="0" smtClean="0">
+                        <a:rPr kumimoji="1" lang="ja-JP" altLang="en-US" dirty="0">
                           <a:solidFill>
                             <a:schemeClr val="tx1"/>
                           </a:solidFill>
                         </a:rPr>
                         <a:t>サマリ</a:t>
                       </a:r>
-                      <a:endParaRPr kumimoji="1" lang="ja-JP" altLang="en-US" dirty="0">
-                        <a:solidFill>
-                          <a:schemeClr val="tx1"/>
-                        </a:solidFill>
-                      </a:endParaRPr>
                     </a:p>
                   </a:txBody>
                   <a:tcPr>
@@ -12432,7 +12641,7 @@
                     <a:p>
                       <a:pPr algn="r"/>
                       <a:r>
-                        <a:rPr kumimoji="1" lang="en-US" altLang="ja-JP" dirty="0" smtClean="0">
+                        <a:rPr kumimoji="1" lang="en-US" altLang="ja-JP" dirty="0">
                           <a:solidFill>
                             <a:schemeClr val="tx1"/>
                           </a:solidFill>
@@ -12459,7 +12668,7 @@
                     <a:p>
                       <a:pPr algn="r"/>
                       <a:r>
-                        <a:rPr kumimoji="1" lang="en-US" altLang="ja-JP" dirty="0" smtClean="0">
+                        <a:rPr kumimoji="1" lang="en-US" altLang="ja-JP" dirty="0">
                           <a:solidFill>
                             <a:schemeClr val="tx1"/>
                           </a:solidFill>
@@ -12479,6 +12688,11 @@
                     </a:solidFill>
                   </a:tcPr>
                 </a:tc>
+                <a:extLst>
+                  <a:ext uri="{0D108BD9-81ED-4DB2-BD59-A6C34878D82A}">
+                    <a16:rowId xmlns:a16="http://schemas.microsoft.com/office/drawing/2014/main" val="10000"/>
+                  </a:ext>
+                </a:extLst>
               </a:tr>
               <a:tr h="370840">
                 <a:tc>
@@ -12488,10 +12702,9 @@
                     <a:p>
                       <a:pPr algn="ctr"/>
                       <a:r>
-                        <a:rPr kumimoji="1" lang="ja-JP" altLang="en-US" b="1" dirty="0" smtClean="0"/>
+                        <a:rPr kumimoji="1" lang="ja-JP" altLang="en-US" b="1" dirty="0"/>
                         <a:t>％表示</a:t>
                       </a:r>
-                      <a:endParaRPr kumimoji="1" lang="ja-JP" altLang="en-US" b="1" dirty="0"/>
                     </a:p>
                   </a:txBody>
                   <a:tcPr/>
@@ -12503,7 +12716,7 @@
                     <a:p>
                       <a:pPr algn="r"/>
                       <a:r>
-                        <a:rPr kumimoji="1" lang="en-US" altLang="ja-JP" b="1" dirty="0" smtClean="0">
+                        <a:rPr kumimoji="1" lang="en-US" altLang="ja-JP" b="1" dirty="0">
                           <a:solidFill>
                             <a:schemeClr val="tx1"/>
                           </a:solidFill>
@@ -12526,7 +12739,7 @@
                     <a:p>
                       <a:pPr algn="r"/>
                       <a:r>
-                        <a:rPr kumimoji="1" lang="en-US" altLang="ja-JP" b="1" dirty="0" smtClean="0">
+                        <a:rPr kumimoji="1" lang="en-US" altLang="ja-JP" b="1" dirty="0">
                           <a:solidFill>
                             <a:schemeClr val="tx1"/>
                           </a:solidFill>
@@ -12546,6 +12759,11 @@
                     </a:solidFill>
                   </a:tcPr>
                 </a:tc>
+                <a:extLst>
+                  <a:ext uri="{0D108BD9-81ED-4DB2-BD59-A6C34878D82A}">
+                    <a16:rowId xmlns:a16="http://schemas.microsoft.com/office/drawing/2014/main" val="10001"/>
+                  </a:ext>
+                </a:extLst>
               </a:tr>
             </a:tbl>
           </a:graphicData>
@@ -12589,7 +12807,7 @@
           <a:lstStyle/>
           <a:p>
             <a:r>
-              <a:rPr kumimoji="1" lang="ja-JP" altLang="en-US" sz="1400" dirty="0" smtClean="0">
+              <a:rPr kumimoji="1" lang="ja-JP" altLang="en-US" sz="1400" dirty="0">
                 <a:solidFill>
                   <a:schemeClr val="tx1"/>
                 </a:solidFill>
@@ -12640,7 +12858,7 @@
           <a:lstStyle/>
           <a:p>
             <a:r>
-              <a:rPr kumimoji="1" lang="ja-JP" altLang="en-US" sz="1400" dirty="0" smtClean="0">
+              <a:rPr kumimoji="1" lang="ja-JP" altLang="en-US" sz="1400" dirty="0">
                 <a:solidFill>
                   <a:schemeClr val="tx1"/>
                 </a:solidFill>
@@ -12691,7 +12909,7 @@
           <a:lstStyle/>
           <a:p>
             <a:r>
-              <a:rPr kumimoji="1" lang="ja-JP" altLang="en-US" sz="1400" dirty="0" smtClean="0">
+              <a:rPr kumimoji="1" lang="ja-JP" altLang="en-US" sz="1400" dirty="0">
                 <a:solidFill>
                   <a:schemeClr val="tx1"/>
                 </a:solidFill>
@@ -12705,6 +12923,9 @@
         </p:txBody>
       </p:sp>
     </p:spTree>
+    <p:custDataLst>
+      <p:tags r:id="rId1"/>
+    </p:custDataLst>
     <p:extLst>
       <p:ext uri="{BB962C8B-B14F-4D97-AF65-F5344CB8AC3E}">
         <p14:creationId xmlns:p14="http://schemas.microsoft.com/office/powerpoint/2010/main" val="1330105261"/>
@@ -13120,13 +13341,43 @@
   <p:tag name="ISPRING_SCORM_RATE_SLIDES" val="1"/>
   <p:tag name="ISPRINGCLOUDFOLDERID" val="1"/>
   <p:tag name="ISPRINGONLINEFOLDERID" val="1"/>
-  <p:tag name="ISPRING_OUTPUT_FOLDER" val="[[&quot;x6\&quot;T{0A1F2BAE-1CEA-4DCF-97F0-F7F7D714EBC9}&quot;,&quot;C:\\Users\\kejun.chang\\Documents\\GitHub\\efw4_online_ppt&quot;]]"/>
-  <p:tag name="ISPRING_PUBLISH_SETTINGS" val="{&quot;commonSettings&quot;:{&quot;webSettings&quot;:{&quot;useMobileViewer&quot;:&quot;T_FALSE&quot;},&quot;lmsSettings&quot;:{&quot;useMobileViewer&quot;:&quot;T_FALSE&quot;},&quot;cloudSettings&quot;:{&quot;useMobileViewer&quot;:&quot;T_FALSE&quot;},&quot;ispringLmsSettings&quot;:{&quot;useMobileViewer&quot;:&quot;T_FALSE&quot;},&quot;playerId&quot;:&quot;free&quot;},&quot;advancedSettings&quot;:{&quot;enableTextAllocation&quot;:&quot;T_TRUE&quot;,&quot;viewingFromLocalDrive&quot;:&quot;T_TRUE&quot;,&quot;contentScale&quot;:75,&quot;contentScaleMode&quot;:&quot;SCALE&quot;},&quot;compressionSettings&quot;:{&quot;imageSettings&quot;:{&quot;jpegQuality&quot;:70,&quot;optimizeImageForResolution&quot;:&quot;T_FALSE&quot;},&quot;audioQuality&quot;:70,&quot;videoQuality&quot;:65},&quot;protectionSettings&quot;:{&quot;watermarkEnabled&quot;:&quot;T_FALSE&quot;,&quot;watermarkPosition&quot;:&quot;MIDDLE_CENTER&quot;,&quot;openWatermarkUrl&quot;:&quot;T_FALSE&quot;,&quot;openWatermarkWebPageInNewWindow&quot;:&quot;T_FALSE&quot;,&quot;displayAfterEnabled&quot;:&quot;T_FALSE&quot;,&quot;displayUntilEnabled&quot;:&quot;T_FALSE&quot;,&quot;domainRestrictionEnabled&quot;:&quot;T_FALSE&quot;,&quot;enablePassword&quot;:&quot;T_FALSE&quot;},&quot;videoSettings&quot;:{&quot;videoCompressionSettings&quot;:{&quot;audioQuality&quot;:70,&quot;videoQuality&quot;:75},&quot;secondsOnEachSlide&quot;:5,&quot;hostingSettings&quot;:{}},&quot;ispringOnlineSettings&quot;:{&quot;onlineDestinationFolderId&quot;:&quot;1&quot;},&quot;cloudSettings&quot;:{&quot;onlineDestinationFolderId&quot;:&quot;1&quot;},&quot;wordSettings&quot;:{&quot;printCopies&quot;:1}}"/>
   <p:tag name="ISPRING_SCORM_PASSING_SCORE" val="100.000000"/>
   <p:tag name="ISPRING_ULTRA_SCORM_COURCE_TITLE" val="EFWとMVCの比較v0.1"/>
+  <p:tag name="ISPRING_PRESENTATION_TITLE" val="EFWとMVCの比較v0.1"/>
   <p:tag name="ISPRING_SCORM_ENDPOINT" val="&lt;endpoint&gt;&lt;enable&gt;0&lt;/enable&gt;&lt;lrs&gt;http://&lt;/lrs&gt;&lt;auth&gt;0&lt;/auth&gt;&lt;login&gt;&lt;/login&gt;&lt;password&gt;&lt;/password&gt;&lt;key&gt;&lt;/key&gt;&lt;name&gt;&lt;/name&gt;&lt;email&gt;&lt;/email&gt;&lt;/endpoint&gt;&#10;"/>
+  <p:tag name="ISPRING_OUTPUT_FOLDER" val="[[&quot;f\uFFFD_\u0000{F3869DA2-F2D5-46CF-899A-5B1CA6DA96AF}&quot;,&quot;C:\\Users\\kejun.chang\\Documents\\GitHub\\efw4_online_ppt&quot;],[&quot;x6\&quot;T{0A1F2BAE-1CEA-4DCF-97F0-F7F7D714EBC9}&quot;,&quot;C:\\Users\\kejun.chang\\Documents\\GitHub\\efw4_online_ppt&quot;]]"/>
+  <p:tag name="ISPRING_PUBLISH_SETTINGS" val="{&quot;commonSettings&quot;:{&quot;webSettings&quot;:{&quot;useMobileViewer&quot;:&quot;T_FALSE&quot;},&quot;lmsSettings&quot;:{&quot;useMobileViewer&quot;:&quot;T_FALSE&quot;},&quot;cloudSettings&quot;:{&quot;useMobileViewer&quot;:&quot;T_FALSE&quot;},&quot;ispringLmsSettings&quot;:{&quot;useMobileViewer&quot;:&quot;T_FALSE&quot;},&quot;playerId&quot;:&quot;universal&quot;,&quot;studioSettings&quot;:{&quot;useMobileViewer&quot;:&quot;T_FALSE&quot;}},&quot;advancedSettings&quot;:{&quot;enableTextAllocation&quot;:&quot;T_TRUE&quot;,&quot;viewingFromLocalDrive&quot;:&quot;T_TRUE&quot;,&quot;contentScale&quot;:75,&quot;contentScaleMode&quot;:&quot;SCALE&quot;},&quot;accessibilitySettings&quot;:{&quot;enabled&quot;:&quot;T_FALSE&quot;},&quot;compressionSettings&quot;:{&quot;imageSettings&quot;:{&quot;jpegQuality&quot;:70,&quot;optimizeImageForResolution&quot;:&quot;T_FALSE&quot;},&quot;audioQuality&quot;:70,&quot;videoQuality&quot;:65},&quot;protectionSettings&quot;:{&quot;watermarkEnabled&quot;:&quot;T_FALSE&quot;,&quot;watermarkPosition&quot;:&quot;MIDDLE_CENTER&quot;,&quot;openWatermarkUrl&quot;:&quot;T_FALSE&quot;,&quot;openWatermarkWebPageInNewWindow&quot;:&quot;T_FALSE&quot;,&quot;displayAfterEnabled&quot;:&quot;T_FALSE&quot;,&quot;displayUntilEnabled&quot;:&quot;T_FALSE&quot;,&quot;domainRestrictionEnabled&quot;:&quot;T_FALSE&quot;,&quot;enablePassword&quot;:&quot;T_FALSE&quot;},&quot;videoSettings&quot;:{&quot;videoCompressionSettings&quot;:{&quot;audioQuality&quot;:70,&quot;videoQuality&quot;:75},&quot;secondsOnEachSlide&quot;:5,&quot;hostingSettings&quot;:{}},&quot;ispringOnlineSettings&quot;:{&quot;onlineDestinationFolderId&quot;:&quot;1&quot;},&quot;cloudSettings&quot;:{&quot;onlineDestinationFolderId&quot;:&quot;1&quot;},&quot;wordSettings&quot;:{&quot;printCopies&quot;:1},&quot;studioSettings&quot;:{}}"/>
   <p:tag name="ISPRING_SCORM_RATE_QUIZZES" val="0"/>
-  <p:tag name="ISPRING_PRESENTATION_TITLE" val="EFWとMVCの比較v0.1"/>
+</p:tagLst>
+</file>
+
+<file path=ppt/tags/tag2.xml><?xml version="1.0" encoding="utf-8"?>
+<p:tagLst xmlns:a="http://schemas.openxmlformats.org/drawingml/2006/main" xmlns:r="http://schemas.openxmlformats.org/officeDocument/2006/relationships" xmlns:p="http://schemas.openxmlformats.org/presentationml/2006/main">
+  <p:tag name="GENSWF_SLIDE_UID" val="{663AEFB4-AF13-4D80-94E5-74D4A67FC954}:392"/>
+</p:tagLst>
+</file>
+
+<file path=ppt/tags/tag3.xml><?xml version="1.0" encoding="utf-8"?>
+<p:tagLst xmlns:a="http://schemas.openxmlformats.org/drawingml/2006/main" xmlns:r="http://schemas.openxmlformats.org/officeDocument/2006/relationships" xmlns:p="http://schemas.openxmlformats.org/presentationml/2006/main">
+  <p:tag name="GENSWF_SLIDE_UID" val="{C1FF5DDD-56CF-4800-A719-9A613A1D7B02}:431"/>
+</p:tagLst>
+</file>
+
+<file path=ppt/tags/tag4.xml><?xml version="1.0" encoding="utf-8"?>
+<p:tagLst xmlns:a="http://schemas.openxmlformats.org/drawingml/2006/main" xmlns:r="http://schemas.openxmlformats.org/officeDocument/2006/relationships" xmlns:p="http://schemas.openxmlformats.org/presentationml/2006/main">
+  <p:tag name="GENSWF_SLIDE_UID" val="{E28D5E27-CD7A-456A-B456-6C194625E10D}:434"/>
+</p:tagLst>
+</file>
+
+<file path=ppt/tags/tag5.xml><?xml version="1.0" encoding="utf-8"?>
+<p:tagLst xmlns:a="http://schemas.openxmlformats.org/drawingml/2006/main" xmlns:r="http://schemas.openxmlformats.org/officeDocument/2006/relationships" xmlns:p="http://schemas.openxmlformats.org/presentationml/2006/main">
+  <p:tag name="GENSWF_SLIDE_UID" val="{6EE7B923-7F60-403F-A0D3-9962A3AF481C}:435"/>
+</p:tagLst>
+</file>
+
+<file path=ppt/tags/tag6.xml><?xml version="1.0" encoding="utf-8"?>
+<p:tagLst xmlns:a="http://schemas.openxmlformats.org/drawingml/2006/main" xmlns:r="http://schemas.openxmlformats.org/officeDocument/2006/relationships" xmlns:p="http://schemas.openxmlformats.org/presentationml/2006/main">
+  <p:tag name="GENSWF_SLIDE_UID" val="{2183A879-1FB3-43D9-8488-7216FA33F4B9}:436"/>
 </p:tagLst>
 </file>
 
